--- a/Cuisine_Classification.pptx
+++ b/Cuisine_Classification.pptx
@@ -118,6 +118,3522 @@
     </p:ext>
   </p:extLst>
 </p:presentation>
+</file>
+
+<file path=ppt/diagrams/colors1.xml><?xml version="1.0" encoding="utf-8"?>
+<dgm:colorsDef xmlns:dgm="http://schemas.openxmlformats.org/drawingml/2006/diagram" xmlns:a="http://schemas.openxmlformats.org/drawingml/2006/main" uniqueId="urn:microsoft.com/office/officeart/2005/8/colors/accent1_2">
+  <dgm:title val=""/>
+  <dgm:desc val=""/>
+  <dgm:catLst>
+    <dgm:cat type="accent1" pri="11200"/>
+  </dgm:catLst>
+  <dgm:styleLbl name="node0">
+    <dgm:fillClrLst meth="repeat">
+      <a:schemeClr val="accent1"/>
+    </dgm:fillClrLst>
+    <dgm:linClrLst meth="repeat">
+      <a:schemeClr val="lt1"/>
+    </dgm:linClrLst>
+    <dgm:effectClrLst/>
+    <dgm:txLinClrLst/>
+    <dgm:txFillClrLst/>
+    <dgm:txEffectClrLst/>
+  </dgm:styleLbl>
+  <dgm:styleLbl name="alignNode1">
+    <dgm:fillClrLst meth="repeat">
+      <a:schemeClr val="accent1"/>
+    </dgm:fillClrLst>
+    <dgm:linClrLst meth="repeat">
+      <a:schemeClr val="accent1"/>
+    </dgm:linClrLst>
+    <dgm:effectClrLst/>
+    <dgm:txLinClrLst/>
+    <dgm:txFillClrLst/>
+    <dgm:txEffectClrLst/>
+  </dgm:styleLbl>
+  <dgm:styleLbl name="node1">
+    <dgm:fillClrLst meth="repeat">
+      <a:schemeClr val="accent1"/>
+    </dgm:fillClrLst>
+    <dgm:linClrLst meth="repeat">
+      <a:schemeClr val="lt1"/>
+    </dgm:linClrLst>
+    <dgm:effectClrLst/>
+    <dgm:txLinClrLst/>
+    <dgm:txFillClrLst/>
+    <dgm:txEffectClrLst/>
+  </dgm:styleLbl>
+  <dgm:styleLbl name="lnNode1">
+    <dgm:fillClrLst meth="repeat">
+      <a:schemeClr val="accent1"/>
+    </dgm:fillClrLst>
+    <dgm:linClrLst meth="repeat">
+      <a:schemeClr val="lt1"/>
+    </dgm:linClrLst>
+    <dgm:effectClrLst/>
+    <dgm:txLinClrLst/>
+    <dgm:txFillClrLst/>
+    <dgm:txEffectClrLst/>
+  </dgm:styleLbl>
+  <dgm:styleLbl name="vennNode1">
+    <dgm:fillClrLst meth="repeat">
+      <a:schemeClr val="accent1">
+        <a:alpha val="50000"/>
+      </a:schemeClr>
+    </dgm:fillClrLst>
+    <dgm:linClrLst meth="repeat">
+      <a:schemeClr val="lt1"/>
+    </dgm:linClrLst>
+    <dgm:effectClrLst/>
+    <dgm:txLinClrLst/>
+    <dgm:txFillClrLst/>
+    <dgm:txEffectClrLst/>
+  </dgm:styleLbl>
+  <dgm:styleLbl name="node2">
+    <dgm:fillClrLst meth="repeat">
+      <a:schemeClr val="accent1"/>
+    </dgm:fillClrLst>
+    <dgm:linClrLst meth="repeat">
+      <a:schemeClr val="lt1"/>
+    </dgm:linClrLst>
+    <dgm:effectClrLst/>
+    <dgm:txLinClrLst/>
+    <dgm:txFillClrLst/>
+    <dgm:txEffectClrLst/>
+  </dgm:styleLbl>
+  <dgm:styleLbl name="node3">
+    <dgm:fillClrLst meth="repeat">
+      <a:schemeClr val="accent1"/>
+    </dgm:fillClrLst>
+    <dgm:linClrLst meth="repeat">
+      <a:schemeClr val="lt1"/>
+    </dgm:linClrLst>
+    <dgm:effectClrLst/>
+    <dgm:txLinClrLst/>
+    <dgm:txFillClrLst/>
+    <dgm:txEffectClrLst/>
+  </dgm:styleLbl>
+  <dgm:styleLbl name="node4">
+    <dgm:fillClrLst meth="repeat">
+      <a:schemeClr val="accent1"/>
+    </dgm:fillClrLst>
+    <dgm:linClrLst meth="repeat">
+      <a:schemeClr val="lt1"/>
+    </dgm:linClrLst>
+    <dgm:effectClrLst/>
+    <dgm:txLinClrLst/>
+    <dgm:txFillClrLst/>
+    <dgm:txEffectClrLst/>
+  </dgm:styleLbl>
+  <dgm:styleLbl name="fgImgPlace1">
+    <dgm:fillClrLst meth="repeat">
+      <a:schemeClr val="accent1">
+        <a:tint val="50000"/>
+      </a:schemeClr>
+    </dgm:fillClrLst>
+    <dgm:linClrLst meth="repeat">
+      <a:schemeClr val="lt1"/>
+    </dgm:linClrLst>
+    <dgm:effectClrLst/>
+    <dgm:txLinClrLst/>
+    <dgm:txFillClrLst meth="repeat">
+      <a:schemeClr val="lt1"/>
+    </dgm:txFillClrLst>
+    <dgm:txEffectClrLst/>
+  </dgm:styleLbl>
+  <dgm:styleLbl name="alignImgPlace1">
+    <dgm:fillClrLst meth="repeat">
+      <a:schemeClr val="accent1">
+        <a:tint val="50000"/>
+      </a:schemeClr>
+    </dgm:fillClrLst>
+    <dgm:linClrLst meth="repeat">
+      <a:schemeClr val="lt1"/>
+    </dgm:linClrLst>
+    <dgm:effectClrLst/>
+    <dgm:txLinClrLst/>
+    <dgm:txFillClrLst meth="repeat">
+      <a:schemeClr val="lt1"/>
+    </dgm:txFillClrLst>
+    <dgm:txEffectClrLst/>
+  </dgm:styleLbl>
+  <dgm:styleLbl name="bgImgPlace1">
+    <dgm:fillClrLst meth="repeat">
+      <a:schemeClr val="accent1">
+        <a:tint val="50000"/>
+      </a:schemeClr>
+    </dgm:fillClrLst>
+    <dgm:linClrLst meth="repeat">
+      <a:schemeClr val="lt1"/>
+    </dgm:linClrLst>
+    <dgm:effectClrLst/>
+    <dgm:txLinClrLst/>
+    <dgm:txFillClrLst meth="repeat">
+      <a:schemeClr val="lt1"/>
+    </dgm:txFillClrLst>
+    <dgm:txEffectClrLst/>
+  </dgm:styleLbl>
+  <dgm:styleLbl name="sibTrans2D1">
+    <dgm:fillClrLst meth="repeat">
+      <a:schemeClr val="accent1">
+        <a:tint val="60000"/>
+      </a:schemeClr>
+    </dgm:fillClrLst>
+    <dgm:linClrLst meth="repeat">
+      <a:schemeClr val="accent1">
+        <a:tint val="60000"/>
+      </a:schemeClr>
+    </dgm:linClrLst>
+    <dgm:effectClrLst/>
+    <dgm:txLinClrLst/>
+    <dgm:txFillClrLst/>
+    <dgm:txEffectClrLst/>
+  </dgm:styleLbl>
+  <dgm:styleLbl name="fgSibTrans2D1">
+    <dgm:fillClrLst meth="repeat">
+      <a:schemeClr val="accent1">
+        <a:tint val="60000"/>
+      </a:schemeClr>
+    </dgm:fillClrLst>
+    <dgm:linClrLst meth="repeat">
+      <a:schemeClr val="accent1">
+        <a:tint val="60000"/>
+      </a:schemeClr>
+    </dgm:linClrLst>
+    <dgm:effectClrLst/>
+    <dgm:txLinClrLst/>
+    <dgm:txFillClrLst/>
+    <dgm:txEffectClrLst/>
+  </dgm:styleLbl>
+  <dgm:styleLbl name="bgSibTrans2D1">
+    <dgm:fillClrLst meth="repeat">
+      <a:schemeClr val="accent1">
+        <a:tint val="60000"/>
+      </a:schemeClr>
+    </dgm:fillClrLst>
+    <dgm:linClrLst meth="repeat">
+      <a:schemeClr val="accent1">
+        <a:tint val="60000"/>
+      </a:schemeClr>
+    </dgm:linClrLst>
+    <dgm:effectClrLst/>
+    <dgm:txLinClrLst/>
+    <dgm:txFillClrLst/>
+    <dgm:txEffectClrLst/>
+  </dgm:styleLbl>
+  <dgm:styleLbl name="sibTrans1D1">
+    <dgm:fillClrLst meth="repeat">
+      <a:schemeClr val="accent1"/>
+    </dgm:fillClrLst>
+    <dgm:linClrLst meth="repeat">
+      <a:schemeClr val="accent1"/>
+    </dgm:linClrLst>
+    <dgm:effectClrLst/>
+    <dgm:txLinClrLst/>
+    <dgm:txFillClrLst meth="repeat">
+      <a:schemeClr val="tx1"/>
+    </dgm:txFillClrLst>
+    <dgm:txEffectClrLst/>
+  </dgm:styleLbl>
+  <dgm:styleLbl name="callout">
+    <dgm:fillClrLst meth="repeat">
+      <a:schemeClr val="accent1"/>
+    </dgm:fillClrLst>
+    <dgm:linClrLst meth="repeat">
+      <a:schemeClr val="accent1">
+        <a:tint val="50000"/>
+      </a:schemeClr>
+    </dgm:linClrLst>
+    <dgm:effectClrLst/>
+    <dgm:txLinClrLst/>
+    <dgm:txFillClrLst meth="repeat">
+      <a:schemeClr val="tx1"/>
+    </dgm:txFillClrLst>
+    <dgm:txEffectClrLst/>
+  </dgm:styleLbl>
+  <dgm:styleLbl name="asst0">
+    <dgm:fillClrLst meth="repeat">
+      <a:schemeClr val="accent1"/>
+    </dgm:fillClrLst>
+    <dgm:linClrLst meth="repeat">
+      <a:schemeClr val="lt1"/>
+    </dgm:linClrLst>
+    <dgm:effectClrLst/>
+    <dgm:txLinClrLst/>
+    <dgm:txFillClrLst/>
+    <dgm:txEffectClrLst/>
+  </dgm:styleLbl>
+  <dgm:styleLbl name="asst1">
+    <dgm:fillClrLst meth="repeat">
+      <a:schemeClr val="accent1"/>
+    </dgm:fillClrLst>
+    <dgm:linClrLst meth="repeat">
+      <a:schemeClr val="lt1"/>
+    </dgm:linClrLst>
+    <dgm:effectClrLst/>
+    <dgm:txLinClrLst/>
+    <dgm:txFillClrLst/>
+    <dgm:txEffectClrLst/>
+  </dgm:styleLbl>
+  <dgm:styleLbl name="asst2">
+    <dgm:fillClrLst meth="repeat">
+      <a:schemeClr val="accent1"/>
+    </dgm:fillClrLst>
+    <dgm:linClrLst meth="repeat">
+      <a:schemeClr val="lt1"/>
+    </dgm:linClrLst>
+    <dgm:effectClrLst/>
+    <dgm:txLinClrLst/>
+    <dgm:txFillClrLst/>
+    <dgm:txEffectClrLst/>
+  </dgm:styleLbl>
+  <dgm:styleLbl name="asst3">
+    <dgm:fillClrLst meth="repeat">
+      <a:schemeClr val="accent1"/>
+    </dgm:fillClrLst>
+    <dgm:linClrLst meth="repeat">
+      <a:schemeClr val="lt1"/>
+    </dgm:linClrLst>
+    <dgm:effectClrLst/>
+    <dgm:txLinClrLst/>
+    <dgm:txFillClrLst/>
+    <dgm:txEffectClrLst/>
+  </dgm:styleLbl>
+  <dgm:styleLbl name="asst4">
+    <dgm:fillClrLst meth="repeat">
+      <a:schemeClr val="accent1"/>
+    </dgm:fillClrLst>
+    <dgm:linClrLst meth="repeat">
+      <a:schemeClr val="lt1"/>
+    </dgm:linClrLst>
+    <dgm:effectClrLst/>
+    <dgm:txLinClrLst/>
+    <dgm:txFillClrLst/>
+    <dgm:txEffectClrLst/>
+  </dgm:styleLbl>
+  <dgm:styleLbl name="parChTrans2D1">
+    <dgm:fillClrLst meth="repeat">
+      <a:schemeClr val="accent1">
+        <a:tint val="60000"/>
+      </a:schemeClr>
+    </dgm:fillClrLst>
+    <dgm:linClrLst meth="repeat">
+      <a:schemeClr val="accent1">
+        <a:tint val="60000"/>
+      </a:schemeClr>
+    </dgm:linClrLst>
+    <dgm:effectClrLst/>
+    <dgm:txLinClrLst/>
+    <dgm:txFillClrLst meth="repeat">
+      <a:schemeClr val="lt1"/>
+    </dgm:txFillClrLst>
+    <dgm:txEffectClrLst/>
+  </dgm:styleLbl>
+  <dgm:styleLbl name="parChTrans2D2">
+    <dgm:fillClrLst meth="repeat">
+      <a:schemeClr val="accent1"/>
+    </dgm:fillClrLst>
+    <dgm:linClrLst meth="repeat">
+      <a:schemeClr val="accent1"/>
+    </dgm:linClrLst>
+    <dgm:effectClrLst/>
+    <dgm:txLinClrLst/>
+    <dgm:txFillClrLst meth="repeat">
+      <a:schemeClr val="lt1"/>
+    </dgm:txFillClrLst>
+    <dgm:txEffectClrLst/>
+  </dgm:styleLbl>
+  <dgm:styleLbl name="parChTrans2D3">
+    <dgm:fillClrLst meth="repeat">
+      <a:schemeClr val="accent1"/>
+    </dgm:fillClrLst>
+    <dgm:linClrLst meth="repeat">
+      <a:schemeClr val="accent1"/>
+    </dgm:linClrLst>
+    <dgm:effectClrLst/>
+    <dgm:txLinClrLst/>
+    <dgm:txFillClrLst meth="repeat">
+      <a:schemeClr val="lt1"/>
+    </dgm:txFillClrLst>
+    <dgm:txEffectClrLst/>
+  </dgm:styleLbl>
+  <dgm:styleLbl name="parChTrans2D4">
+    <dgm:fillClrLst meth="repeat">
+      <a:schemeClr val="accent1"/>
+    </dgm:fillClrLst>
+    <dgm:linClrLst meth="repeat">
+      <a:schemeClr val="accent1"/>
+    </dgm:linClrLst>
+    <dgm:effectClrLst/>
+    <dgm:txLinClrLst/>
+    <dgm:txFillClrLst meth="repeat">
+      <a:schemeClr val="lt1"/>
+    </dgm:txFillClrLst>
+    <dgm:txEffectClrLst/>
+  </dgm:styleLbl>
+  <dgm:styleLbl name="parChTrans1D1">
+    <dgm:fillClrLst meth="repeat">
+      <a:schemeClr val="accent1"/>
+    </dgm:fillClrLst>
+    <dgm:linClrLst meth="repeat">
+      <a:schemeClr val="accent1">
+        <a:shade val="60000"/>
+      </a:schemeClr>
+    </dgm:linClrLst>
+    <dgm:effectClrLst/>
+    <dgm:txLinClrLst/>
+    <dgm:txFillClrLst meth="repeat">
+      <a:schemeClr val="tx1"/>
+    </dgm:txFillClrLst>
+    <dgm:txEffectClrLst/>
+  </dgm:styleLbl>
+  <dgm:styleLbl name="parChTrans1D2">
+    <dgm:fillClrLst meth="repeat">
+      <a:schemeClr val="accent1"/>
+    </dgm:fillClrLst>
+    <dgm:linClrLst meth="repeat">
+      <a:schemeClr val="accent1">
+        <a:shade val="60000"/>
+      </a:schemeClr>
+    </dgm:linClrLst>
+    <dgm:effectClrLst/>
+    <dgm:txLinClrLst/>
+    <dgm:txFillClrLst meth="repeat">
+      <a:schemeClr val="tx1"/>
+    </dgm:txFillClrLst>
+    <dgm:txEffectClrLst/>
+  </dgm:styleLbl>
+  <dgm:styleLbl name="parChTrans1D3">
+    <dgm:fillClrLst meth="repeat">
+      <a:schemeClr val="accent1"/>
+    </dgm:fillClrLst>
+    <dgm:linClrLst meth="repeat">
+      <a:schemeClr val="accent1">
+        <a:shade val="80000"/>
+      </a:schemeClr>
+    </dgm:linClrLst>
+    <dgm:effectClrLst/>
+    <dgm:txLinClrLst/>
+    <dgm:txFillClrLst meth="repeat">
+      <a:schemeClr val="tx1"/>
+    </dgm:txFillClrLst>
+    <dgm:txEffectClrLst/>
+  </dgm:styleLbl>
+  <dgm:styleLbl name="parChTrans1D4">
+    <dgm:fillClrLst meth="repeat">
+      <a:schemeClr val="accent1"/>
+    </dgm:fillClrLst>
+    <dgm:linClrLst meth="repeat">
+      <a:schemeClr val="accent1">
+        <a:shade val="80000"/>
+      </a:schemeClr>
+    </dgm:linClrLst>
+    <dgm:effectClrLst/>
+    <dgm:txLinClrLst/>
+    <dgm:txFillClrLst meth="repeat">
+      <a:schemeClr val="tx1"/>
+    </dgm:txFillClrLst>
+    <dgm:txEffectClrLst/>
+  </dgm:styleLbl>
+  <dgm:styleLbl name="fgAcc1">
+    <dgm:fillClrLst meth="repeat">
+      <a:schemeClr val="lt1">
+        <a:alpha val="90000"/>
+      </a:schemeClr>
+    </dgm:fillClrLst>
+    <dgm:linClrLst meth="repeat">
+      <a:schemeClr val="accent1"/>
+    </dgm:linClrLst>
+    <dgm:effectClrLst/>
+    <dgm:txLinClrLst/>
+    <dgm:txFillClrLst meth="repeat">
+      <a:schemeClr val="dk1"/>
+    </dgm:txFillClrLst>
+    <dgm:txEffectClrLst/>
+  </dgm:styleLbl>
+  <dgm:styleLbl name="conFgAcc1">
+    <dgm:fillClrLst meth="repeat">
+      <a:schemeClr val="lt1">
+        <a:alpha val="90000"/>
+      </a:schemeClr>
+    </dgm:fillClrLst>
+    <dgm:linClrLst meth="repeat">
+      <a:schemeClr val="accent1"/>
+    </dgm:linClrLst>
+    <dgm:effectClrLst/>
+    <dgm:txLinClrLst/>
+    <dgm:txFillClrLst meth="repeat">
+      <a:schemeClr val="dk1"/>
+    </dgm:txFillClrLst>
+    <dgm:txEffectClrLst/>
+  </dgm:styleLbl>
+  <dgm:styleLbl name="alignAcc1">
+    <dgm:fillClrLst meth="repeat">
+      <a:schemeClr val="lt1">
+        <a:alpha val="90000"/>
+      </a:schemeClr>
+    </dgm:fillClrLst>
+    <dgm:linClrLst meth="repeat">
+      <a:schemeClr val="accent1"/>
+    </dgm:linClrLst>
+    <dgm:effectClrLst/>
+    <dgm:txLinClrLst/>
+    <dgm:txFillClrLst meth="repeat">
+      <a:schemeClr val="dk1"/>
+    </dgm:txFillClrLst>
+    <dgm:txEffectClrLst/>
+  </dgm:styleLbl>
+  <dgm:styleLbl name="trAlignAcc1">
+    <dgm:fillClrLst meth="repeat">
+      <a:schemeClr val="lt1">
+        <a:alpha val="40000"/>
+      </a:schemeClr>
+    </dgm:fillClrLst>
+    <dgm:linClrLst meth="repeat">
+      <a:schemeClr val="accent1"/>
+    </dgm:linClrLst>
+    <dgm:effectClrLst/>
+    <dgm:txLinClrLst/>
+    <dgm:txFillClrLst meth="repeat">
+      <a:schemeClr val="dk1"/>
+    </dgm:txFillClrLst>
+    <dgm:txEffectClrLst/>
+  </dgm:styleLbl>
+  <dgm:styleLbl name="bgAcc1">
+    <dgm:fillClrLst meth="repeat">
+      <a:schemeClr val="lt1">
+        <a:alpha val="90000"/>
+      </a:schemeClr>
+    </dgm:fillClrLst>
+    <dgm:linClrLst meth="repeat">
+      <a:schemeClr val="accent1"/>
+    </dgm:linClrLst>
+    <dgm:effectClrLst/>
+    <dgm:txLinClrLst/>
+    <dgm:txFillClrLst meth="repeat">
+      <a:schemeClr val="dk1"/>
+    </dgm:txFillClrLst>
+    <dgm:txEffectClrLst/>
+  </dgm:styleLbl>
+  <dgm:styleLbl name="solidFgAcc1">
+    <dgm:fillClrLst meth="repeat">
+      <a:schemeClr val="lt1"/>
+    </dgm:fillClrLst>
+    <dgm:linClrLst meth="repeat">
+      <a:schemeClr val="accent1"/>
+    </dgm:linClrLst>
+    <dgm:effectClrLst/>
+    <dgm:txLinClrLst/>
+    <dgm:txFillClrLst meth="repeat">
+      <a:schemeClr val="dk1"/>
+    </dgm:txFillClrLst>
+    <dgm:txEffectClrLst/>
+  </dgm:styleLbl>
+  <dgm:styleLbl name="solidAlignAcc1">
+    <dgm:fillClrLst meth="repeat">
+      <a:schemeClr val="lt1"/>
+    </dgm:fillClrLst>
+    <dgm:linClrLst meth="repeat">
+      <a:schemeClr val="accent1"/>
+    </dgm:linClrLst>
+    <dgm:effectClrLst/>
+    <dgm:txLinClrLst/>
+    <dgm:txFillClrLst meth="repeat">
+      <a:schemeClr val="dk1"/>
+    </dgm:txFillClrLst>
+    <dgm:txEffectClrLst/>
+  </dgm:styleLbl>
+  <dgm:styleLbl name="solidBgAcc1">
+    <dgm:fillClrLst meth="repeat">
+      <a:schemeClr val="lt1"/>
+    </dgm:fillClrLst>
+    <dgm:linClrLst meth="repeat">
+      <a:schemeClr val="accent1"/>
+    </dgm:linClrLst>
+    <dgm:effectClrLst/>
+    <dgm:txLinClrLst/>
+    <dgm:txFillClrLst meth="repeat">
+      <a:schemeClr val="dk1"/>
+    </dgm:txFillClrLst>
+    <dgm:txEffectClrLst/>
+  </dgm:styleLbl>
+  <dgm:styleLbl name="fgAccFollowNode1">
+    <dgm:fillClrLst meth="repeat">
+      <a:schemeClr val="accent1">
+        <a:alpha val="90000"/>
+        <a:tint val="40000"/>
+      </a:schemeClr>
+    </dgm:fillClrLst>
+    <dgm:linClrLst meth="repeat">
+      <a:schemeClr val="accent1">
+        <a:alpha val="90000"/>
+        <a:tint val="40000"/>
+      </a:schemeClr>
+    </dgm:linClrLst>
+    <dgm:effectClrLst/>
+    <dgm:txLinClrLst/>
+    <dgm:txFillClrLst meth="repeat">
+      <a:schemeClr val="dk1"/>
+    </dgm:txFillClrLst>
+    <dgm:txEffectClrLst/>
+  </dgm:styleLbl>
+  <dgm:styleLbl name="alignAccFollowNode1">
+    <dgm:fillClrLst meth="repeat">
+      <a:schemeClr val="accent1">
+        <a:alpha val="90000"/>
+        <a:tint val="40000"/>
+      </a:schemeClr>
+    </dgm:fillClrLst>
+    <dgm:linClrLst meth="repeat">
+      <a:schemeClr val="accent1">
+        <a:alpha val="90000"/>
+        <a:tint val="40000"/>
+      </a:schemeClr>
+    </dgm:linClrLst>
+    <dgm:effectClrLst/>
+    <dgm:txLinClrLst/>
+    <dgm:txFillClrLst meth="repeat">
+      <a:schemeClr val="dk1"/>
+    </dgm:txFillClrLst>
+    <dgm:txEffectClrLst/>
+  </dgm:styleLbl>
+  <dgm:styleLbl name="bgAccFollowNode1">
+    <dgm:fillClrLst meth="repeat">
+      <a:schemeClr val="accent1">
+        <a:alpha val="90000"/>
+        <a:tint val="40000"/>
+      </a:schemeClr>
+    </dgm:fillClrLst>
+    <dgm:linClrLst meth="repeat">
+      <a:schemeClr val="accent1">
+        <a:alpha val="90000"/>
+        <a:tint val="40000"/>
+      </a:schemeClr>
+    </dgm:linClrLst>
+    <dgm:effectClrLst/>
+    <dgm:txLinClrLst/>
+    <dgm:txFillClrLst meth="repeat">
+      <a:schemeClr val="dk1"/>
+    </dgm:txFillClrLst>
+    <dgm:txEffectClrLst/>
+  </dgm:styleLbl>
+  <dgm:styleLbl name="fgAcc0">
+    <dgm:fillClrLst meth="repeat">
+      <a:schemeClr val="lt1">
+        <a:alpha val="90000"/>
+      </a:schemeClr>
+    </dgm:fillClrLst>
+    <dgm:linClrLst meth="repeat">
+      <a:schemeClr val="accent1"/>
+    </dgm:linClrLst>
+    <dgm:effectClrLst/>
+    <dgm:txLinClrLst/>
+    <dgm:txFillClrLst meth="repeat">
+      <a:schemeClr val="dk1"/>
+    </dgm:txFillClrLst>
+    <dgm:txEffectClrLst/>
+  </dgm:styleLbl>
+  <dgm:styleLbl name="fgAcc2">
+    <dgm:fillClrLst meth="repeat">
+      <a:schemeClr val="lt1">
+        <a:alpha val="90000"/>
+      </a:schemeClr>
+    </dgm:fillClrLst>
+    <dgm:linClrLst meth="repeat">
+      <a:schemeClr val="accent1"/>
+    </dgm:linClrLst>
+    <dgm:effectClrLst/>
+    <dgm:txLinClrLst/>
+    <dgm:txFillClrLst meth="repeat">
+      <a:schemeClr val="dk1"/>
+    </dgm:txFillClrLst>
+    <dgm:txEffectClrLst/>
+  </dgm:styleLbl>
+  <dgm:styleLbl name="fgAcc3">
+    <dgm:fillClrLst meth="repeat">
+      <a:schemeClr val="lt1">
+        <a:alpha val="90000"/>
+      </a:schemeClr>
+    </dgm:fillClrLst>
+    <dgm:linClrLst meth="repeat">
+      <a:schemeClr val="accent1"/>
+    </dgm:linClrLst>
+    <dgm:effectClrLst/>
+    <dgm:txLinClrLst/>
+    <dgm:txFillClrLst meth="repeat">
+      <a:schemeClr val="dk1"/>
+    </dgm:txFillClrLst>
+    <dgm:txEffectClrLst/>
+  </dgm:styleLbl>
+  <dgm:styleLbl name="fgAcc4">
+    <dgm:fillClrLst meth="repeat">
+      <a:schemeClr val="lt1">
+        <a:alpha val="90000"/>
+      </a:schemeClr>
+    </dgm:fillClrLst>
+    <dgm:linClrLst meth="repeat">
+      <a:schemeClr val="accent1"/>
+    </dgm:linClrLst>
+    <dgm:effectClrLst/>
+    <dgm:txLinClrLst/>
+    <dgm:txFillClrLst meth="repeat">
+      <a:schemeClr val="dk1"/>
+    </dgm:txFillClrLst>
+    <dgm:txEffectClrLst/>
+  </dgm:styleLbl>
+  <dgm:styleLbl name="bgShp">
+    <dgm:fillClrLst meth="repeat">
+      <a:schemeClr val="accent1">
+        <a:tint val="40000"/>
+      </a:schemeClr>
+    </dgm:fillClrLst>
+    <dgm:linClrLst meth="repeat">
+      <a:schemeClr val="accent1"/>
+    </dgm:linClrLst>
+    <dgm:effectClrLst/>
+    <dgm:txLinClrLst/>
+    <dgm:txFillClrLst meth="repeat">
+      <a:schemeClr val="dk1"/>
+    </dgm:txFillClrLst>
+    <dgm:txEffectClrLst/>
+  </dgm:styleLbl>
+  <dgm:styleLbl name="dkBgShp">
+    <dgm:fillClrLst meth="repeat">
+      <a:schemeClr val="accent1">
+        <a:shade val="80000"/>
+      </a:schemeClr>
+    </dgm:fillClrLst>
+    <dgm:linClrLst meth="repeat">
+      <a:schemeClr val="accent1"/>
+    </dgm:linClrLst>
+    <dgm:effectClrLst/>
+    <dgm:txLinClrLst/>
+    <dgm:txFillClrLst meth="repeat">
+      <a:schemeClr val="lt1"/>
+    </dgm:txFillClrLst>
+    <dgm:txEffectClrLst/>
+  </dgm:styleLbl>
+  <dgm:styleLbl name="trBgShp">
+    <dgm:fillClrLst meth="repeat">
+      <a:schemeClr val="accent1">
+        <a:tint val="50000"/>
+        <a:alpha val="40000"/>
+      </a:schemeClr>
+    </dgm:fillClrLst>
+    <dgm:linClrLst meth="repeat">
+      <a:schemeClr val="accent1"/>
+    </dgm:linClrLst>
+    <dgm:effectClrLst/>
+    <dgm:txLinClrLst/>
+    <dgm:txFillClrLst meth="repeat">
+      <a:schemeClr val="lt1"/>
+    </dgm:txFillClrLst>
+    <dgm:txEffectClrLst/>
+  </dgm:styleLbl>
+  <dgm:styleLbl name="fgShp">
+    <dgm:fillClrLst meth="repeat">
+      <a:schemeClr val="accent1">
+        <a:tint val="60000"/>
+      </a:schemeClr>
+    </dgm:fillClrLst>
+    <dgm:linClrLst meth="repeat">
+      <a:schemeClr val="lt1"/>
+    </dgm:linClrLst>
+    <dgm:effectClrLst/>
+    <dgm:txLinClrLst/>
+    <dgm:txFillClrLst meth="repeat">
+      <a:schemeClr val="dk1"/>
+    </dgm:txFillClrLst>
+    <dgm:txEffectClrLst/>
+  </dgm:styleLbl>
+  <dgm:styleLbl name="revTx">
+    <dgm:fillClrLst meth="repeat">
+      <a:schemeClr val="lt1">
+        <a:alpha val="0"/>
+      </a:schemeClr>
+    </dgm:fillClrLst>
+    <dgm:linClrLst meth="repeat">
+      <a:schemeClr val="dk1">
+        <a:alpha val="0"/>
+      </a:schemeClr>
+    </dgm:linClrLst>
+    <dgm:effectClrLst/>
+    <dgm:txLinClrLst/>
+    <dgm:txFillClrLst meth="repeat">
+      <a:schemeClr val="tx1"/>
+    </dgm:txFillClrLst>
+    <dgm:txEffectClrLst/>
+  </dgm:styleLbl>
+</dgm:colorsDef>
+</file>
+
+<file path=ppt/diagrams/data1.xml><?xml version="1.0" encoding="utf-8"?>
+<dgm:dataModel xmlns:dgm="http://schemas.openxmlformats.org/drawingml/2006/diagram" xmlns:a="http://schemas.openxmlformats.org/drawingml/2006/main">
+  <dgm:ptLst>
+    <dgm:pt modelId="{E2A061D9-E8D1-473F-BD5D-E77EDB109AD7}" type="doc">
+      <dgm:prSet loTypeId="urn:microsoft.com/office/officeart/2005/8/layout/hierarchy1" loCatId="hierarchy" qsTypeId="urn:microsoft.com/office/officeart/2005/8/quickstyle/simple5" qsCatId="simple" csTypeId="urn:microsoft.com/office/officeart/2005/8/colors/accent1_2" csCatId="accent1"/>
+      <dgm:spPr/>
+      <dgm:t>
+        <a:bodyPr/>
+        <a:lstStyle/>
+        <a:p>
+          <a:endParaRPr lang="en-US"/>
+        </a:p>
+      </dgm:t>
+    </dgm:pt>
+    <dgm:pt modelId="{6F03F350-0FC0-404D-A62A-9D2FC11862B8}">
+      <dgm:prSet/>
+      <dgm:spPr/>
+      <dgm:t>
+        <a:bodyPr/>
+        <a:lstStyle/>
+        <a:p>
+          <a:r>
+            <a:rPr lang="en-US"/>
+            <a:t>Business Problem</a:t>
+          </a:r>
+        </a:p>
+      </dgm:t>
+    </dgm:pt>
+    <dgm:pt modelId="{82D0BD14-9A32-4BE6-B440-BD7E8B029DD4}" type="parTrans" cxnId="{A6322EC0-8CA7-4706-B4CC-BE657C8B9D37}">
+      <dgm:prSet/>
+      <dgm:spPr/>
+      <dgm:t>
+        <a:bodyPr/>
+        <a:lstStyle/>
+        <a:p>
+          <a:endParaRPr lang="en-US"/>
+        </a:p>
+      </dgm:t>
+    </dgm:pt>
+    <dgm:pt modelId="{F2B25A62-2878-4E8E-A542-2AC6AF7821C8}" type="sibTrans" cxnId="{A6322EC0-8CA7-4706-B4CC-BE657C8B9D37}">
+      <dgm:prSet/>
+      <dgm:spPr/>
+      <dgm:t>
+        <a:bodyPr/>
+        <a:lstStyle/>
+        <a:p>
+          <a:endParaRPr lang="en-US"/>
+        </a:p>
+      </dgm:t>
+    </dgm:pt>
+    <dgm:pt modelId="{6BD2A409-D2E3-4211-BAF9-23AD0C145B02}">
+      <dgm:prSet/>
+      <dgm:spPr/>
+      <dgm:t>
+        <a:bodyPr/>
+        <a:lstStyle/>
+        <a:p>
+          <a:r>
+            <a:rPr lang="en-US"/>
+            <a:t>Data and Methods</a:t>
+          </a:r>
+        </a:p>
+      </dgm:t>
+    </dgm:pt>
+    <dgm:pt modelId="{07957B4D-F882-4F4D-85D2-225641E13881}" type="parTrans" cxnId="{0B53F1D6-0AE6-47D2-8548-13DFC8E87338}">
+      <dgm:prSet/>
+      <dgm:spPr/>
+      <dgm:t>
+        <a:bodyPr/>
+        <a:lstStyle/>
+        <a:p>
+          <a:endParaRPr lang="en-US"/>
+        </a:p>
+      </dgm:t>
+    </dgm:pt>
+    <dgm:pt modelId="{9BC4ABFA-E5DD-40D4-84A4-87A83A89131A}" type="sibTrans" cxnId="{0B53F1D6-0AE6-47D2-8548-13DFC8E87338}">
+      <dgm:prSet/>
+      <dgm:spPr/>
+      <dgm:t>
+        <a:bodyPr/>
+        <a:lstStyle/>
+        <a:p>
+          <a:endParaRPr lang="en-US"/>
+        </a:p>
+      </dgm:t>
+    </dgm:pt>
+    <dgm:pt modelId="{87C7F3B1-E27C-4A74-989C-74A0A28F17D5}">
+      <dgm:prSet/>
+      <dgm:spPr/>
+      <dgm:t>
+        <a:bodyPr/>
+        <a:lstStyle/>
+        <a:p>
+          <a:r>
+            <a:rPr lang="en-US"/>
+            <a:t>Results</a:t>
+          </a:r>
+        </a:p>
+      </dgm:t>
+    </dgm:pt>
+    <dgm:pt modelId="{3F1E8001-D0F5-41D0-8CF3-8A676076567A}" type="parTrans" cxnId="{31F2FB9F-2329-4392-9B7D-96DF951C8C3D}">
+      <dgm:prSet/>
+      <dgm:spPr/>
+      <dgm:t>
+        <a:bodyPr/>
+        <a:lstStyle/>
+        <a:p>
+          <a:endParaRPr lang="en-US"/>
+        </a:p>
+      </dgm:t>
+    </dgm:pt>
+    <dgm:pt modelId="{9A806588-6C55-456B-A790-0EDE877370F0}" type="sibTrans" cxnId="{31F2FB9F-2329-4392-9B7D-96DF951C8C3D}">
+      <dgm:prSet/>
+      <dgm:spPr/>
+      <dgm:t>
+        <a:bodyPr/>
+        <a:lstStyle/>
+        <a:p>
+          <a:endParaRPr lang="en-US"/>
+        </a:p>
+      </dgm:t>
+    </dgm:pt>
+    <dgm:pt modelId="{0F249590-886E-4E0F-9B3D-BAD315099827}">
+      <dgm:prSet/>
+      <dgm:spPr/>
+      <dgm:t>
+        <a:bodyPr/>
+        <a:lstStyle/>
+        <a:p>
+          <a:r>
+            <a:rPr lang="en-US"/>
+            <a:t>Conclusions</a:t>
+          </a:r>
+        </a:p>
+      </dgm:t>
+    </dgm:pt>
+    <dgm:pt modelId="{0846F479-A38E-4791-A8B7-FC46041A8376}" type="parTrans" cxnId="{6EF760F4-61C9-48E4-8284-6CA09CBDA61A}">
+      <dgm:prSet/>
+      <dgm:spPr/>
+      <dgm:t>
+        <a:bodyPr/>
+        <a:lstStyle/>
+        <a:p>
+          <a:endParaRPr lang="en-US"/>
+        </a:p>
+      </dgm:t>
+    </dgm:pt>
+    <dgm:pt modelId="{42EA56A8-981E-436D-8D02-B60A8C353050}" type="sibTrans" cxnId="{6EF760F4-61C9-48E4-8284-6CA09CBDA61A}">
+      <dgm:prSet/>
+      <dgm:spPr/>
+      <dgm:t>
+        <a:bodyPr/>
+        <a:lstStyle/>
+        <a:p>
+          <a:endParaRPr lang="en-US"/>
+        </a:p>
+      </dgm:t>
+    </dgm:pt>
+    <dgm:pt modelId="{33427234-C339-4CD3-AE1F-9AF55E2ADA30}">
+      <dgm:prSet/>
+      <dgm:spPr/>
+      <dgm:t>
+        <a:bodyPr/>
+        <a:lstStyle/>
+        <a:p>
+          <a:r>
+            <a:rPr lang="en-US"/>
+            <a:t>Next Steps</a:t>
+          </a:r>
+        </a:p>
+      </dgm:t>
+    </dgm:pt>
+    <dgm:pt modelId="{2D0D842C-3D56-4D6A-B205-77EDA61477F9}" type="parTrans" cxnId="{D497DBEF-F318-4B16-BFDB-1437100D7173}">
+      <dgm:prSet/>
+      <dgm:spPr/>
+      <dgm:t>
+        <a:bodyPr/>
+        <a:lstStyle/>
+        <a:p>
+          <a:endParaRPr lang="en-US"/>
+        </a:p>
+      </dgm:t>
+    </dgm:pt>
+    <dgm:pt modelId="{FB777EBC-8E28-496C-A3DD-30E211D4B78D}" type="sibTrans" cxnId="{D497DBEF-F318-4B16-BFDB-1437100D7173}">
+      <dgm:prSet/>
+      <dgm:spPr/>
+      <dgm:t>
+        <a:bodyPr/>
+        <a:lstStyle/>
+        <a:p>
+          <a:endParaRPr lang="en-US"/>
+        </a:p>
+      </dgm:t>
+    </dgm:pt>
+    <dgm:pt modelId="{3730DA72-87C6-4020-9189-9B523FED10D6}" type="pres">
+      <dgm:prSet presAssocID="{E2A061D9-E8D1-473F-BD5D-E77EDB109AD7}" presName="hierChild1" presStyleCnt="0">
+        <dgm:presLayoutVars>
+          <dgm:chPref val="1"/>
+          <dgm:dir/>
+          <dgm:animOne val="branch"/>
+          <dgm:animLvl val="lvl"/>
+          <dgm:resizeHandles/>
+        </dgm:presLayoutVars>
+      </dgm:prSet>
+      <dgm:spPr/>
+    </dgm:pt>
+    <dgm:pt modelId="{AC5F49AE-BF5B-4234-B236-B586F0EACEF4}" type="pres">
+      <dgm:prSet presAssocID="{6F03F350-0FC0-404D-A62A-9D2FC11862B8}" presName="hierRoot1" presStyleCnt="0"/>
+      <dgm:spPr/>
+    </dgm:pt>
+    <dgm:pt modelId="{9179A878-10C0-416F-BF18-D743117478E4}" type="pres">
+      <dgm:prSet presAssocID="{6F03F350-0FC0-404D-A62A-9D2FC11862B8}" presName="composite" presStyleCnt="0"/>
+      <dgm:spPr/>
+    </dgm:pt>
+    <dgm:pt modelId="{0C6F05CD-27AF-4E1D-901D-B043275E512F}" type="pres">
+      <dgm:prSet presAssocID="{6F03F350-0FC0-404D-A62A-9D2FC11862B8}" presName="background" presStyleLbl="node0" presStyleIdx="0" presStyleCnt="5"/>
+      <dgm:spPr/>
+    </dgm:pt>
+    <dgm:pt modelId="{1F0C5AE2-1521-40C7-B395-68897E7016C6}" type="pres">
+      <dgm:prSet presAssocID="{6F03F350-0FC0-404D-A62A-9D2FC11862B8}" presName="text" presStyleLbl="fgAcc0" presStyleIdx="0" presStyleCnt="5">
+        <dgm:presLayoutVars>
+          <dgm:chPref val="3"/>
+        </dgm:presLayoutVars>
+      </dgm:prSet>
+      <dgm:spPr/>
+    </dgm:pt>
+    <dgm:pt modelId="{4757529A-7678-424D-BB35-C753850D82AD}" type="pres">
+      <dgm:prSet presAssocID="{6F03F350-0FC0-404D-A62A-9D2FC11862B8}" presName="hierChild2" presStyleCnt="0"/>
+      <dgm:spPr/>
+    </dgm:pt>
+    <dgm:pt modelId="{8E6FE851-5EA5-40F4-9140-FE195DB17464}" type="pres">
+      <dgm:prSet presAssocID="{6BD2A409-D2E3-4211-BAF9-23AD0C145B02}" presName="hierRoot1" presStyleCnt="0"/>
+      <dgm:spPr/>
+    </dgm:pt>
+    <dgm:pt modelId="{7A1EE32F-47E7-4DB3-A6F9-AA208631499F}" type="pres">
+      <dgm:prSet presAssocID="{6BD2A409-D2E3-4211-BAF9-23AD0C145B02}" presName="composite" presStyleCnt="0"/>
+      <dgm:spPr/>
+    </dgm:pt>
+    <dgm:pt modelId="{43ADD606-E7DC-4990-A9D7-47FA383B993D}" type="pres">
+      <dgm:prSet presAssocID="{6BD2A409-D2E3-4211-BAF9-23AD0C145B02}" presName="background" presStyleLbl="node0" presStyleIdx="1" presStyleCnt="5"/>
+      <dgm:spPr/>
+    </dgm:pt>
+    <dgm:pt modelId="{BAE5CAD6-D9A6-4497-B11F-004D4D5C3EAE}" type="pres">
+      <dgm:prSet presAssocID="{6BD2A409-D2E3-4211-BAF9-23AD0C145B02}" presName="text" presStyleLbl="fgAcc0" presStyleIdx="1" presStyleCnt="5">
+        <dgm:presLayoutVars>
+          <dgm:chPref val="3"/>
+        </dgm:presLayoutVars>
+      </dgm:prSet>
+      <dgm:spPr/>
+    </dgm:pt>
+    <dgm:pt modelId="{173F87B0-7F6B-4910-9719-0E0769DD14DB}" type="pres">
+      <dgm:prSet presAssocID="{6BD2A409-D2E3-4211-BAF9-23AD0C145B02}" presName="hierChild2" presStyleCnt="0"/>
+      <dgm:spPr/>
+    </dgm:pt>
+    <dgm:pt modelId="{7A468B5F-1F1A-4C86-AEE7-6EB1884B35B6}" type="pres">
+      <dgm:prSet presAssocID="{87C7F3B1-E27C-4A74-989C-74A0A28F17D5}" presName="hierRoot1" presStyleCnt="0"/>
+      <dgm:spPr/>
+    </dgm:pt>
+    <dgm:pt modelId="{CD19D8CF-6BAC-4BE6-8ACA-5CBBDE3FE6C2}" type="pres">
+      <dgm:prSet presAssocID="{87C7F3B1-E27C-4A74-989C-74A0A28F17D5}" presName="composite" presStyleCnt="0"/>
+      <dgm:spPr/>
+    </dgm:pt>
+    <dgm:pt modelId="{5B6B5A4D-77D4-4632-903C-10AB38966BDD}" type="pres">
+      <dgm:prSet presAssocID="{87C7F3B1-E27C-4A74-989C-74A0A28F17D5}" presName="background" presStyleLbl="node0" presStyleIdx="2" presStyleCnt="5"/>
+      <dgm:spPr/>
+    </dgm:pt>
+    <dgm:pt modelId="{DC997B67-F438-4291-B954-81A0EFB0F11F}" type="pres">
+      <dgm:prSet presAssocID="{87C7F3B1-E27C-4A74-989C-74A0A28F17D5}" presName="text" presStyleLbl="fgAcc0" presStyleIdx="2" presStyleCnt="5">
+        <dgm:presLayoutVars>
+          <dgm:chPref val="3"/>
+        </dgm:presLayoutVars>
+      </dgm:prSet>
+      <dgm:spPr/>
+    </dgm:pt>
+    <dgm:pt modelId="{5BBEC89B-36AF-4203-8E1F-23C386065735}" type="pres">
+      <dgm:prSet presAssocID="{87C7F3B1-E27C-4A74-989C-74A0A28F17D5}" presName="hierChild2" presStyleCnt="0"/>
+      <dgm:spPr/>
+    </dgm:pt>
+    <dgm:pt modelId="{C28FABE9-2EC7-4BE9-A8C6-6D6B36E648D7}" type="pres">
+      <dgm:prSet presAssocID="{0F249590-886E-4E0F-9B3D-BAD315099827}" presName="hierRoot1" presStyleCnt="0"/>
+      <dgm:spPr/>
+    </dgm:pt>
+    <dgm:pt modelId="{9A9AE5CB-C0AD-4E11-B846-C5F2B5AFFD34}" type="pres">
+      <dgm:prSet presAssocID="{0F249590-886E-4E0F-9B3D-BAD315099827}" presName="composite" presStyleCnt="0"/>
+      <dgm:spPr/>
+    </dgm:pt>
+    <dgm:pt modelId="{4132CBBD-32A5-4DC0-8E2A-DACE4A4A56F5}" type="pres">
+      <dgm:prSet presAssocID="{0F249590-886E-4E0F-9B3D-BAD315099827}" presName="background" presStyleLbl="node0" presStyleIdx="3" presStyleCnt="5"/>
+      <dgm:spPr/>
+    </dgm:pt>
+    <dgm:pt modelId="{1E5121E5-A6D1-4AB4-BF58-53DC88478290}" type="pres">
+      <dgm:prSet presAssocID="{0F249590-886E-4E0F-9B3D-BAD315099827}" presName="text" presStyleLbl="fgAcc0" presStyleIdx="3" presStyleCnt="5">
+        <dgm:presLayoutVars>
+          <dgm:chPref val="3"/>
+        </dgm:presLayoutVars>
+      </dgm:prSet>
+      <dgm:spPr/>
+    </dgm:pt>
+    <dgm:pt modelId="{C115CEC2-863F-4860-AE06-5D00FA0F458F}" type="pres">
+      <dgm:prSet presAssocID="{0F249590-886E-4E0F-9B3D-BAD315099827}" presName="hierChild2" presStyleCnt="0"/>
+      <dgm:spPr/>
+    </dgm:pt>
+    <dgm:pt modelId="{34C8997F-4274-4BD4-9449-0FF3DAE536F5}" type="pres">
+      <dgm:prSet presAssocID="{33427234-C339-4CD3-AE1F-9AF55E2ADA30}" presName="hierRoot1" presStyleCnt="0"/>
+      <dgm:spPr/>
+    </dgm:pt>
+    <dgm:pt modelId="{AE4F95A8-B1E3-4DCA-A36A-4831AD9B0BBB}" type="pres">
+      <dgm:prSet presAssocID="{33427234-C339-4CD3-AE1F-9AF55E2ADA30}" presName="composite" presStyleCnt="0"/>
+      <dgm:spPr/>
+    </dgm:pt>
+    <dgm:pt modelId="{FAACE76C-5CB5-4739-84A4-A36850D89D9D}" type="pres">
+      <dgm:prSet presAssocID="{33427234-C339-4CD3-AE1F-9AF55E2ADA30}" presName="background" presStyleLbl="node0" presStyleIdx="4" presStyleCnt="5"/>
+      <dgm:spPr/>
+    </dgm:pt>
+    <dgm:pt modelId="{C0BA6827-61C6-44FF-8A70-4E81C376C5AE}" type="pres">
+      <dgm:prSet presAssocID="{33427234-C339-4CD3-AE1F-9AF55E2ADA30}" presName="text" presStyleLbl="fgAcc0" presStyleIdx="4" presStyleCnt="5">
+        <dgm:presLayoutVars>
+          <dgm:chPref val="3"/>
+        </dgm:presLayoutVars>
+      </dgm:prSet>
+      <dgm:spPr/>
+    </dgm:pt>
+    <dgm:pt modelId="{D637E0CF-6F42-44A7-AEF8-1EDCA17D9149}" type="pres">
+      <dgm:prSet presAssocID="{33427234-C339-4CD3-AE1F-9AF55E2ADA30}" presName="hierChild2" presStyleCnt="0"/>
+      <dgm:spPr/>
+    </dgm:pt>
+  </dgm:ptLst>
+  <dgm:cxnLst>
+    <dgm:cxn modelId="{3F3B1C0E-216B-4A9F-A1E4-926546ACD72F}" type="presOf" srcId="{0F249590-886E-4E0F-9B3D-BAD315099827}" destId="{1E5121E5-A6D1-4AB4-BF58-53DC88478290}" srcOrd="0" destOrd="0" presId="urn:microsoft.com/office/officeart/2005/8/layout/hierarchy1"/>
+    <dgm:cxn modelId="{73E19B0E-237E-4A6E-A12B-646969ECEBAF}" type="presOf" srcId="{E2A061D9-E8D1-473F-BD5D-E77EDB109AD7}" destId="{3730DA72-87C6-4020-9189-9B523FED10D6}" srcOrd="0" destOrd="0" presId="urn:microsoft.com/office/officeart/2005/8/layout/hierarchy1"/>
+    <dgm:cxn modelId="{52B0FA42-5646-4BC9-B5DE-40FB912E8B15}" type="presOf" srcId="{87C7F3B1-E27C-4A74-989C-74A0A28F17D5}" destId="{DC997B67-F438-4291-B954-81A0EFB0F11F}" srcOrd="0" destOrd="0" presId="urn:microsoft.com/office/officeart/2005/8/layout/hierarchy1"/>
+    <dgm:cxn modelId="{31F2FB9F-2329-4392-9B7D-96DF951C8C3D}" srcId="{E2A061D9-E8D1-473F-BD5D-E77EDB109AD7}" destId="{87C7F3B1-E27C-4A74-989C-74A0A28F17D5}" srcOrd="2" destOrd="0" parTransId="{3F1E8001-D0F5-41D0-8CF3-8A676076567A}" sibTransId="{9A806588-6C55-456B-A790-0EDE877370F0}"/>
+    <dgm:cxn modelId="{2C90C8A4-8743-4349-BECE-23CE88F18219}" type="presOf" srcId="{33427234-C339-4CD3-AE1F-9AF55E2ADA30}" destId="{C0BA6827-61C6-44FF-8A70-4E81C376C5AE}" srcOrd="0" destOrd="0" presId="urn:microsoft.com/office/officeart/2005/8/layout/hierarchy1"/>
+    <dgm:cxn modelId="{A6322EC0-8CA7-4706-B4CC-BE657C8B9D37}" srcId="{E2A061D9-E8D1-473F-BD5D-E77EDB109AD7}" destId="{6F03F350-0FC0-404D-A62A-9D2FC11862B8}" srcOrd="0" destOrd="0" parTransId="{82D0BD14-9A32-4BE6-B440-BD7E8B029DD4}" sibTransId="{F2B25A62-2878-4E8E-A542-2AC6AF7821C8}"/>
+    <dgm:cxn modelId="{0B53F1D6-0AE6-47D2-8548-13DFC8E87338}" srcId="{E2A061D9-E8D1-473F-BD5D-E77EDB109AD7}" destId="{6BD2A409-D2E3-4211-BAF9-23AD0C145B02}" srcOrd="1" destOrd="0" parTransId="{07957B4D-F882-4F4D-85D2-225641E13881}" sibTransId="{9BC4ABFA-E5DD-40D4-84A4-87A83A89131A}"/>
+    <dgm:cxn modelId="{ECBE37D7-47C7-4B9B-96D4-86A33469E988}" type="presOf" srcId="{6F03F350-0FC0-404D-A62A-9D2FC11862B8}" destId="{1F0C5AE2-1521-40C7-B395-68897E7016C6}" srcOrd="0" destOrd="0" presId="urn:microsoft.com/office/officeart/2005/8/layout/hierarchy1"/>
+    <dgm:cxn modelId="{D497DBEF-F318-4B16-BFDB-1437100D7173}" srcId="{E2A061D9-E8D1-473F-BD5D-E77EDB109AD7}" destId="{33427234-C339-4CD3-AE1F-9AF55E2ADA30}" srcOrd="4" destOrd="0" parTransId="{2D0D842C-3D56-4D6A-B205-77EDA61477F9}" sibTransId="{FB777EBC-8E28-496C-A3DD-30E211D4B78D}"/>
+    <dgm:cxn modelId="{6EF760F4-61C9-48E4-8284-6CA09CBDA61A}" srcId="{E2A061D9-E8D1-473F-BD5D-E77EDB109AD7}" destId="{0F249590-886E-4E0F-9B3D-BAD315099827}" srcOrd="3" destOrd="0" parTransId="{0846F479-A38E-4791-A8B7-FC46041A8376}" sibTransId="{42EA56A8-981E-436D-8D02-B60A8C353050}"/>
+    <dgm:cxn modelId="{57B71CFF-6C08-4988-96CC-001A4DED1F58}" type="presOf" srcId="{6BD2A409-D2E3-4211-BAF9-23AD0C145B02}" destId="{BAE5CAD6-D9A6-4497-B11F-004D4D5C3EAE}" srcOrd="0" destOrd="0" presId="urn:microsoft.com/office/officeart/2005/8/layout/hierarchy1"/>
+    <dgm:cxn modelId="{DE2EA1A9-E665-47A5-9A59-7BD66F5C6C54}" type="presParOf" srcId="{3730DA72-87C6-4020-9189-9B523FED10D6}" destId="{AC5F49AE-BF5B-4234-B236-B586F0EACEF4}" srcOrd="0" destOrd="0" presId="urn:microsoft.com/office/officeart/2005/8/layout/hierarchy1"/>
+    <dgm:cxn modelId="{A1F8E812-CEF8-4812-A307-F2B1B48C3AE4}" type="presParOf" srcId="{AC5F49AE-BF5B-4234-B236-B586F0EACEF4}" destId="{9179A878-10C0-416F-BF18-D743117478E4}" srcOrd="0" destOrd="0" presId="urn:microsoft.com/office/officeart/2005/8/layout/hierarchy1"/>
+    <dgm:cxn modelId="{C2FCF1E8-B808-4B4F-83B4-D0B1945583C8}" type="presParOf" srcId="{9179A878-10C0-416F-BF18-D743117478E4}" destId="{0C6F05CD-27AF-4E1D-901D-B043275E512F}" srcOrd="0" destOrd="0" presId="urn:microsoft.com/office/officeart/2005/8/layout/hierarchy1"/>
+    <dgm:cxn modelId="{39A0EFF9-B6FA-4472-8FAB-3FAB1B0F0CFC}" type="presParOf" srcId="{9179A878-10C0-416F-BF18-D743117478E4}" destId="{1F0C5AE2-1521-40C7-B395-68897E7016C6}" srcOrd="1" destOrd="0" presId="urn:microsoft.com/office/officeart/2005/8/layout/hierarchy1"/>
+    <dgm:cxn modelId="{A9B74199-F29A-4D21-A7C6-34ACB1C693FF}" type="presParOf" srcId="{AC5F49AE-BF5B-4234-B236-B586F0EACEF4}" destId="{4757529A-7678-424D-BB35-C753850D82AD}" srcOrd="1" destOrd="0" presId="urn:microsoft.com/office/officeart/2005/8/layout/hierarchy1"/>
+    <dgm:cxn modelId="{02154796-365F-4C66-A0AC-6D72D953AFF9}" type="presParOf" srcId="{3730DA72-87C6-4020-9189-9B523FED10D6}" destId="{8E6FE851-5EA5-40F4-9140-FE195DB17464}" srcOrd="1" destOrd="0" presId="urn:microsoft.com/office/officeart/2005/8/layout/hierarchy1"/>
+    <dgm:cxn modelId="{BE798C9D-99B2-4D34-8C47-12BBFFEA4222}" type="presParOf" srcId="{8E6FE851-5EA5-40F4-9140-FE195DB17464}" destId="{7A1EE32F-47E7-4DB3-A6F9-AA208631499F}" srcOrd="0" destOrd="0" presId="urn:microsoft.com/office/officeart/2005/8/layout/hierarchy1"/>
+    <dgm:cxn modelId="{9D8A545D-F8F1-46AF-9EAC-33CB8BF7F483}" type="presParOf" srcId="{7A1EE32F-47E7-4DB3-A6F9-AA208631499F}" destId="{43ADD606-E7DC-4990-A9D7-47FA383B993D}" srcOrd="0" destOrd="0" presId="urn:microsoft.com/office/officeart/2005/8/layout/hierarchy1"/>
+    <dgm:cxn modelId="{5FD369AF-CE1F-41EA-B145-12D3CF43D1DC}" type="presParOf" srcId="{7A1EE32F-47E7-4DB3-A6F9-AA208631499F}" destId="{BAE5CAD6-D9A6-4497-B11F-004D4D5C3EAE}" srcOrd="1" destOrd="0" presId="urn:microsoft.com/office/officeart/2005/8/layout/hierarchy1"/>
+    <dgm:cxn modelId="{A0DEB1EB-C020-43A5-9AB5-2F1D4D81663E}" type="presParOf" srcId="{8E6FE851-5EA5-40F4-9140-FE195DB17464}" destId="{173F87B0-7F6B-4910-9719-0E0769DD14DB}" srcOrd="1" destOrd="0" presId="urn:microsoft.com/office/officeart/2005/8/layout/hierarchy1"/>
+    <dgm:cxn modelId="{23284C63-AA4D-46BF-B5AE-16E808F821F7}" type="presParOf" srcId="{3730DA72-87C6-4020-9189-9B523FED10D6}" destId="{7A468B5F-1F1A-4C86-AEE7-6EB1884B35B6}" srcOrd="2" destOrd="0" presId="urn:microsoft.com/office/officeart/2005/8/layout/hierarchy1"/>
+    <dgm:cxn modelId="{7BDB3C4A-77E8-4EEB-AC9C-AB696E1402E6}" type="presParOf" srcId="{7A468B5F-1F1A-4C86-AEE7-6EB1884B35B6}" destId="{CD19D8CF-6BAC-4BE6-8ACA-5CBBDE3FE6C2}" srcOrd="0" destOrd="0" presId="urn:microsoft.com/office/officeart/2005/8/layout/hierarchy1"/>
+    <dgm:cxn modelId="{6C05C04D-83FA-43FC-8FE8-3F5300C10825}" type="presParOf" srcId="{CD19D8CF-6BAC-4BE6-8ACA-5CBBDE3FE6C2}" destId="{5B6B5A4D-77D4-4632-903C-10AB38966BDD}" srcOrd="0" destOrd="0" presId="urn:microsoft.com/office/officeart/2005/8/layout/hierarchy1"/>
+    <dgm:cxn modelId="{C19C0D01-542C-4C7B-B0DE-12FB0B00CF08}" type="presParOf" srcId="{CD19D8CF-6BAC-4BE6-8ACA-5CBBDE3FE6C2}" destId="{DC997B67-F438-4291-B954-81A0EFB0F11F}" srcOrd="1" destOrd="0" presId="urn:microsoft.com/office/officeart/2005/8/layout/hierarchy1"/>
+    <dgm:cxn modelId="{64F3CCE6-6819-401B-A832-C9CB6429D3B9}" type="presParOf" srcId="{7A468B5F-1F1A-4C86-AEE7-6EB1884B35B6}" destId="{5BBEC89B-36AF-4203-8E1F-23C386065735}" srcOrd="1" destOrd="0" presId="urn:microsoft.com/office/officeart/2005/8/layout/hierarchy1"/>
+    <dgm:cxn modelId="{8D362C8F-60CB-4A02-875E-E1FF5CFB8D82}" type="presParOf" srcId="{3730DA72-87C6-4020-9189-9B523FED10D6}" destId="{C28FABE9-2EC7-4BE9-A8C6-6D6B36E648D7}" srcOrd="3" destOrd="0" presId="urn:microsoft.com/office/officeart/2005/8/layout/hierarchy1"/>
+    <dgm:cxn modelId="{42EFBB67-BF94-4AA3-AD56-E3F13C9C3202}" type="presParOf" srcId="{C28FABE9-2EC7-4BE9-A8C6-6D6B36E648D7}" destId="{9A9AE5CB-C0AD-4E11-B846-C5F2B5AFFD34}" srcOrd="0" destOrd="0" presId="urn:microsoft.com/office/officeart/2005/8/layout/hierarchy1"/>
+    <dgm:cxn modelId="{DFC4080A-F520-49B3-BC81-41A8340331EF}" type="presParOf" srcId="{9A9AE5CB-C0AD-4E11-B846-C5F2B5AFFD34}" destId="{4132CBBD-32A5-4DC0-8E2A-DACE4A4A56F5}" srcOrd="0" destOrd="0" presId="urn:microsoft.com/office/officeart/2005/8/layout/hierarchy1"/>
+    <dgm:cxn modelId="{215E51BB-0FFD-4458-A952-45BFDFBECF54}" type="presParOf" srcId="{9A9AE5CB-C0AD-4E11-B846-C5F2B5AFFD34}" destId="{1E5121E5-A6D1-4AB4-BF58-53DC88478290}" srcOrd="1" destOrd="0" presId="urn:microsoft.com/office/officeart/2005/8/layout/hierarchy1"/>
+    <dgm:cxn modelId="{58699592-9974-4A2D-9DB9-F49ADCEFBB67}" type="presParOf" srcId="{C28FABE9-2EC7-4BE9-A8C6-6D6B36E648D7}" destId="{C115CEC2-863F-4860-AE06-5D00FA0F458F}" srcOrd="1" destOrd="0" presId="urn:microsoft.com/office/officeart/2005/8/layout/hierarchy1"/>
+    <dgm:cxn modelId="{F0FE51B1-57B2-45A3-9F3F-B2BF83B0C24D}" type="presParOf" srcId="{3730DA72-87C6-4020-9189-9B523FED10D6}" destId="{34C8997F-4274-4BD4-9449-0FF3DAE536F5}" srcOrd="4" destOrd="0" presId="urn:microsoft.com/office/officeart/2005/8/layout/hierarchy1"/>
+    <dgm:cxn modelId="{C96284A0-4295-4DF9-8010-C9A0A89C7A9F}" type="presParOf" srcId="{34C8997F-4274-4BD4-9449-0FF3DAE536F5}" destId="{AE4F95A8-B1E3-4DCA-A36A-4831AD9B0BBB}" srcOrd="0" destOrd="0" presId="urn:microsoft.com/office/officeart/2005/8/layout/hierarchy1"/>
+    <dgm:cxn modelId="{71C3016B-73C2-4281-8E0D-58110749A2B9}" type="presParOf" srcId="{AE4F95A8-B1E3-4DCA-A36A-4831AD9B0BBB}" destId="{FAACE76C-5CB5-4739-84A4-A36850D89D9D}" srcOrd="0" destOrd="0" presId="urn:microsoft.com/office/officeart/2005/8/layout/hierarchy1"/>
+    <dgm:cxn modelId="{11B66CD0-3154-4712-A248-7EEC5160DCCA}" type="presParOf" srcId="{AE4F95A8-B1E3-4DCA-A36A-4831AD9B0BBB}" destId="{C0BA6827-61C6-44FF-8A70-4E81C376C5AE}" srcOrd="1" destOrd="0" presId="urn:microsoft.com/office/officeart/2005/8/layout/hierarchy1"/>
+    <dgm:cxn modelId="{BE6D658C-79FB-43DF-908B-C03F00930CB9}" type="presParOf" srcId="{34C8997F-4274-4BD4-9449-0FF3DAE536F5}" destId="{D637E0CF-6F42-44A7-AEF8-1EDCA17D9149}" srcOrd="1" destOrd="0" presId="urn:microsoft.com/office/officeart/2005/8/layout/hierarchy1"/>
+  </dgm:cxnLst>
+  <dgm:bg/>
+  <dgm:whole/>
+  <dgm:extLst>
+    <a:ext uri="http://schemas.microsoft.com/office/drawing/2008/diagram">
+      <dsp:dataModelExt xmlns:dsp="http://schemas.microsoft.com/office/drawing/2008/diagram" relId="rId6" minVer="http://schemas.openxmlformats.org/drawingml/2006/diagram"/>
+    </a:ext>
+  </dgm:extLst>
+</dgm:dataModel>
+</file>
+
+<file path=ppt/diagrams/drawing1.xml><?xml version="1.0" encoding="utf-8"?>
+<dsp:drawing xmlns:dgm="http://schemas.openxmlformats.org/drawingml/2006/diagram" xmlns:dsp="http://schemas.microsoft.com/office/drawing/2008/diagram" xmlns:a="http://schemas.openxmlformats.org/drawingml/2006/main">
+  <dsp:spTree>
+    <dsp:nvGrpSpPr>
+      <dsp:cNvPr id="0" name=""/>
+      <dsp:cNvGrpSpPr/>
+    </dsp:nvGrpSpPr>
+    <dsp:grpSpPr/>
+    <dsp:sp modelId="{0C6F05CD-27AF-4E1D-901D-B043275E512F}">
+      <dsp:nvSpPr>
+        <dsp:cNvPr id="0" name=""/>
+        <dsp:cNvSpPr/>
+      </dsp:nvSpPr>
+      <dsp:spPr>
+        <a:xfrm>
+          <a:off x="3701" y="1131497"/>
+          <a:ext cx="1803872" cy="1145459"/>
+        </a:xfrm>
+        <a:prstGeom prst="roundRect">
+          <a:avLst>
+            <a:gd name="adj" fmla="val 10000"/>
+          </a:avLst>
+        </a:prstGeom>
+        <a:gradFill rotWithShape="0">
+          <a:gsLst>
+            <a:gs pos="0">
+              <a:schemeClr val="accent1">
+                <a:hueOff val="0"/>
+                <a:satOff val="0"/>
+                <a:lumOff val="0"/>
+                <a:alphaOff val="0"/>
+                <a:tint val="94000"/>
+                <a:satMod val="103000"/>
+                <a:lumMod val="102000"/>
+              </a:schemeClr>
+            </a:gs>
+            <a:gs pos="50000">
+              <a:schemeClr val="accent1">
+                <a:hueOff val="0"/>
+                <a:satOff val="0"/>
+                <a:lumOff val="0"/>
+                <a:alphaOff val="0"/>
+                <a:shade val="100000"/>
+                <a:satMod val="110000"/>
+                <a:lumMod val="100000"/>
+              </a:schemeClr>
+            </a:gs>
+            <a:gs pos="100000">
+              <a:schemeClr val="accent1">
+                <a:hueOff val="0"/>
+                <a:satOff val="0"/>
+                <a:lumOff val="0"/>
+                <a:alphaOff val="0"/>
+                <a:shade val="78000"/>
+                <a:satMod val="120000"/>
+                <a:lumMod val="99000"/>
+              </a:schemeClr>
+            </a:gs>
+          </a:gsLst>
+          <a:lin ang="5400000" scaled="0"/>
+        </a:gradFill>
+        <a:ln>
+          <a:noFill/>
+        </a:ln>
+        <a:effectLst>
+          <a:outerShdw blurRad="57150" dist="19050" dir="5400000" algn="ctr" rotWithShape="0">
+            <a:srgbClr val="000000">
+              <a:alpha val="63000"/>
+            </a:srgbClr>
+          </a:outerShdw>
+        </a:effectLst>
+      </dsp:spPr>
+      <dsp:style>
+        <a:lnRef idx="0">
+          <a:scrgbClr r="0" g="0" b="0"/>
+        </a:lnRef>
+        <a:fillRef idx="3">
+          <a:scrgbClr r="0" g="0" b="0"/>
+        </a:fillRef>
+        <a:effectRef idx="3">
+          <a:scrgbClr r="0" g="0" b="0"/>
+        </a:effectRef>
+        <a:fontRef idx="minor">
+          <a:schemeClr val="lt1"/>
+        </a:fontRef>
+      </dsp:style>
+    </dsp:sp>
+    <dsp:sp modelId="{1F0C5AE2-1521-40C7-B395-68897E7016C6}">
+      <dsp:nvSpPr>
+        <dsp:cNvPr id="0" name=""/>
+        <dsp:cNvSpPr/>
+      </dsp:nvSpPr>
+      <dsp:spPr>
+        <a:xfrm>
+          <a:off x="204132" y="1321906"/>
+          <a:ext cx="1803872" cy="1145459"/>
+        </a:xfrm>
+        <a:prstGeom prst="roundRect">
+          <a:avLst>
+            <a:gd name="adj" fmla="val 10000"/>
+          </a:avLst>
+        </a:prstGeom>
+        <a:solidFill>
+          <a:schemeClr val="lt1">
+            <a:alpha val="90000"/>
+            <a:hueOff val="0"/>
+            <a:satOff val="0"/>
+            <a:lumOff val="0"/>
+            <a:alphaOff val="0"/>
+          </a:schemeClr>
+        </a:solidFill>
+        <a:ln w="9525" cap="flat" cmpd="sng" algn="ctr">
+          <a:solidFill>
+            <a:schemeClr val="accent1">
+              <a:hueOff val="0"/>
+              <a:satOff val="0"/>
+              <a:lumOff val="0"/>
+              <a:alphaOff val="0"/>
+            </a:schemeClr>
+          </a:solidFill>
+          <a:prstDash val="solid"/>
+        </a:ln>
+        <a:effectLst/>
+      </dsp:spPr>
+      <dsp:style>
+        <a:lnRef idx="1">
+          <a:scrgbClr r="0" g="0" b="0"/>
+        </a:lnRef>
+        <a:fillRef idx="1">
+          <a:scrgbClr r="0" g="0" b="0"/>
+        </a:fillRef>
+        <a:effectRef idx="2">
+          <a:scrgbClr r="0" g="0" b="0"/>
+        </a:effectRef>
+        <a:fontRef idx="minor"/>
+      </dsp:style>
+      <dsp:txBody>
+        <a:bodyPr spcFirstLastPara="0" vert="horz" wrap="square" lIns="87630" tIns="87630" rIns="87630" bIns="87630" numCol="1" spcCol="1270" anchor="ctr" anchorCtr="0">
+          <a:noAutofit/>
+        </a:bodyPr>
+        <a:lstStyle/>
+        <a:p>
+          <a:pPr marL="0" lvl="0" indent="0" algn="ctr" defTabSz="1022350">
+            <a:lnSpc>
+              <a:spcPct val="90000"/>
+            </a:lnSpc>
+            <a:spcBef>
+              <a:spcPct val="0"/>
+            </a:spcBef>
+            <a:spcAft>
+              <a:spcPct val="35000"/>
+            </a:spcAft>
+            <a:buNone/>
+          </a:pPr>
+          <a:r>
+            <a:rPr lang="en-US" sz="2300" kern="1200"/>
+            <a:t>Business Problem</a:t>
+          </a:r>
+        </a:p>
+      </dsp:txBody>
+      <dsp:txXfrm>
+        <a:off x="237681" y="1355455"/>
+        <a:ext cx="1736774" cy="1078361"/>
+      </dsp:txXfrm>
+    </dsp:sp>
+    <dsp:sp modelId="{43ADD606-E7DC-4990-A9D7-47FA383B993D}">
+      <dsp:nvSpPr>
+        <dsp:cNvPr id="0" name=""/>
+        <dsp:cNvSpPr/>
+      </dsp:nvSpPr>
+      <dsp:spPr>
+        <a:xfrm>
+          <a:off x="2208435" y="1131497"/>
+          <a:ext cx="1803872" cy="1145459"/>
+        </a:xfrm>
+        <a:prstGeom prst="roundRect">
+          <a:avLst>
+            <a:gd name="adj" fmla="val 10000"/>
+          </a:avLst>
+        </a:prstGeom>
+        <a:gradFill rotWithShape="0">
+          <a:gsLst>
+            <a:gs pos="0">
+              <a:schemeClr val="accent1">
+                <a:hueOff val="0"/>
+                <a:satOff val="0"/>
+                <a:lumOff val="0"/>
+                <a:alphaOff val="0"/>
+                <a:tint val="94000"/>
+                <a:satMod val="103000"/>
+                <a:lumMod val="102000"/>
+              </a:schemeClr>
+            </a:gs>
+            <a:gs pos="50000">
+              <a:schemeClr val="accent1">
+                <a:hueOff val="0"/>
+                <a:satOff val="0"/>
+                <a:lumOff val="0"/>
+                <a:alphaOff val="0"/>
+                <a:shade val="100000"/>
+                <a:satMod val="110000"/>
+                <a:lumMod val="100000"/>
+              </a:schemeClr>
+            </a:gs>
+            <a:gs pos="100000">
+              <a:schemeClr val="accent1">
+                <a:hueOff val="0"/>
+                <a:satOff val="0"/>
+                <a:lumOff val="0"/>
+                <a:alphaOff val="0"/>
+                <a:shade val="78000"/>
+                <a:satMod val="120000"/>
+                <a:lumMod val="99000"/>
+              </a:schemeClr>
+            </a:gs>
+          </a:gsLst>
+          <a:lin ang="5400000" scaled="0"/>
+        </a:gradFill>
+        <a:ln>
+          <a:noFill/>
+        </a:ln>
+        <a:effectLst>
+          <a:outerShdw blurRad="57150" dist="19050" dir="5400000" algn="ctr" rotWithShape="0">
+            <a:srgbClr val="000000">
+              <a:alpha val="63000"/>
+            </a:srgbClr>
+          </a:outerShdw>
+        </a:effectLst>
+      </dsp:spPr>
+      <dsp:style>
+        <a:lnRef idx="0">
+          <a:scrgbClr r="0" g="0" b="0"/>
+        </a:lnRef>
+        <a:fillRef idx="3">
+          <a:scrgbClr r="0" g="0" b="0"/>
+        </a:fillRef>
+        <a:effectRef idx="3">
+          <a:scrgbClr r="0" g="0" b="0"/>
+        </a:effectRef>
+        <a:fontRef idx="minor">
+          <a:schemeClr val="lt1"/>
+        </a:fontRef>
+      </dsp:style>
+    </dsp:sp>
+    <dsp:sp modelId="{BAE5CAD6-D9A6-4497-B11F-004D4D5C3EAE}">
+      <dsp:nvSpPr>
+        <dsp:cNvPr id="0" name=""/>
+        <dsp:cNvSpPr/>
+      </dsp:nvSpPr>
+      <dsp:spPr>
+        <a:xfrm>
+          <a:off x="2408865" y="1321906"/>
+          <a:ext cx="1803872" cy="1145459"/>
+        </a:xfrm>
+        <a:prstGeom prst="roundRect">
+          <a:avLst>
+            <a:gd name="adj" fmla="val 10000"/>
+          </a:avLst>
+        </a:prstGeom>
+        <a:solidFill>
+          <a:schemeClr val="lt1">
+            <a:alpha val="90000"/>
+            <a:hueOff val="0"/>
+            <a:satOff val="0"/>
+            <a:lumOff val="0"/>
+            <a:alphaOff val="0"/>
+          </a:schemeClr>
+        </a:solidFill>
+        <a:ln w="9525" cap="flat" cmpd="sng" algn="ctr">
+          <a:solidFill>
+            <a:schemeClr val="accent1">
+              <a:hueOff val="0"/>
+              <a:satOff val="0"/>
+              <a:lumOff val="0"/>
+              <a:alphaOff val="0"/>
+            </a:schemeClr>
+          </a:solidFill>
+          <a:prstDash val="solid"/>
+        </a:ln>
+        <a:effectLst/>
+      </dsp:spPr>
+      <dsp:style>
+        <a:lnRef idx="1">
+          <a:scrgbClr r="0" g="0" b="0"/>
+        </a:lnRef>
+        <a:fillRef idx="1">
+          <a:scrgbClr r="0" g="0" b="0"/>
+        </a:fillRef>
+        <a:effectRef idx="2">
+          <a:scrgbClr r="0" g="0" b="0"/>
+        </a:effectRef>
+        <a:fontRef idx="minor"/>
+      </dsp:style>
+      <dsp:txBody>
+        <a:bodyPr spcFirstLastPara="0" vert="horz" wrap="square" lIns="87630" tIns="87630" rIns="87630" bIns="87630" numCol="1" spcCol="1270" anchor="ctr" anchorCtr="0">
+          <a:noAutofit/>
+        </a:bodyPr>
+        <a:lstStyle/>
+        <a:p>
+          <a:pPr marL="0" lvl="0" indent="0" algn="ctr" defTabSz="1022350">
+            <a:lnSpc>
+              <a:spcPct val="90000"/>
+            </a:lnSpc>
+            <a:spcBef>
+              <a:spcPct val="0"/>
+            </a:spcBef>
+            <a:spcAft>
+              <a:spcPct val="35000"/>
+            </a:spcAft>
+            <a:buNone/>
+          </a:pPr>
+          <a:r>
+            <a:rPr lang="en-US" sz="2300" kern="1200"/>
+            <a:t>Data and Methods</a:t>
+          </a:r>
+        </a:p>
+      </dsp:txBody>
+      <dsp:txXfrm>
+        <a:off x="2442414" y="1355455"/>
+        <a:ext cx="1736774" cy="1078361"/>
+      </dsp:txXfrm>
+    </dsp:sp>
+    <dsp:sp modelId="{5B6B5A4D-77D4-4632-903C-10AB38966BDD}">
+      <dsp:nvSpPr>
+        <dsp:cNvPr id="0" name=""/>
+        <dsp:cNvSpPr/>
+      </dsp:nvSpPr>
+      <dsp:spPr>
+        <a:xfrm>
+          <a:off x="4413168" y="1131497"/>
+          <a:ext cx="1803872" cy="1145459"/>
+        </a:xfrm>
+        <a:prstGeom prst="roundRect">
+          <a:avLst>
+            <a:gd name="adj" fmla="val 10000"/>
+          </a:avLst>
+        </a:prstGeom>
+        <a:gradFill rotWithShape="0">
+          <a:gsLst>
+            <a:gs pos="0">
+              <a:schemeClr val="accent1">
+                <a:hueOff val="0"/>
+                <a:satOff val="0"/>
+                <a:lumOff val="0"/>
+                <a:alphaOff val="0"/>
+                <a:tint val="94000"/>
+                <a:satMod val="103000"/>
+                <a:lumMod val="102000"/>
+              </a:schemeClr>
+            </a:gs>
+            <a:gs pos="50000">
+              <a:schemeClr val="accent1">
+                <a:hueOff val="0"/>
+                <a:satOff val="0"/>
+                <a:lumOff val="0"/>
+                <a:alphaOff val="0"/>
+                <a:shade val="100000"/>
+                <a:satMod val="110000"/>
+                <a:lumMod val="100000"/>
+              </a:schemeClr>
+            </a:gs>
+            <a:gs pos="100000">
+              <a:schemeClr val="accent1">
+                <a:hueOff val="0"/>
+                <a:satOff val="0"/>
+                <a:lumOff val="0"/>
+                <a:alphaOff val="0"/>
+                <a:shade val="78000"/>
+                <a:satMod val="120000"/>
+                <a:lumMod val="99000"/>
+              </a:schemeClr>
+            </a:gs>
+          </a:gsLst>
+          <a:lin ang="5400000" scaled="0"/>
+        </a:gradFill>
+        <a:ln>
+          <a:noFill/>
+        </a:ln>
+        <a:effectLst>
+          <a:outerShdw blurRad="57150" dist="19050" dir="5400000" algn="ctr" rotWithShape="0">
+            <a:srgbClr val="000000">
+              <a:alpha val="63000"/>
+            </a:srgbClr>
+          </a:outerShdw>
+        </a:effectLst>
+      </dsp:spPr>
+      <dsp:style>
+        <a:lnRef idx="0">
+          <a:scrgbClr r="0" g="0" b="0"/>
+        </a:lnRef>
+        <a:fillRef idx="3">
+          <a:scrgbClr r="0" g="0" b="0"/>
+        </a:fillRef>
+        <a:effectRef idx="3">
+          <a:scrgbClr r="0" g="0" b="0"/>
+        </a:effectRef>
+        <a:fontRef idx="minor">
+          <a:schemeClr val="lt1"/>
+        </a:fontRef>
+      </dsp:style>
+    </dsp:sp>
+    <dsp:sp modelId="{DC997B67-F438-4291-B954-81A0EFB0F11F}">
+      <dsp:nvSpPr>
+        <dsp:cNvPr id="0" name=""/>
+        <dsp:cNvSpPr/>
+      </dsp:nvSpPr>
+      <dsp:spPr>
+        <a:xfrm>
+          <a:off x="4613599" y="1321906"/>
+          <a:ext cx="1803872" cy="1145459"/>
+        </a:xfrm>
+        <a:prstGeom prst="roundRect">
+          <a:avLst>
+            <a:gd name="adj" fmla="val 10000"/>
+          </a:avLst>
+        </a:prstGeom>
+        <a:solidFill>
+          <a:schemeClr val="lt1">
+            <a:alpha val="90000"/>
+            <a:hueOff val="0"/>
+            <a:satOff val="0"/>
+            <a:lumOff val="0"/>
+            <a:alphaOff val="0"/>
+          </a:schemeClr>
+        </a:solidFill>
+        <a:ln w="9525" cap="flat" cmpd="sng" algn="ctr">
+          <a:solidFill>
+            <a:schemeClr val="accent1">
+              <a:hueOff val="0"/>
+              <a:satOff val="0"/>
+              <a:lumOff val="0"/>
+              <a:alphaOff val="0"/>
+            </a:schemeClr>
+          </a:solidFill>
+          <a:prstDash val="solid"/>
+        </a:ln>
+        <a:effectLst/>
+      </dsp:spPr>
+      <dsp:style>
+        <a:lnRef idx="1">
+          <a:scrgbClr r="0" g="0" b="0"/>
+        </a:lnRef>
+        <a:fillRef idx="1">
+          <a:scrgbClr r="0" g="0" b="0"/>
+        </a:fillRef>
+        <a:effectRef idx="2">
+          <a:scrgbClr r="0" g="0" b="0"/>
+        </a:effectRef>
+        <a:fontRef idx="minor"/>
+      </dsp:style>
+      <dsp:txBody>
+        <a:bodyPr spcFirstLastPara="0" vert="horz" wrap="square" lIns="87630" tIns="87630" rIns="87630" bIns="87630" numCol="1" spcCol="1270" anchor="ctr" anchorCtr="0">
+          <a:noAutofit/>
+        </a:bodyPr>
+        <a:lstStyle/>
+        <a:p>
+          <a:pPr marL="0" lvl="0" indent="0" algn="ctr" defTabSz="1022350">
+            <a:lnSpc>
+              <a:spcPct val="90000"/>
+            </a:lnSpc>
+            <a:spcBef>
+              <a:spcPct val="0"/>
+            </a:spcBef>
+            <a:spcAft>
+              <a:spcPct val="35000"/>
+            </a:spcAft>
+            <a:buNone/>
+          </a:pPr>
+          <a:r>
+            <a:rPr lang="en-US" sz="2300" kern="1200"/>
+            <a:t>Results</a:t>
+          </a:r>
+        </a:p>
+      </dsp:txBody>
+      <dsp:txXfrm>
+        <a:off x="4647148" y="1355455"/>
+        <a:ext cx="1736774" cy="1078361"/>
+      </dsp:txXfrm>
+    </dsp:sp>
+    <dsp:sp modelId="{4132CBBD-32A5-4DC0-8E2A-DACE4A4A56F5}">
+      <dsp:nvSpPr>
+        <dsp:cNvPr id="0" name=""/>
+        <dsp:cNvSpPr/>
+      </dsp:nvSpPr>
+      <dsp:spPr>
+        <a:xfrm>
+          <a:off x="6617902" y="1131497"/>
+          <a:ext cx="1803872" cy="1145459"/>
+        </a:xfrm>
+        <a:prstGeom prst="roundRect">
+          <a:avLst>
+            <a:gd name="adj" fmla="val 10000"/>
+          </a:avLst>
+        </a:prstGeom>
+        <a:gradFill rotWithShape="0">
+          <a:gsLst>
+            <a:gs pos="0">
+              <a:schemeClr val="accent1">
+                <a:hueOff val="0"/>
+                <a:satOff val="0"/>
+                <a:lumOff val="0"/>
+                <a:alphaOff val="0"/>
+                <a:tint val="94000"/>
+                <a:satMod val="103000"/>
+                <a:lumMod val="102000"/>
+              </a:schemeClr>
+            </a:gs>
+            <a:gs pos="50000">
+              <a:schemeClr val="accent1">
+                <a:hueOff val="0"/>
+                <a:satOff val="0"/>
+                <a:lumOff val="0"/>
+                <a:alphaOff val="0"/>
+                <a:shade val="100000"/>
+                <a:satMod val="110000"/>
+                <a:lumMod val="100000"/>
+              </a:schemeClr>
+            </a:gs>
+            <a:gs pos="100000">
+              <a:schemeClr val="accent1">
+                <a:hueOff val="0"/>
+                <a:satOff val="0"/>
+                <a:lumOff val="0"/>
+                <a:alphaOff val="0"/>
+                <a:shade val="78000"/>
+                <a:satMod val="120000"/>
+                <a:lumMod val="99000"/>
+              </a:schemeClr>
+            </a:gs>
+          </a:gsLst>
+          <a:lin ang="5400000" scaled="0"/>
+        </a:gradFill>
+        <a:ln>
+          <a:noFill/>
+        </a:ln>
+        <a:effectLst>
+          <a:outerShdw blurRad="57150" dist="19050" dir="5400000" algn="ctr" rotWithShape="0">
+            <a:srgbClr val="000000">
+              <a:alpha val="63000"/>
+            </a:srgbClr>
+          </a:outerShdw>
+        </a:effectLst>
+      </dsp:spPr>
+      <dsp:style>
+        <a:lnRef idx="0">
+          <a:scrgbClr r="0" g="0" b="0"/>
+        </a:lnRef>
+        <a:fillRef idx="3">
+          <a:scrgbClr r="0" g="0" b="0"/>
+        </a:fillRef>
+        <a:effectRef idx="3">
+          <a:scrgbClr r="0" g="0" b="0"/>
+        </a:effectRef>
+        <a:fontRef idx="minor">
+          <a:schemeClr val="lt1"/>
+        </a:fontRef>
+      </dsp:style>
+    </dsp:sp>
+    <dsp:sp modelId="{1E5121E5-A6D1-4AB4-BF58-53DC88478290}">
+      <dsp:nvSpPr>
+        <dsp:cNvPr id="0" name=""/>
+        <dsp:cNvSpPr/>
+      </dsp:nvSpPr>
+      <dsp:spPr>
+        <a:xfrm>
+          <a:off x="6818332" y="1321906"/>
+          <a:ext cx="1803872" cy="1145459"/>
+        </a:xfrm>
+        <a:prstGeom prst="roundRect">
+          <a:avLst>
+            <a:gd name="adj" fmla="val 10000"/>
+          </a:avLst>
+        </a:prstGeom>
+        <a:solidFill>
+          <a:schemeClr val="lt1">
+            <a:alpha val="90000"/>
+            <a:hueOff val="0"/>
+            <a:satOff val="0"/>
+            <a:lumOff val="0"/>
+            <a:alphaOff val="0"/>
+          </a:schemeClr>
+        </a:solidFill>
+        <a:ln w="9525" cap="flat" cmpd="sng" algn="ctr">
+          <a:solidFill>
+            <a:schemeClr val="accent1">
+              <a:hueOff val="0"/>
+              <a:satOff val="0"/>
+              <a:lumOff val="0"/>
+              <a:alphaOff val="0"/>
+            </a:schemeClr>
+          </a:solidFill>
+          <a:prstDash val="solid"/>
+        </a:ln>
+        <a:effectLst/>
+      </dsp:spPr>
+      <dsp:style>
+        <a:lnRef idx="1">
+          <a:scrgbClr r="0" g="0" b="0"/>
+        </a:lnRef>
+        <a:fillRef idx="1">
+          <a:scrgbClr r="0" g="0" b="0"/>
+        </a:fillRef>
+        <a:effectRef idx="2">
+          <a:scrgbClr r="0" g="0" b="0"/>
+        </a:effectRef>
+        <a:fontRef idx="minor"/>
+      </dsp:style>
+      <dsp:txBody>
+        <a:bodyPr spcFirstLastPara="0" vert="horz" wrap="square" lIns="87630" tIns="87630" rIns="87630" bIns="87630" numCol="1" spcCol="1270" anchor="ctr" anchorCtr="0">
+          <a:noAutofit/>
+        </a:bodyPr>
+        <a:lstStyle/>
+        <a:p>
+          <a:pPr marL="0" lvl="0" indent="0" algn="ctr" defTabSz="1022350">
+            <a:lnSpc>
+              <a:spcPct val="90000"/>
+            </a:lnSpc>
+            <a:spcBef>
+              <a:spcPct val="0"/>
+            </a:spcBef>
+            <a:spcAft>
+              <a:spcPct val="35000"/>
+            </a:spcAft>
+            <a:buNone/>
+          </a:pPr>
+          <a:r>
+            <a:rPr lang="en-US" sz="2300" kern="1200"/>
+            <a:t>Conclusions</a:t>
+          </a:r>
+        </a:p>
+      </dsp:txBody>
+      <dsp:txXfrm>
+        <a:off x="6851881" y="1355455"/>
+        <a:ext cx="1736774" cy="1078361"/>
+      </dsp:txXfrm>
+    </dsp:sp>
+    <dsp:sp modelId="{FAACE76C-5CB5-4739-84A4-A36850D89D9D}">
+      <dsp:nvSpPr>
+        <dsp:cNvPr id="0" name=""/>
+        <dsp:cNvSpPr/>
+      </dsp:nvSpPr>
+      <dsp:spPr>
+        <a:xfrm>
+          <a:off x="8822635" y="1131497"/>
+          <a:ext cx="1803872" cy="1145459"/>
+        </a:xfrm>
+        <a:prstGeom prst="roundRect">
+          <a:avLst>
+            <a:gd name="adj" fmla="val 10000"/>
+          </a:avLst>
+        </a:prstGeom>
+        <a:gradFill rotWithShape="0">
+          <a:gsLst>
+            <a:gs pos="0">
+              <a:schemeClr val="accent1">
+                <a:hueOff val="0"/>
+                <a:satOff val="0"/>
+                <a:lumOff val="0"/>
+                <a:alphaOff val="0"/>
+                <a:tint val="94000"/>
+                <a:satMod val="103000"/>
+                <a:lumMod val="102000"/>
+              </a:schemeClr>
+            </a:gs>
+            <a:gs pos="50000">
+              <a:schemeClr val="accent1">
+                <a:hueOff val="0"/>
+                <a:satOff val="0"/>
+                <a:lumOff val="0"/>
+                <a:alphaOff val="0"/>
+                <a:shade val="100000"/>
+                <a:satMod val="110000"/>
+                <a:lumMod val="100000"/>
+              </a:schemeClr>
+            </a:gs>
+            <a:gs pos="100000">
+              <a:schemeClr val="accent1">
+                <a:hueOff val="0"/>
+                <a:satOff val="0"/>
+                <a:lumOff val="0"/>
+                <a:alphaOff val="0"/>
+                <a:shade val="78000"/>
+                <a:satMod val="120000"/>
+                <a:lumMod val="99000"/>
+              </a:schemeClr>
+            </a:gs>
+          </a:gsLst>
+          <a:lin ang="5400000" scaled="0"/>
+        </a:gradFill>
+        <a:ln>
+          <a:noFill/>
+        </a:ln>
+        <a:effectLst>
+          <a:outerShdw blurRad="57150" dist="19050" dir="5400000" algn="ctr" rotWithShape="0">
+            <a:srgbClr val="000000">
+              <a:alpha val="63000"/>
+            </a:srgbClr>
+          </a:outerShdw>
+        </a:effectLst>
+      </dsp:spPr>
+      <dsp:style>
+        <a:lnRef idx="0">
+          <a:scrgbClr r="0" g="0" b="0"/>
+        </a:lnRef>
+        <a:fillRef idx="3">
+          <a:scrgbClr r="0" g="0" b="0"/>
+        </a:fillRef>
+        <a:effectRef idx="3">
+          <a:scrgbClr r="0" g="0" b="0"/>
+        </a:effectRef>
+        <a:fontRef idx="minor">
+          <a:schemeClr val="lt1"/>
+        </a:fontRef>
+      </dsp:style>
+    </dsp:sp>
+    <dsp:sp modelId="{C0BA6827-61C6-44FF-8A70-4E81C376C5AE}">
+      <dsp:nvSpPr>
+        <dsp:cNvPr id="0" name=""/>
+        <dsp:cNvSpPr/>
+      </dsp:nvSpPr>
+      <dsp:spPr>
+        <a:xfrm>
+          <a:off x="9023066" y="1321906"/>
+          <a:ext cx="1803872" cy="1145459"/>
+        </a:xfrm>
+        <a:prstGeom prst="roundRect">
+          <a:avLst>
+            <a:gd name="adj" fmla="val 10000"/>
+          </a:avLst>
+        </a:prstGeom>
+        <a:solidFill>
+          <a:schemeClr val="lt1">
+            <a:alpha val="90000"/>
+            <a:hueOff val="0"/>
+            <a:satOff val="0"/>
+            <a:lumOff val="0"/>
+            <a:alphaOff val="0"/>
+          </a:schemeClr>
+        </a:solidFill>
+        <a:ln w="9525" cap="flat" cmpd="sng" algn="ctr">
+          <a:solidFill>
+            <a:schemeClr val="accent1">
+              <a:hueOff val="0"/>
+              <a:satOff val="0"/>
+              <a:lumOff val="0"/>
+              <a:alphaOff val="0"/>
+            </a:schemeClr>
+          </a:solidFill>
+          <a:prstDash val="solid"/>
+        </a:ln>
+        <a:effectLst/>
+      </dsp:spPr>
+      <dsp:style>
+        <a:lnRef idx="1">
+          <a:scrgbClr r="0" g="0" b="0"/>
+        </a:lnRef>
+        <a:fillRef idx="1">
+          <a:scrgbClr r="0" g="0" b="0"/>
+        </a:fillRef>
+        <a:effectRef idx="2">
+          <a:scrgbClr r="0" g="0" b="0"/>
+        </a:effectRef>
+        <a:fontRef idx="minor"/>
+      </dsp:style>
+      <dsp:txBody>
+        <a:bodyPr spcFirstLastPara="0" vert="horz" wrap="square" lIns="87630" tIns="87630" rIns="87630" bIns="87630" numCol="1" spcCol="1270" anchor="ctr" anchorCtr="0">
+          <a:noAutofit/>
+        </a:bodyPr>
+        <a:lstStyle/>
+        <a:p>
+          <a:pPr marL="0" lvl="0" indent="0" algn="ctr" defTabSz="1022350">
+            <a:lnSpc>
+              <a:spcPct val="90000"/>
+            </a:lnSpc>
+            <a:spcBef>
+              <a:spcPct val="0"/>
+            </a:spcBef>
+            <a:spcAft>
+              <a:spcPct val="35000"/>
+            </a:spcAft>
+            <a:buNone/>
+          </a:pPr>
+          <a:r>
+            <a:rPr lang="en-US" sz="2300" kern="1200"/>
+            <a:t>Next Steps</a:t>
+          </a:r>
+        </a:p>
+      </dsp:txBody>
+      <dsp:txXfrm>
+        <a:off x="9056615" y="1355455"/>
+        <a:ext cx="1736774" cy="1078361"/>
+      </dsp:txXfrm>
+    </dsp:sp>
+  </dsp:spTree>
+</dsp:drawing>
+</file>
+
+<file path=ppt/diagrams/layout1.xml><?xml version="1.0" encoding="utf-8"?>
+<dgm:layoutDef xmlns:dgm="http://schemas.openxmlformats.org/drawingml/2006/diagram" xmlns:a="http://schemas.openxmlformats.org/drawingml/2006/main" uniqueId="urn:microsoft.com/office/officeart/2005/8/layout/hierarchy1">
+  <dgm:title val=""/>
+  <dgm:desc val=""/>
+  <dgm:catLst>
+    <dgm:cat type="hierarchy" pri="2000"/>
+  </dgm:catLst>
+  <dgm:sampData>
+    <dgm:dataModel>
+      <dgm:ptLst>
+        <dgm:pt modelId="0" type="doc"/>
+        <dgm:pt modelId="1">
+          <dgm:prSet phldr="1"/>
+        </dgm:pt>
+        <dgm:pt modelId="2">
+          <dgm:prSet phldr="1"/>
+        </dgm:pt>
+        <dgm:pt modelId="21">
+          <dgm:prSet phldr="1"/>
+        </dgm:pt>
+        <dgm:pt modelId="22">
+          <dgm:prSet phldr="1"/>
+        </dgm:pt>
+        <dgm:pt modelId="3">
+          <dgm:prSet phldr="1"/>
+        </dgm:pt>
+        <dgm:pt modelId="31">
+          <dgm:prSet phldr="1"/>
+        </dgm:pt>
+      </dgm:ptLst>
+      <dgm:cxnLst>
+        <dgm:cxn modelId="4" srcId="0" destId="1" srcOrd="0" destOrd="0"/>
+        <dgm:cxn modelId="5" srcId="1" destId="2" srcOrd="0" destOrd="0"/>
+        <dgm:cxn modelId="6" srcId="1" destId="3" srcOrd="1" destOrd="0"/>
+        <dgm:cxn modelId="23" srcId="2" destId="21" srcOrd="0" destOrd="0"/>
+        <dgm:cxn modelId="24" srcId="2" destId="22" srcOrd="1" destOrd="0"/>
+        <dgm:cxn modelId="33" srcId="3" destId="31" srcOrd="0" destOrd="0"/>
+      </dgm:cxnLst>
+      <dgm:bg/>
+      <dgm:whole/>
+    </dgm:dataModel>
+  </dgm:sampData>
+  <dgm:styleData>
+    <dgm:dataModel>
+      <dgm:ptLst>
+        <dgm:pt modelId="0" type="doc"/>
+        <dgm:pt modelId="1"/>
+        <dgm:pt modelId="11"/>
+        <dgm:pt modelId="12"/>
+      </dgm:ptLst>
+      <dgm:cxnLst>
+        <dgm:cxn modelId="2" srcId="0" destId="1" srcOrd="0" destOrd="0"/>
+        <dgm:cxn modelId="13" srcId="1" destId="11" srcOrd="0" destOrd="0"/>
+        <dgm:cxn modelId="14" srcId="1" destId="12" srcOrd="1" destOrd="0"/>
+      </dgm:cxnLst>
+      <dgm:bg/>
+      <dgm:whole/>
+    </dgm:dataModel>
+  </dgm:styleData>
+  <dgm:clrData>
+    <dgm:dataModel>
+      <dgm:ptLst>
+        <dgm:pt modelId="0" type="doc"/>
+        <dgm:pt modelId="1"/>
+        <dgm:pt modelId="2"/>
+        <dgm:pt modelId="21"/>
+        <dgm:pt modelId="211"/>
+        <dgm:pt modelId="3"/>
+        <dgm:pt modelId="31"/>
+        <dgm:pt modelId="311"/>
+      </dgm:ptLst>
+      <dgm:cxnLst>
+        <dgm:cxn modelId="4" srcId="0" destId="1" srcOrd="0" destOrd="0"/>
+        <dgm:cxn modelId="5" srcId="1" destId="2" srcOrd="0" destOrd="0"/>
+        <dgm:cxn modelId="6" srcId="1" destId="3" srcOrd="1" destOrd="0"/>
+        <dgm:cxn modelId="23" srcId="2" destId="21" srcOrd="0" destOrd="0"/>
+        <dgm:cxn modelId="24" srcId="21" destId="211" srcOrd="0" destOrd="0"/>
+        <dgm:cxn modelId="33" srcId="3" destId="31" srcOrd="0" destOrd="0"/>
+        <dgm:cxn modelId="34" srcId="31" destId="311" srcOrd="0" destOrd="0"/>
+      </dgm:cxnLst>
+      <dgm:bg/>
+      <dgm:whole/>
+    </dgm:dataModel>
+  </dgm:clrData>
+  <dgm:layoutNode name="hierChild1">
+    <dgm:varLst>
+      <dgm:chPref val="1"/>
+      <dgm:dir/>
+      <dgm:animOne val="branch"/>
+      <dgm:animLvl val="lvl"/>
+      <dgm:resizeHandles/>
+    </dgm:varLst>
+    <dgm:choose name="Name0">
+      <dgm:if name="Name1" func="var" arg="dir" op="equ" val="norm">
+        <dgm:alg type="hierChild">
+          <dgm:param type="linDir" val="fromL"/>
+        </dgm:alg>
+      </dgm:if>
+      <dgm:else name="Name2">
+        <dgm:alg type="hierChild">
+          <dgm:param type="linDir" val="fromR"/>
+        </dgm:alg>
+      </dgm:else>
+    </dgm:choose>
+    <dgm:shape xmlns:r="http://schemas.openxmlformats.org/officeDocument/2006/relationships" r:blip="">
+      <dgm:adjLst/>
+    </dgm:shape>
+    <dgm:presOf/>
+    <dgm:constrLst>
+      <dgm:constr type="primFontSz" for="des" ptType="node" op="equ" val="65"/>
+      <dgm:constr type="w" for="des" forName="composite" refType="w"/>
+      <dgm:constr type="h" for="des" forName="composite" refType="w" refFor="des" refForName="composite" fact="0.667"/>
+      <dgm:constr type="w" for="des" forName="composite2" refType="w" refFor="des" refForName="composite"/>
+      <dgm:constr type="h" for="des" forName="composite2" refType="h" refFor="des" refForName="composite"/>
+      <dgm:constr type="w" for="des" forName="composite3" refType="w" refFor="des" refForName="composite"/>
+      <dgm:constr type="h" for="des" forName="composite3" refType="h" refFor="des" refForName="composite"/>
+      <dgm:constr type="w" for="des" forName="composite4" refType="w" refFor="des" refForName="composite"/>
+      <dgm:constr type="h" for="des" forName="composite4" refType="h" refFor="des" refForName="composite"/>
+      <dgm:constr type="w" for="des" forName="composite5" refType="w" refFor="des" refForName="composite"/>
+      <dgm:constr type="h" for="des" forName="composite5" refType="h" refFor="des" refForName="composite"/>
+      <dgm:constr type="sibSp" refType="w" refFor="des" refForName="composite" fact="0.1"/>
+      <dgm:constr type="sibSp" for="des" forName="hierChild2" refType="sibSp"/>
+      <dgm:constr type="sibSp" for="des" forName="hierChild3" refType="sibSp"/>
+      <dgm:constr type="sibSp" for="des" forName="hierChild4" refType="sibSp"/>
+      <dgm:constr type="sibSp" for="des" forName="hierChild5" refType="sibSp"/>
+      <dgm:constr type="sibSp" for="des" forName="hierChild6" refType="sibSp"/>
+      <dgm:constr type="sp" for="des" forName="hierRoot1" refType="h" refFor="des" refForName="composite" fact="0.25"/>
+      <dgm:constr type="sp" for="des" forName="hierRoot2" refType="sp" refFor="des" refForName="hierRoot1"/>
+      <dgm:constr type="sp" for="des" forName="hierRoot3" refType="sp" refFor="des" refForName="hierRoot1"/>
+      <dgm:constr type="sp" for="des" forName="hierRoot4" refType="sp" refFor="des" refForName="hierRoot1"/>
+      <dgm:constr type="sp" for="des" forName="hierRoot5" refType="sp" refFor="des" refForName="hierRoot1"/>
+    </dgm:constrLst>
+    <dgm:ruleLst/>
+    <dgm:forEach name="Name3" axis="ch">
+      <dgm:forEach name="Name4" axis="self" ptType="node">
+        <dgm:layoutNode name="hierRoot1">
+          <dgm:alg type="hierRoot"/>
+          <dgm:shape xmlns:r="http://schemas.openxmlformats.org/officeDocument/2006/relationships" r:blip="">
+            <dgm:adjLst/>
+          </dgm:shape>
+          <dgm:presOf/>
+          <dgm:constrLst>
+            <dgm:constr type="bendDist" for="des" ptType="parTrans" refType="sp" fact="0.5"/>
+          </dgm:constrLst>
+          <dgm:ruleLst/>
+          <dgm:layoutNode name="composite">
+            <dgm:alg type="composite"/>
+            <dgm:shape xmlns:r="http://schemas.openxmlformats.org/officeDocument/2006/relationships" r:blip="">
+              <dgm:adjLst/>
+            </dgm:shape>
+            <dgm:presOf/>
+            <dgm:constrLst>
+              <dgm:constr type="w" for="ch" forName="background" refType="w" fact="0.9"/>
+              <dgm:constr type="h" for="ch" forName="background" refType="w" refFor="ch" refForName="background" fact="0.635"/>
+              <dgm:constr type="t" for="ch" forName="background"/>
+              <dgm:constr type="l" for="ch" forName="background"/>
+              <dgm:constr type="w" for="ch" forName="text" refType="w" fact="0.9"/>
+              <dgm:constr type="h" for="ch" forName="text" refType="w" refFor="ch" refForName="text" fact="0.635"/>
+              <dgm:constr type="t" for="ch" forName="text" refType="w" fact="0.095"/>
+              <dgm:constr type="l" for="ch" forName="text" refType="w" fact="0.1"/>
+            </dgm:constrLst>
+            <dgm:ruleLst/>
+            <dgm:layoutNode name="background" styleLbl="node0" moveWith="text">
+              <dgm:alg type="sp"/>
+              <dgm:shape xmlns:r="http://schemas.openxmlformats.org/officeDocument/2006/relationships" type="roundRect" r:blip="">
+                <dgm:adjLst>
+                  <dgm:adj idx="1" val="0.1"/>
+                </dgm:adjLst>
+              </dgm:shape>
+              <dgm:presOf/>
+              <dgm:constrLst/>
+              <dgm:ruleLst/>
+            </dgm:layoutNode>
+            <dgm:layoutNode name="text" styleLbl="fgAcc0">
+              <dgm:varLst>
+                <dgm:chPref val="3"/>
+              </dgm:varLst>
+              <dgm:alg type="tx"/>
+              <dgm:shape xmlns:r="http://schemas.openxmlformats.org/officeDocument/2006/relationships" type="roundRect" r:blip="">
+                <dgm:adjLst>
+                  <dgm:adj idx="1" val="0.1"/>
+                </dgm:adjLst>
+              </dgm:shape>
+              <dgm:presOf axis="self"/>
+              <dgm:constrLst>
+                <dgm:constr type="tMarg" refType="primFontSz" fact="0.3"/>
+                <dgm:constr type="bMarg" refType="primFontSz" fact="0.3"/>
+                <dgm:constr type="lMarg" refType="primFontSz" fact="0.3"/>
+                <dgm:constr type="rMarg" refType="primFontSz" fact="0.3"/>
+              </dgm:constrLst>
+              <dgm:ruleLst>
+                <dgm:rule type="primFontSz" val="5" fact="NaN" max="NaN"/>
+              </dgm:ruleLst>
+            </dgm:layoutNode>
+          </dgm:layoutNode>
+          <dgm:layoutNode name="hierChild2">
+            <dgm:choose name="Name5">
+              <dgm:if name="Name6" func="var" arg="dir" op="equ" val="norm">
+                <dgm:alg type="hierChild">
+                  <dgm:param type="linDir" val="fromL"/>
+                </dgm:alg>
+              </dgm:if>
+              <dgm:else name="Name7">
+                <dgm:alg type="hierChild">
+                  <dgm:param type="linDir" val="fromR"/>
+                </dgm:alg>
+              </dgm:else>
+            </dgm:choose>
+            <dgm:shape xmlns:r="http://schemas.openxmlformats.org/officeDocument/2006/relationships" r:blip="">
+              <dgm:adjLst/>
+            </dgm:shape>
+            <dgm:presOf/>
+            <dgm:constrLst/>
+            <dgm:ruleLst/>
+            <dgm:forEach name="Name8" axis="ch">
+              <dgm:forEach name="Name9" axis="self" ptType="parTrans" cnt="1">
+                <dgm:layoutNode name="Name10">
+                  <dgm:alg type="conn">
+                    <dgm:param type="dim" val="1D"/>
+                    <dgm:param type="endSty" val="noArr"/>
+                    <dgm:param type="connRout" val="bend"/>
+                    <dgm:param type="bendPt" val="end"/>
+                    <dgm:param type="begPts" val="bCtr"/>
+                    <dgm:param type="endPts" val="tCtr"/>
+                    <dgm:param type="srcNode" val="background"/>
+                    <dgm:param type="dstNode" val="background2"/>
+                  </dgm:alg>
+                  <dgm:shape xmlns:r="http://schemas.openxmlformats.org/officeDocument/2006/relationships" type="conn" r:blip="" zOrderOff="-999">
+                    <dgm:adjLst/>
+                  </dgm:shape>
+                  <dgm:presOf axis="self"/>
+                  <dgm:constrLst>
+                    <dgm:constr type="begPad"/>
+                    <dgm:constr type="endPad"/>
+                  </dgm:constrLst>
+                  <dgm:ruleLst/>
+                </dgm:layoutNode>
+              </dgm:forEach>
+              <dgm:forEach name="Name11" axis="self" ptType="node">
+                <dgm:layoutNode name="hierRoot2">
+                  <dgm:alg type="hierRoot"/>
+                  <dgm:shape xmlns:r="http://schemas.openxmlformats.org/officeDocument/2006/relationships" r:blip="">
+                    <dgm:adjLst/>
+                  </dgm:shape>
+                  <dgm:presOf/>
+                  <dgm:constrLst>
+                    <dgm:constr type="bendDist" for="des" ptType="parTrans" refType="sp" fact="0.5"/>
+                  </dgm:constrLst>
+                  <dgm:ruleLst/>
+                  <dgm:layoutNode name="composite2">
+                    <dgm:alg type="composite"/>
+                    <dgm:shape xmlns:r="http://schemas.openxmlformats.org/officeDocument/2006/relationships" r:blip="">
+                      <dgm:adjLst/>
+                    </dgm:shape>
+                    <dgm:presOf/>
+                    <dgm:constrLst>
+                      <dgm:constr type="w" for="ch" forName="background2" refType="w" fact="0.9"/>
+                      <dgm:constr type="h" for="ch" forName="background2" refType="w" refFor="ch" refForName="background2" fact="0.635"/>
+                      <dgm:constr type="t" for="ch" forName="background2"/>
+                      <dgm:constr type="l" for="ch" forName="background2"/>
+                      <dgm:constr type="w" for="ch" forName="text2" refType="w" fact="0.9"/>
+                      <dgm:constr type="h" for="ch" forName="text2" refType="w" refFor="ch" refForName="text2" fact="0.635"/>
+                      <dgm:constr type="t" for="ch" forName="text2" refType="w" fact="0.095"/>
+                      <dgm:constr type="l" for="ch" forName="text2" refType="w" fact="0.1"/>
+                    </dgm:constrLst>
+                    <dgm:ruleLst/>
+                    <dgm:layoutNode name="background2" moveWith="text2">
+                      <dgm:alg type="sp"/>
+                      <dgm:shape xmlns:r="http://schemas.openxmlformats.org/officeDocument/2006/relationships" type="roundRect" r:blip="">
+                        <dgm:adjLst>
+                          <dgm:adj idx="1" val="0.1"/>
+                        </dgm:adjLst>
+                      </dgm:shape>
+                      <dgm:presOf/>
+                      <dgm:constrLst/>
+                      <dgm:ruleLst/>
+                    </dgm:layoutNode>
+                    <dgm:layoutNode name="text2" styleLbl="fgAcc2">
+                      <dgm:varLst>
+                        <dgm:chPref val="3"/>
+                      </dgm:varLst>
+                      <dgm:alg type="tx"/>
+                      <dgm:shape xmlns:r="http://schemas.openxmlformats.org/officeDocument/2006/relationships" type="roundRect" r:blip="">
+                        <dgm:adjLst>
+                          <dgm:adj idx="1" val="0.1"/>
+                        </dgm:adjLst>
+                      </dgm:shape>
+                      <dgm:presOf axis="self"/>
+                      <dgm:constrLst>
+                        <dgm:constr type="tMarg" refType="primFontSz" fact="0.3"/>
+                        <dgm:constr type="bMarg" refType="primFontSz" fact="0.3"/>
+                        <dgm:constr type="lMarg" refType="primFontSz" fact="0.3"/>
+                        <dgm:constr type="rMarg" refType="primFontSz" fact="0.3"/>
+                      </dgm:constrLst>
+                      <dgm:ruleLst>
+                        <dgm:rule type="primFontSz" val="5" fact="NaN" max="NaN"/>
+                      </dgm:ruleLst>
+                    </dgm:layoutNode>
+                  </dgm:layoutNode>
+                  <dgm:layoutNode name="hierChild3">
+                    <dgm:choose name="Name12">
+                      <dgm:if name="Name13" func="var" arg="dir" op="equ" val="norm">
+                        <dgm:alg type="hierChild">
+                          <dgm:param type="linDir" val="fromL"/>
+                        </dgm:alg>
+                      </dgm:if>
+                      <dgm:else name="Name14">
+                        <dgm:alg type="hierChild">
+                          <dgm:param type="linDir" val="fromR"/>
+                        </dgm:alg>
+                      </dgm:else>
+                    </dgm:choose>
+                    <dgm:shape xmlns:r="http://schemas.openxmlformats.org/officeDocument/2006/relationships" r:blip="">
+                      <dgm:adjLst/>
+                    </dgm:shape>
+                    <dgm:presOf/>
+                    <dgm:constrLst/>
+                    <dgm:ruleLst/>
+                    <dgm:forEach name="Name15" axis="ch">
+                      <dgm:forEach name="Name16" axis="self" ptType="parTrans" cnt="1">
+                        <dgm:layoutNode name="Name17">
+                          <dgm:alg type="conn">
+                            <dgm:param type="dim" val="1D"/>
+                            <dgm:param type="endSty" val="noArr"/>
+                            <dgm:param type="connRout" val="bend"/>
+                            <dgm:param type="bendPt" val="end"/>
+                            <dgm:param type="begPts" val="bCtr"/>
+                            <dgm:param type="endPts" val="tCtr"/>
+                            <dgm:param type="srcNode" val="background2"/>
+                            <dgm:param type="dstNode" val="background3"/>
+                          </dgm:alg>
+                          <dgm:shape xmlns:r="http://schemas.openxmlformats.org/officeDocument/2006/relationships" type="conn" r:blip="" zOrderOff="-999">
+                            <dgm:adjLst/>
+                          </dgm:shape>
+                          <dgm:presOf axis="self"/>
+                          <dgm:constrLst>
+                            <dgm:constr type="begPad"/>
+                            <dgm:constr type="endPad"/>
+                          </dgm:constrLst>
+                          <dgm:ruleLst/>
+                        </dgm:layoutNode>
+                      </dgm:forEach>
+                      <dgm:forEach name="Name18" axis="self" ptType="node">
+                        <dgm:layoutNode name="hierRoot3">
+                          <dgm:alg type="hierRoot"/>
+                          <dgm:shape xmlns:r="http://schemas.openxmlformats.org/officeDocument/2006/relationships" r:blip="">
+                            <dgm:adjLst/>
+                          </dgm:shape>
+                          <dgm:presOf/>
+                          <dgm:constrLst>
+                            <dgm:constr type="bendDist" for="des" ptType="parTrans" refType="sp" fact="0.5"/>
+                          </dgm:constrLst>
+                          <dgm:ruleLst/>
+                          <dgm:layoutNode name="composite3">
+                            <dgm:alg type="composite"/>
+                            <dgm:shape xmlns:r="http://schemas.openxmlformats.org/officeDocument/2006/relationships" r:blip="">
+                              <dgm:adjLst/>
+                            </dgm:shape>
+                            <dgm:presOf/>
+                            <dgm:constrLst>
+                              <dgm:constr type="w" for="ch" forName="background3" refType="w" fact="0.9"/>
+                              <dgm:constr type="h" for="ch" forName="background3" refType="w" refFor="ch" refForName="background3" fact="0.635"/>
+                              <dgm:constr type="t" for="ch" forName="background3"/>
+                              <dgm:constr type="l" for="ch" forName="background3"/>
+                              <dgm:constr type="w" for="ch" forName="text3" refType="w" fact="0.9"/>
+                              <dgm:constr type="h" for="ch" forName="text3" refType="w" refFor="ch" refForName="text3" fact="0.635"/>
+                              <dgm:constr type="t" for="ch" forName="text3" refType="w" fact="0.095"/>
+                              <dgm:constr type="l" for="ch" forName="text3" refType="w" fact="0.1"/>
+                            </dgm:constrLst>
+                            <dgm:ruleLst/>
+                            <dgm:layoutNode name="background3" moveWith="text3">
+                              <dgm:alg type="sp"/>
+                              <dgm:shape xmlns:r="http://schemas.openxmlformats.org/officeDocument/2006/relationships" type="roundRect" r:blip="">
+                                <dgm:adjLst>
+                                  <dgm:adj idx="1" val="0.1"/>
+                                </dgm:adjLst>
+                              </dgm:shape>
+                              <dgm:presOf/>
+                              <dgm:constrLst/>
+                              <dgm:ruleLst/>
+                            </dgm:layoutNode>
+                            <dgm:layoutNode name="text3" styleLbl="fgAcc3">
+                              <dgm:varLst>
+                                <dgm:chPref val="3"/>
+                              </dgm:varLst>
+                              <dgm:alg type="tx"/>
+                              <dgm:shape xmlns:r="http://schemas.openxmlformats.org/officeDocument/2006/relationships" type="roundRect" r:blip="">
+                                <dgm:adjLst>
+                                  <dgm:adj idx="1" val="0.1"/>
+                                </dgm:adjLst>
+                              </dgm:shape>
+                              <dgm:presOf axis="self"/>
+                              <dgm:constrLst>
+                                <dgm:constr type="tMarg" refType="primFontSz" fact="0.3"/>
+                                <dgm:constr type="bMarg" refType="primFontSz" fact="0.3"/>
+                                <dgm:constr type="lMarg" refType="primFontSz" fact="0.3"/>
+                                <dgm:constr type="rMarg" refType="primFontSz" fact="0.3"/>
+                              </dgm:constrLst>
+                              <dgm:ruleLst>
+                                <dgm:rule type="primFontSz" val="5" fact="NaN" max="NaN"/>
+                              </dgm:ruleLst>
+                            </dgm:layoutNode>
+                          </dgm:layoutNode>
+                          <dgm:layoutNode name="hierChild4">
+                            <dgm:choose name="Name19">
+                              <dgm:if name="Name20" func="var" arg="dir" op="equ" val="norm">
+                                <dgm:alg type="hierChild">
+                                  <dgm:param type="linDir" val="fromL"/>
+                                </dgm:alg>
+                              </dgm:if>
+                              <dgm:else name="Name21">
+                                <dgm:alg type="hierChild">
+                                  <dgm:param type="linDir" val="fromR"/>
+                                </dgm:alg>
+                              </dgm:else>
+                            </dgm:choose>
+                            <dgm:shape xmlns:r="http://schemas.openxmlformats.org/officeDocument/2006/relationships" r:blip="">
+                              <dgm:adjLst/>
+                            </dgm:shape>
+                            <dgm:presOf/>
+                            <dgm:constrLst/>
+                            <dgm:ruleLst/>
+                            <dgm:forEach name="repeat" axis="ch">
+                              <dgm:forEach name="Name22" axis="self" ptType="parTrans" cnt="1">
+                                <dgm:layoutNode name="Name23">
+                                  <dgm:choose name="Name24">
+                                    <dgm:if name="Name25" axis="self" func="depth" op="lte" val="4">
+                                      <dgm:alg type="conn">
+                                        <dgm:param type="dim" val="1D"/>
+                                        <dgm:param type="endSty" val="noArr"/>
+                                        <dgm:param type="connRout" val="bend"/>
+                                        <dgm:param type="bendPt" val="end"/>
+                                        <dgm:param type="begPts" val="bCtr"/>
+                                        <dgm:param type="endPts" val="tCtr"/>
+                                        <dgm:param type="srcNode" val="background3"/>
+                                        <dgm:param type="dstNode" val="background4"/>
+                                      </dgm:alg>
+                                    </dgm:if>
+                                    <dgm:else name="Name26">
+                                      <dgm:alg type="conn">
+                                        <dgm:param type="dim" val="1D"/>
+                                        <dgm:param type="endSty" val="noArr"/>
+                                        <dgm:param type="connRout" val="bend"/>
+                                        <dgm:param type="bendPt" val="end"/>
+                                        <dgm:param type="begPts" val="bCtr"/>
+                                        <dgm:param type="endPts" val="tCtr"/>
+                                        <dgm:param type="srcNode" val="background4"/>
+                                        <dgm:param type="dstNode" val="background4"/>
+                                      </dgm:alg>
+                                    </dgm:else>
+                                  </dgm:choose>
+                                  <dgm:shape xmlns:r="http://schemas.openxmlformats.org/officeDocument/2006/relationships" type="conn" r:blip="" zOrderOff="-999">
+                                    <dgm:adjLst/>
+                                  </dgm:shape>
+                                  <dgm:presOf axis="self"/>
+                                  <dgm:constrLst>
+                                    <dgm:constr type="begPad"/>
+                                    <dgm:constr type="endPad"/>
+                                  </dgm:constrLst>
+                                  <dgm:ruleLst/>
+                                </dgm:layoutNode>
+                              </dgm:forEach>
+                              <dgm:forEach name="Name27" axis="self" ptType="node">
+                                <dgm:layoutNode name="hierRoot4">
+                                  <dgm:alg type="hierRoot"/>
+                                  <dgm:shape xmlns:r="http://schemas.openxmlformats.org/officeDocument/2006/relationships" r:blip="">
+                                    <dgm:adjLst/>
+                                  </dgm:shape>
+                                  <dgm:presOf/>
+                                  <dgm:constrLst>
+                                    <dgm:constr type="bendDist" for="des" ptType="parTrans" refType="sp" fact="0.5"/>
+                                  </dgm:constrLst>
+                                  <dgm:ruleLst/>
+                                  <dgm:layoutNode name="composite4">
+                                    <dgm:alg type="composite"/>
+                                    <dgm:shape xmlns:r="http://schemas.openxmlformats.org/officeDocument/2006/relationships" r:blip="">
+                                      <dgm:adjLst/>
+                                    </dgm:shape>
+                                    <dgm:presOf/>
+                                    <dgm:constrLst>
+                                      <dgm:constr type="w" for="ch" forName="background4" refType="w" fact="0.9"/>
+                                      <dgm:constr type="h" for="ch" forName="background4" refType="w" refFor="ch" refForName="background4" fact="0.635"/>
+                                      <dgm:constr type="t" for="ch" forName="background4"/>
+                                      <dgm:constr type="l" for="ch" forName="background4"/>
+                                      <dgm:constr type="w" for="ch" forName="text4" refType="w" fact="0.9"/>
+                                      <dgm:constr type="h" for="ch" forName="text4" refType="w" refFor="ch" refForName="text4" fact="0.635"/>
+                                      <dgm:constr type="t" for="ch" forName="text4" refType="w" fact="0.095"/>
+                                      <dgm:constr type="l" for="ch" forName="text4" refType="w" fact="0.1"/>
+                                    </dgm:constrLst>
+                                    <dgm:ruleLst/>
+                                    <dgm:layoutNode name="background4" moveWith="text4">
+                                      <dgm:alg type="sp"/>
+                                      <dgm:shape xmlns:r="http://schemas.openxmlformats.org/officeDocument/2006/relationships" type="roundRect" r:blip="">
+                                        <dgm:adjLst>
+                                          <dgm:adj idx="1" val="0.1"/>
+                                        </dgm:adjLst>
+                                      </dgm:shape>
+                                      <dgm:presOf/>
+                                      <dgm:constrLst/>
+                                      <dgm:ruleLst/>
+                                    </dgm:layoutNode>
+                                    <dgm:layoutNode name="text4" styleLbl="fgAcc4">
+                                      <dgm:varLst>
+                                        <dgm:chPref val="3"/>
+                                      </dgm:varLst>
+                                      <dgm:alg type="tx"/>
+                                      <dgm:shape xmlns:r="http://schemas.openxmlformats.org/officeDocument/2006/relationships" type="roundRect" r:blip="">
+                                        <dgm:adjLst>
+                                          <dgm:adj idx="1" val="0.1"/>
+                                        </dgm:adjLst>
+                                      </dgm:shape>
+                                      <dgm:presOf axis="self"/>
+                                      <dgm:constrLst>
+                                        <dgm:constr type="tMarg" refType="primFontSz" fact="0.3"/>
+                                        <dgm:constr type="bMarg" refType="primFontSz" fact="0.3"/>
+                                        <dgm:constr type="lMarg" refType="primFontSz" fact="0.3"/>
+                                        <dgm:constr type="rMarg" refType="primFontSz" fact="0.3"/>
+                                      </dgm:constrLst>
+                                      <dgm:ruleLst>
+                                        <dgm:rule type="primFontSz" val="5" fact="NaN" max="NaN"/>
+                                      </dgm:ruleLst>
+                                    </dgm:layoutNode>
+                                  </dgm:layoutNode>
+                                  <dgm:layoutNode name="hierChild5">
+                                    <dgm:choose name="Name28">
+                                      <dgm:if name="Name29" func="var" arg="dir" op="equ" val="norm">
+                                        <dgm:alg type="hierChild">
+                                          <dgm:param type="linDir" val="fromL"/>
+                                        </dgm:alg>
+                                      </dgm:if>
+                                      <dgm:else name="Name30">
+                                        <dgm:alg type="hierChild">
+                                          <dgm:param type="linDir" val="fromR"/>
+                                        </dgm:alg>
+                                      </dgm:else>
+                                    </dgm:choose>
+                                    <dgm:shape xmlns:r="http://schemas.openxmlformats.org/officeDocument/2006/relationships" r:blip="">
+                                      <dgm:adjLst/>
+                                    </dgm:shape>
+                                    <dgm:presOf/>
+                                    <dgm:constrLst/>
+                                    <dgm:ruleLst/>
+                                    <dgm:forEach name="Name31" ref="repeat"/>
+                                  </dgm:layoutNode>
+                                </dgm:layoutNode>
+                              </dgm:forEach>
+                            </dgm:forEach>
+                          </dgm:layoutNode>
+                        </dgm:layoutNode>
+                      </dgm:forEach>
+                    </dgm:forEach>
+                  </dgm:layoutNode>
+                </dgm:layoutNode>
+              </dgm:forEach>
+            </dgm:forEach>
+          </dgm:layoutNode>
+        </dgm:layoutNode>
+      </dgm:forEach>
+    </dgm:forEach>
+  </dgm:layoutNode>
+</dgm:layoutDef>
+</file>
+
+<file path=ppt/diagrams/quickStyle1.xml><?xml version="1.0" encoding="utf-8"?>
+<dgm:styleDef xmlns:dgm="http://schemas.openxmlformats.org/drawingml/2006/diagram" xmlns:a="http://schemas.openxmlformats.org/drawingml/2006/main" uniqueId="urn:microsoft.com/office/officeart/2005/8/quickstyle/simple5">
+  <dgm:title val=""/>
+  <dgm:desc val=""/>
+  <dgm:catLst>
+    <dgm:cat type="simple" pri="10500"/>
+  </dgm:catLst>
+  <dgm:scene3d>
+    <a:camera prst="orthographicFront"/>
+    <a:lightRig rig="threePt" dir="t"/>
+  </dgm:scene3d>
+  <dgm:styleLbl name="node0">
+    <dgm:scene3d>
+      <a:camera prst="orthographicFront"/>
+      <a:lightRig rig="threePt" dir="t"/>
+    </dgm:scene3d>
+    <dgm:sp3d/>
+    <dgm:txPr/>
+    <dgm:style>
+      <a:lnRef idx="0">
+        <a:scrgbClr r="0" g="0" b="0"/>
+      </a:lnRef>
+      <a:fillRef idx="3">
+        <a:scrgbClr r="0" g="0" b="0"/>
+      </a:fillRef>
+      <a:effectRef idx="3">
+        <a:scrgbClr r="0" g="0" b="0"/>
+      </a:effectRef>
+      <a:fontRef idx="minor">
+        <a:schemeClr val="lt1"/>
+      </a:fontRef>
+    </dgm:style>
+  </dgm:styleLbl>
+  <dgm:styleLbl name="lnNode1">
+    <dgm:scene3d>
+      <a:camera prst="orthographicFront"/>
+      <a:lightRig rig="threePt" dir="t"/>
+    </dgm:scene3d>
+    <dgm:sp3d/>
+    <dgm:txPr/>
+    <dgm:style>
+      <a:lnRef idx="0">
+        <a:scrgbClr r="0" g="0" b="0"/>
+      </a:lnRef>
+      <a:fillRef idx="3">
+        <a:scrgbClr r="0" g="0" b="0"/>
+      </a:fillRef>
+      <a:effectRef idx="3">
+        <a:scrgbClr r="0" g="0" b="0"/>
+      </a:effectRef>
+      <a:fontRef idx="minor">
+        <a:schemeClr val="lt1"/>
+      </a:fontRef>
+    </dgm:style>
+  </dgm:styleLbl>
+  <dgm:styleLbl name="vennNode1">
+    <dgm:scene3d>
+      <a:camera prst="orthographicFront"/>
+      <a:lightRig rig="threePt" dir="t"/>
+    </dgm:scene3d>
+    <dgm:sp3d/>
+    <dgm:txPr/>
+    <dgm:style>
+      <a:lnRef idx="0">
+        <a:scrgbClr r="0" g="0" b="0"/>
+      </a:lnRef>
+      <a:fillRef idx="3">
+        <a:scrgbClr r="0" g="0" b="0"/>
+      </a:fillRef>
+      <a:effectRef idx="3">
+        <a:scrgbClr r="0" g="0" b="0"/>
+      </a:effectRef>
+      <a:fontRef idx="minor">
+        <a:schemeClr val="tx1"/>
+      </a:fontRef>
+    </dgm:style>
+  </dgm:styleLbl>
+  <dgm:styleLbl name="alignNode1">
+    <dgm:scene3d>
+      <a:camera prst="orthographicFront"/>
+      <a:lightRig rig="threePt" dir="t"/>
+    </dgm:scene3d>
+    <dgm:sp3d/>
+    <dgm:txPr/>
+    <dgm:style>
+      <a:lnRef idx="1">
+        <a:scrgbClr r="0" g="0" b="0"/>
+      </a:lnRef>
+      <a:fillRef idx="3">
+        <a:scrgbClr r="0" g="0" b="0"/>
+      </a:fillRef>
+      <a:effectRef idx="3">
+        <a:scrgbClr r="0" g="0" b="0"/>
+      </a:effectRef>
+      <a:fontRef idx="minor">
+        <a:schemeClr val="lt1"/>
+      </a:fontRef>
+    </dgm:style>
+  </dgm:styleLbl>
+  <dgm:styleLbl name="node1">
+    <dgm:scene3d>
+      <a:camera prst="orthographicFront"/>
+      <a:lightRig rig="threePt" dir="t"/>
+    </dgm:scene3d>
+    <dgm:sp3d/>
+    <dgm:txPr/>
+    <dgm:style>
+      <a:lnRef idx="0">
+        <a:scrgbClr r="0" g="0" b="0"/>
+      </a:lnRef>
+      <a:fillRef idx="3">
+        <a:scrgbClr r="0" g="0" b="0"/>
+      </a:fillRef>
+      <a:effectRef idx="3">
+        <a:scrgbClr r="0" g="0" b="0"/>
+      </a:effectRef>
+      <a:fontRef idx="minor">
+        <a:schemeClr val="lt1"/>
+      </a:fontRef>
+    </dgm:style>
+  </dgm:styleLbl>
+  <dgm:styleLbl name="node2">
+    <dgm:scene3d>
+      <a:camera prst="orthographicFront"/>
+      <a:lightRig rig="threePt" dir="t"/>
+    </dgm:scene3d>
+    <dgm:sp3d/>
+    <dgm:txPr/>
+    <dgm:style>
+      <a:lnRef idx="0">
+        <a:scrgbClr r="0" g="0" b="0"/>
+      </a:lnRef>
+      <a:fillRef idx="3">
+        <a:scrgbClr r="0" g="0" b="0"/>
+      </a:fillRef>
+      <a:effectRef idx="3">
+        <a:scrgbClr r="0" g="0" b="0"/>
+      </a:effectRef>
+      <a:fontRef idx="minor">
+        <a:schemeClr val="lt1"/>
+      </a:fontRef>
+    </dgm:style>
+  </dgm:styleLbl>
+  <dgm:styleLbl name="node3">
+    <dgm:scene3d>
+      <a:camera prst="orthographicFront"/>
+      <a:lightRig rig="threePt" dir="t"/>
+    </dgm:scene3d>
+    <dgm:sp3d/>
+    <dgm:txPr/>
+    <dgm:style>
+      <a:lnRef idx="0">
+        <a:scrgbClr r="0" g="0" b="0"/>
+      </a:lnRef>
+      <a:fillRef idx="3">
+        <a:scrgbClr r="0" g="0" b="0"/>
+      </a:fillRef>
+      <a:effectRef idx="3">
+        <a:scrgbClr r="0" g="0" b="0"/>
+      </a:effectRef>
+      <a:fontRef idx="minor">
+        <a:schemeClr val="lt1"/>
+      </a:fontRef>
+    </dgm:style>
+  </dgm:styleLbl>
+  <dgm:styleLbl name="node4">
+    <dgm:scene3d>
+      <a:camera prst="orthographicFront"/>
+      <a:lightRig rig="threePt" dir="t"/>
+    </dgm:scene3d>
+    <dgm:sp3d/>
+    <dgm:txPr/>
+    <dgm:style>
+      <a:lnRef idx="0">
+        <a:scrgbClr r="0" g="0" b="0"/>
+      </a:lnRef>
+      <a:fillRef idx="3">
+        <a:scrgbClr r="0" g="0" b="0"/>
+      </a:fillRef>
+      <a:effectRef idx="3">
+        <a:scrgbClr r="0" g="0" b="0"/>
+      </a:effectRef>
+      <a:fontRef idx="minor">
+        <a:schemeClr val="lt1"/>
+      </a:fontRef>
+    </dgm:style>
+  </dgm:styleLbl>
+  <dgm:styleLbl name="fgImgPlace1">
+    <dgm:scene3d>
+      <a:camera prst="orthographicFront"/>
+      <a:lightRig rig="threePt" dir="t"/>
+    </dgm:scene3d>
+    <dgm:sp3d/>
+    <dgm:txPr/>
+    <dgm:style>
+      <a:lnRef idx="0">
+        <a:scrgbClr r="0" g="0" b="0"/>
+      </a:lnRef>
+      <a:fillRef idx="1">
+        <a:scrgbClr r="0" g="0" b="0"/>
+      </a:fillRef>
+      <a:effectRef idx="3">
+        <a:scrgbClr r="0" g="0" b="0"/>
+      </a:effectRef>
+      <a:fontRef idx="minor"/>
+    </dgm:style>
+  </dgm:styleLbl>
+  <dgm:styleLbl name="alignImgPlace1">
+    <dgm:scene3d>
+      <a:camera prst="orthographicFront"/>
+      <a:lightRig rig="threePt" dir="t"/>
+    </dgm:scene3d>
+    <dgm:sp3d/>
+    <dgm:txPr/>
+    <dgm:style>
+      <a:lnRef idx="0">
+        <a:scrgbClr r="0" g="0" b="0"/>
+      </a:lnRef>
+      <a:fillRef idx="1">
+        <a:scrgbClr r="0" g="0" b="0"/>
+      </a:fillRef>
+      <a:effectRef idx="3">
+        <a:scrgbClr r="0" g="0" b="0"/>
+      </a:effectRef>
+      <a:fontRef idx="minor"/>
+    </dgm:style>
+  </dgm:styleLbl>
+  <dgm:styleLbl name="bgImgPlace1">
+    <dgm:scene3d>
+      <a:camera prst="orthographicFront"/>
+      <a:lightRig rig="threePt" dir="t"/>
+    </dgm:scene3d>
+    <dgm:sp3d/>
+    <dgm:txPr/>
+    <dgm:style>
+      <a:lnRef idx="0">
+        <a:scrgbClr r="0" g="0" b="0"/>
+      </a:lnRef>
+      <a:fillRef idx="1">
+        <a:scrgbClr r="0" g="0" b="0"/>
+      </a:fillRef>
+      <a:effectRef idx="3">
+        <a:scrgbClr r="0" g="0" b="0"/>
+      </a:effectRef>
+      <a:fontRef idx="minor"/>
+    </dgm:style>
+  </dgm:styleLbl>
+  <dgm:styleLbl name="sibTrans2D1">
+    <dgm:scene3d>
+      <a:camera prst="orthographicFront"/>
+      <a:lightRig rig="threePt" dir="t"/>
+    </dgm:scene3d>
+    <dgm:sp3d/>
+    <dgm:txPr/>
+    <dgm:style>
+      <a:lnRef idx="0">
+        <a:scrgbClr r="0" g="0" b="0"/>
+      </a:lnRef>
+      <a:fillRef idx="3">
+        <a:scrgbClr r="0" g="0" b="0"/>
+      </a:fillRef>
+      <a:effectRef idx="3">
+        <a:scrgbClr r="0" g="0" b="0"/>
+      </a:effectRef>
+      <a:fontRef idx="minor">
+        <a:schemeClr val="lt1"/>
+      </a:fontRef>
+    </dgm:style>
+  </dgm:styleLbl>
+  <dgm:styleLbl name="fgSibTrans2D1">
+    <dgm:scene3d>
+      <a:camera prst="orthographicFront"/>
+      <a:lightRig rig="threePt" dir="t"/>
+    </dgm:scene3d>
+    <dgm:sp3d/>
+    <dgm:txPr/>
+    <dgm:style>
+      <a:lnRef idx="0">
+        <a:scrgbClr r="0" g="0" b="0"/>
+      </a:lnRef>
+      <a:fillRef idx="3">
+        <a:scrgbClr r="0" g="0" b="0"/>
+      </a:fillRef>
+      <a:effectRef idx="3">
+        <a:scrgbClr r="0" g="0" b="0"/>
+      </a:effectRef>
+      <a:fontRef idx="minor">
+        <a:schemeClr val="lt1"/>
+      </a:fontRef>
+    </dgm:style>
+  </dgm:styleLbl>
+  <dgm:styleLbl name="bgSibTrans2D1">
+    <dgm:scene3d>
+      <a:camera prst="orthographicFront"/>
+      <a:lightRig rig="threePt" dir="t"/>
+    </dgm:scene3d>
+    <dgm:sp3d/>
+    <dgm:txPr/>
+    <dgm:style>
+      <a:lnRef idx="0">
+        <a:scrgbClr r="0" g="0" b="0"/>
+      </a:lnRef>
+      <a:fillRef idx="3">
+        <a:scrgbClr r="0" g="0" b="0"/>
+      </a:fillRef>
+      <a:effectRef idx="3">
+        <a:scrgbClr r="0" g="0" b="0"/>
+      </a:effectRef>
+      <a:fontRef idx="minor">
+        <a:schemeClr val="lt1"/>
+      </a:fontRef>
+    </dgm:style>
+  </dgm:styleLbl>
+  <dgm:styleLbl name="sibTrans1D1">
+    <dgm:scene3d>
+      <a:camera prst="orthographicFront"/>
+      <a:lightRig rig="threePt" dir="t"/>
+    </dgm:scene3d>
+    <dgm:sp3d/>
+    <dgm:txPr/>
+    <dgm:style>
+      <a:lnRef idx="1">
+        <a:scrgbClr r="0" g="0" b="0"/>
+      </a:lnRef>
+      <a:fillRef idx="0">
+        <a:scrgbClr r="0" g="0" b="0"/>
+      </a:fillRef>
+      <a:effectRef idx="0">
+        <a:scrgbClr r="0" g="0" b="0"/>
+      </a:effectRef>
+      <a:fontRef idx="minor"/>
+    </dgm:style>
+  </dgm:styleLbl>
+  <dgm:styleLbl name="callout">
+    <dgm:scene3d>
+      <a:camera prst="orthographicFront"/>
+      <a:lightRig rig="threePt" dir="t"/>
+    </dgm:scene3d>
+    <dgm:sp3d/>
+    <dgm:txPr/>
+    <dgm:style>
+      <a:lnRef idx="1">
+        <a:scrgbClr r="0" g="0" b="0"/>
+      </a:lnRef>
+      <a:fillRef idx="0">
+        <a:scrgbClr r="0" g="0" b="0"/>
+      </a:fillRef>
+      <a:effectRef idx="1">
+        <a:scrgbClr r="0" g="0" b="0"/>
+      </a:effectRef>
+      <a:fontRef idx="minor"/>
+    </dgm:style>
+  </dgm:styleLbl>
+  <dgm:styleLbl name="asst0">
+    <dgm:scene3d>
+      <a:camera prst="orthographicFront"/>
+      <a:lightRig rig="threePt" dir="t"/>
+    </dgm:scene3d>
+    <dgm:sp3d/>
+    <dgm:txPr/>
+    <dgm:style>
+      <a:lnRef idx="0">
+        <a:scrgbClr r="0" g="0" b="0"/>
+      </a:lnRef>
+      <a:fillRef idx="3">
+        <a:scrgbClr r="0" g="0" b="0"/>
+      </a:fillRef>
+      <a:effectRef idx="3">
+        <a:scrgbClr r="0" g="0" b="0"/>
+      </a:effectRef>
+      <a:fontRef idx="minor">
+        <a:schemeClr val="lt1"/>
+      </a:fontRef>
+    </dgm:style>
+  </dgm:styleLbl>
+  <dgm:styleLbl name="asst1">
+    <dgm:scene3d>
+      <a:camera prst="orthographicFront"/>
+      <a:lightRig rig="threePt" dir="t"/>
+    </dgm:scene3d>
+    <dgm:sp3d/>
+    <dgm:txPr/>
+    <dgm:style>
+      <a:lnRef idx="0">
+        <a:scrgbClr r="0" g="0" b="0"/>
+      </a:lnRef>
+      <a:fillRef idx="3">
+        <a:scrgbClr r="0" g="0" b="0"/>
+      </a:fillRef>
+      <a:effectRef idx="3">
+        <a:scrgbClr r="0" g="0" b="0"/>
+      </a:effectRef>
+      <a:fontRef idx="minor">
+        <a:schemeClr val="lt1"/>
+      </a:fontRef>
+    </dgm:style>
+  </dgm:styleLbl>
+  <dgm:styleLbl name="asst2">
+    <dgm:scene3d>
+      <a:camera prst="orthographicFront"/>
+      <a:lightRig rig="threePt" dir="t"/>
+    </dgm:scene3d>
+    <dgm:sp3d/>
+    <dgm:txPr/>
+    <dgm:style>
+      <a:lnRef idx="0">
+        <a:scrgbClr r="0" g="0" b="0"/>
+      </a:lnRef>
+      <a:fillRef idx="3">
+        <a:scrgbClr r="0" g="0" b="0"/>
+      </a:fillRef>
+      <a:effectRef idx="3">
+        <a:scrgbClr r="0" g="0" b="0"/>
+      </a:effectRef>
+      <a:fontRef idx="minor">
+        <a:schemeClr val="lt1"/>
+      </a:fontRef>
+    </dgm:style>
+  </dgm:styleLbl>
+  <dgm:styleLbl name="asst3">
+    <dgm:scene3d>
+      <a:camera prst="orthographicFront"/>
+      <a:lightRig rig="threePt" dir="t"/>
+    </dgm:scene3d>
+    <dgm:sp3d/>
+    <dgm:txPr/>
+    <dgm:style>
+      <a:lnRef idx="0">
+        <a:scrgbClr r="0" g="0" b="0"/>
+      </a:lnRef>
+      <a:fillRef idx="3">
+        <a:scrgbClr r="0" g="0" b="0"/>
+      </a:fillRef>
+      <a:effectRef idx="3">
+        <a:scrgbClr r="0" g="0" b="0"/>
+      </a:effectRef>
+      <a:fontRef idx="minor">
+        <a:schemeClr val="lt1"/>
+      </a:fontRef>
+    </dgm:style>
+  </dgm:styleLbl>
+  <dgm:styleLbl name="asst4">
+    <dgm:scene3d>
+      <a:camera prst="orthographicFront"/>
+      <a:lightRig rig="threePt" dir="t"/>
+    </dgm:scene3d>
+    <dgm:sp3d/>
+    <dgm:txPr/>
+    <dgm:style>
+      <a:lnRef idx="0">
+        <a:scrgbClr r="0" g="0" b="0"/>
+      </a:lnRef>
+      <a:fillRef idx="3">
+        <a:scrgbClr r="0" g="0" b="0"/>
+      </a:fillRef>
+      <a:effectRef idx="3">
+        <a:scrgbClr r="0" g="0" b="0"/>
+      </a:effectRef>
+      <a:fontRef idx="minor">
+        <a:schemeClr val="lt1"/>
+      </a:fontRef>
+    </dgm:style>
+  </dgm:styleLbl>
+  <dgm:styleLbl name="parChTrans2D1">
+    <dgm:scene3d>
+      <a:camera prst="orthographicFront"/>
+      <a:lightRig rig="threePt" dir="t"/>
+    </dgm:scene3d>
+    <dgm:sp3d/>
+    <dgm:txPr/>
+    <dgm:style>
+      <a:lnRef idx="0">
+        <a:scrgbClr r="0" g="0" b="0"/>
+      </a:lnRef>
+      <a:fillRef idx="3">
+        <a:scrgbClr r="0" g="0" b="0"/>
+      </a:fillRef>
+      <a:effectRef idx="3">
+        <a:scrgbClr r="0" g="0" b="0"/>
+      </a:effectRef>
+      <a:fontRef idx="minor">
+        <a:schemeClr val="lt1"/>
+      </a:fontRef>
+    </dgm:style>
+  </dgm:styleLbl>
+  <dgm:styleLbl name="parChTrans2D2">
+    <dgm:scene3d>
+      <a:camera prst="orthographicFront"/>
+      <a:lightRig rig="threePt" dir="t"/>
+    </dgm:scene3d>
+    <dgm:sp3d/>
+    <dgm:txPr/>
+    <dgm:style>
+      <a:lnRef idx="0">
+        <a:scrgbClr r="0" g="0" b="0"/>
+      </a:lnRef>
+      <a:fillRef idx="3">
+        <a:scrgbClr r="0" g="0" b="0"/>
+      </a:fillRef>
+      <a:effectRef idx="3">
+        <a:scrgbClr r="0" g="0" b="0"/>
+      </a:effectRef>
+      <a:fontRef idx="minor">
+        <a:schemeClr val="lt1"/>
+      </a:fontRef>
+    </dgm:style>
+  </dgm:styleLbl>
+  <dgm:styleLbl name="parChTrans2D3">
+    <dgm:scene3d>
+      <a:camera prst="orthographicFront"/>
+      <a:lightRig rig="threePt" dir="t"/>
+    </dgm:scene3d>
+    <dgm:sp3d/>
+    <dgm:txPr/>
+    <dgm:style>
+      <a:lnRef idx="0">
+        <a:scrgbClr r="0" g="0" b="0"/>
+      </a:lnRef>
+      <a:fillRef idx="3">
+        <a:scrgbClr r="0" g="0" b="0"/>
+      </a:fillRef>
+      <a:effectRef idx="3">
+        <a:scrgbClr r="0" g="0" b="0"/>
+      </a:effectRef>
+      <a:fontRef idx="minor">
+        <a:schemeClr val="lt1"/>
+      </a:fontRef>
+    </dgm:style>
+  </dgm:styleLbl>
+  <dgm:styleLbl name="parChTrans2D4">
+    <dgm:scene3d>
+      <a:camera prst="orthographicFront"/>
+      <a:lightRig rig="threePt" dir="t"/>
+    </dgm:scene3d>
+    <dgm:sp3d/>
+    <dgm:txPr/>
+    <dgm:style>
+      <a:lnRef idx="0">
+        <a:scrgbClr r="0" g="0" b="0"/>
+      </a:lnRef>
+      <a:fillRef idx="3">
+        <a:scrgbClr r="0" g="0" b="0"/>
+      </a:fillRef>
+      <a:effectRef idx="3">
+        <a:scrgbClr r="0" g="0" b="0"/>
+      </a:effectRef>
+      <a:fontRef idx="minor">
+        <a:schemeClr val="lt1"/>
+      </a:fontRef>
+    </dgm:style>
+  </dgm:styleLbl>
+  <dgm:styleLbl name="parChTrans1D1">
+    <dgm:scene3d>
+      <a:camera prst="orthographicFront"/>
+      <a:lightRig rig="threePt" dir="t"/>
+    </dgm:scene3d>
+    <dgm:sp3d/>
+    <dgm:txPr/>
+    <dgm:style>
+      <a:lnRef idx="2">
+        <a:scrgbClr r="0" g="0" b="0"/>
+      </a:lnRef>
+      <a:fillRef idx="0">
+        <a:scrgbClr r="0" g="0" b="0"/>
+      </a:fillRef>
+      <a:effectRef idx="0">
+        <a:scrgbClr r="0" g="0" b="0"/>
+      </a:effectRef>
+      <a:fontRef idx="minor"/>
+    </dgm:style>
+  </dgm:styleLbl>
+  <dgm:styleLbl name="parChTrans1D2">
+    <dgm:scene3d>
+      <a:camera prst="orthographicFront"/>
+      <a:lightRig rig="threePt" dir="t"/>
+    </dgm:scene3d>
+    <dgm:sp3d/>
+    <dgm:txPr/>
+    <dgm:style>
+      <a:lnRef idx="2">
+        <a:scrgbClr r="0" g="0" b="0"/>
+      </a:lnRef>
+      <a:fillRef idx="0">
+        <a:scrgbClr r="0" g="0" b="0"/>
+      </a:fillRef>
+      <a:effectRef idx="0">
+        <a:scrgbClr r="0" g="0" b="0"/>
+      </a:effectRef>
+      <a:fontRef idx="minor"/>
+    </dgm:style>
+  </dgm:styleLbl>
+  <dgm:styleLbl name="parChTrans1D3">
+    <dgm:scene3d>
+      <a:camera prst="orthographicFront"/>
+      <a:lightRig rig="threePt" dir="t"/>
+    </dgm:scene3d>
+    <dgm:sp3d/>
+    <dgm:txPr/>
+    <dgm:style>
+      <a:lnRef idx="2">
+        <a:scrgbClr r="0" g="0" b="0"/>
+      </a:lnRef>
+      <a:fillRef idx="0">
+        <a:scrgbClr r="0" g="0" b="0"/>
+      </a:fillRef>
+      <a:effectRef idx="0">
+        <a:scrgbClr r="0" g="0" b="0"/>
+      </a:effectRef>
+      <a:fontRef idx="minor"/>
+    </dgm:style>
+  </dgm:styleLbl>
+  <dgm:styleLbl name="parChTrans1D4">
+    <dgm:scene3d>
+      <a:camera prst="orthographicFront"/>
+      <a:lightRig rig="threePt" dir="t"/>
+    </dgm:scene3d>
+    <dgm:sp3d/>
+    <dgm:txPr/>
+    <dgm:style>
+      <a:lnRef idx="2">
+        <a:scrgbClr r="0" g="0" b="0"/>
+      </a:lnRef>
+      <a:fillRef idx="0">
+        <a:scrgbClr r="0" g="0" b="0"/>
+      </a:fillRef>
+      <a:effectRef idx="0">
+        <a:scrgbClr r="0" g="0" b="0"/>
+      </a:effectRef>
+      <a:fontRef idx="minor"/>
+    </dgm:style>
+  </dgm:styleLbl>
+  <dgm:styleLbl name="fgAcc1">
+    <dgm:scene3d>
+      <a:camera prst="orthographicFront"/>
+      <a:lightRig rig="threePt" dir="t"/>
+    </dgm:scene3d>
+    <dgm:sp3d/>
+    <dgm:txPr/>
+    <dgm:style>
+      <a:lnRef idx="1">
+        <a:scrgbClr r="0" g="0" b="0"/>
+      </a:lnRef>
+      <a:fillRef idx="1">
+        <a:scrgbClr r="0" g="0" b="0"/>
+      </a:fillRef>
+      <a:effectRef idx="2">
+        <a:scrgbClr r="0" g="0" b="0"/>
+      </a:effectRef>
+      <a:fontRef idx="minor"/>
+    </dgm:style>
+  </dgm:styleLbl>
+  <dgm:styleLbl name="conFgAcc1">
+    <dgm:scene3d>
+      <a:camera prst="orthographicFront"/>
+      <a:lightRig rig="threePt" dir="t"/>
+    </dgm:scene3d>
+    <dgm:sp3d/>
+    <dgm:txPr/>
+    <dgm:style>
+      <a:lnRef idx="1">
+        <a:scrgbClr r="0" g="0" b="0"/>
+      </a:lnRef>
+      <a:fillRef idx="1">
+        <a:scrgbClr r="0" g="0" b="0"/>
+      </a:fillRef>
+      <a:effectRef idx="2">
+        <a:scrgbClr r="0" g="0" b="0"/>
+      </a:effectRef>
+      <a:fontRef idx="minor"/>
+    </dgm:style>
+  </dgm:styleLbl>
+  <dgm:styleLbl name="alignAcc1">
+    <dgm:scene3d>
+      <a:camera prst="orthographicFront"/>
+      <a:lightRig rig="threePt" dir="t"/>
+    </dgm:scene3d>
+    <dgm:sp3d/>
+    <dgm:txPr/>
+    <dgm:style>
+      <a:lnRef idx="1">
+        <a:scrgbClr r="0" g="0" b="0"/>
+      </a:lnRef>
+      <a:fillRef idx="1">
+        <a:scrgbClr r="0" g="0" b="0"/>
+      </a:fillRef>
+      <a:effectRef idx="2">
+        <a:scrgbClr r="0" g="0" b="0"/>
+      </a:effectRef>
+      <a:fontRef idx="minor"/>
+    </dgm:style>
+  </dgm:styleLbl>
+  <dgm:styleLbl name="trAlignAcc1">
+    <dgm:scene3d>
+      <a:camera prst="orthographicFront"/>
+      <a:lightRig rig="threePt" dir="t"/>
+    </dgm:scene3d>
+    <dgm:sp3d/>
+    <dgm:txPr/>
+    <dgm:style>
+      <a:lnRef idx="1">
+        <a:scrgbClr r="0" g="0" b="0"/>
+      </a:lnRef>
+      <a:fillRef idx="1">
+        <a:scrgbClr r="0" g="0" b="0"/>
+      </a:fillRef>
+      <a:effectRef idx="0">
+        <a:scrgbClr r="0" g="0" b="0"/>
+      </a:effectRef>
+      <a:fontRef idx="minor"/>
+    </dgm:style>
+  </dgm:styleLbl>
+  <dgm:styleLbl name="bgAcc1">
+    <dgm:scene3d>
+      <a:camera prst="orthographicFront"/>
+      <a:lightRig rig="threePt" dir="t"/>
+    </dgm:scene3d>
+    <dgm:sp3d/>
+    <dgm:txPr/>
+    <dgm:style>
+      <a:lnRef idx="1">
+        <a:scrgbClr r="0" g="0" b="0"/>
+      </a:lnRef>
+      <a:fillRef idx="1">
+        <a:scrgbClr r="0" g="0" b="0"/>
+      </a:fillRef>
+      <a:effectRef idx="2">
+        <a:scrgbClr r="0" g="0" b="0"/>
+      </a:effectRef>
+      <a:fontRef idx="minor"/>
+    </dgm:style>
+  </dgm:styleLbl>
+  <dgm:styleLbl name="solidFgAcc1">
+    <dgm:scene3d>
+      <a:camera prst="orthographicFront"/>
+      <a:lightRig rig="threePt" dir="t"/>
+    </dgm:scene3d>
+    <dgm:sp3d/>
+    <dgm:txPr/>
+    <dgm:style>
+      <a:lnRef idx="1">
+        <a:scrgbClr r="0" g="0" b="0"/>
+      </a:lnRef>
+      <a:fillRef idx="1">
+        <a:scrgbClr r="0" g="0" b="0"/>
+      </a:fillRef>
+      <a:effectRef idx="2">
+        <a:scrgbClr r="0" g="0" b="0"/>
+      </a:effectRef>
+      <a:fontRef idx="minor"/>
+    </dgm:style>
+  </dgm:styleLbl>
+  <dgm:styleLbl name="solidAlignAcc1">
+    <dgm:scene3d>
+      <a:camera prst="orthographicFront"/>
+      <a:lightRig rig="threePt" dir="t"/>
+    </dgm:scene3d>
+    <dgm:sp3d/>
+    <dgm:txPr/>
+    <dgm:style>
+      <a:lnRef idx="1">
+        <a:scrgbClr r="0" g="0" b="0"/>
+      </a:lnRef>
+      <a:fillRef idx="1">
+        <a:scrgbClr r="0" g="0" b="0"/>
+      </a:fillRef>
+      <a:effectRef idx="3">
+        <a:scrgbClr r="0" g="0" b="0"/>
+      </a:effectRef>
+      <a:fontRef idx="minor"/>
+    </dgm:style>
+  </dgm:styleLbl>
+  <dgm:styleLbl name="solidBgAcc1">
+    <dgm:scene3d>
+      <a:camera prst="orthographicFront"/>
+      <a:lightRig rig="threePt" dir="t"/>
+    </dgm:scene3d>
+    <dgm:sp3d/>
+    <dgm:txPr/>
+    <dgm:style>
+      <a:lnRef idx="1">
+        <a:scrgbClr r="0" g="0" b="0"/>
+      </a:lnRef>
+      <a:fillRef idx="1">
+        <a:scrgbClr r="0" g="0" b="0"/>
+      </a:fillRef>
+      <a:effectRef idx="3">
+        <a:scrgbClr r="0" g="0" b="0"/>
+      </a:effectRef>
+      <a:fontRef idx="minor"/>
+    </dgm:style>
+  </dgm:styleLbl>
+  <dgm:styleLbl name="fgAccFollowNode1">
+    <dgm:scene3d>
+      <a:camera prst="orthographicFront"/>
+      <a:lightRig rig="threePt" dir="t"/>
+    </dgm:scene3d>
+    <dgm:sp3d/>
+    <dgm:txPr/>
+    <dgm:style>
+      <a:lnRef idx="1">
+        <a:scrgbClr r="0" g="0" b="0"/>
+      </a:lnRef>
+      <a:fillRef idx="1">
+        <a:scrgbClr r="0" g="0" b="0"/>
+      </a:fillRef>
+      <a:effectRef idx="2">
+        <a:scrgbClr r="0" g="0" b="0"/>
+      </a:effectRef>
+      <a:fontRef idx="minor"/>
+    </dgm:style>
+  </dgm:styleLbl>
+  <dgm:styleLbl name="alignAccFollowNode1">
+    <dgm:scene3d>
+      <a:camera prst="orthographicFront"/>
+      <a:lightRig rig="threePt" dir="t"/>
+    </dgm:scene3d>
+    <dgm:sp3d/>
+    <dgm:txPr/>
+    <dgm:style>
+      <a:lnRef idx="1">
+        <a:scrgbClr r="0" g="0" b="0"/>
+      </a:lnRef>
+      <a:fillRef idx="1">
+        <a:scrgbClr r="0" g="0" b="0"/>
+      </a:fillRef>
+      <a:effectRef idx="2">
+        <a:scrgbClr r="0" g="0" b="0"/>
+      </a:effectRef>
+      <a:fontRef idx="minor"/>
+    </dgm:style>
+  </dgm:styleLbl>
+  <dgm:styleLbl name="bgAccFollowNode1">
+    <dgm:scene3d>
+      <a:camera prst="orthographicFront"/>
+      <a:lightRig rig="threePt" dir="t"/>
+    </dgm:scene3d>
+    <dgm:sp3d/>
+    <dgm:txPr/>
+    <dgm:style>
+      <a:lnRef idx="1">
+        <a:scrgbClr r="0" g="0" b="0"/>
+      </a:lnRef>
+      <a:fillRef idx="1">
+        <a:scrgbClr r="0" g="0" b="0"/>
+      </a:fillRef>
+      <a:effectRef idx="2">
+        <a:scrgbClr r="0" g="0" b="0"/>
+      </a:effectRef>
+      <a:fontRef idx="minor"/>
+    </dgm:style>
+  </dgm:styleLbl>
+  <dgm:styleLbl name="fgAcc0">
+    <dgm:scene3d>
+      <a:camera prst="orthographicFront"/>
+      <a:lightRig rig="threePt" dir="t"/>
+    </dgm:scene3d>
+    <dgm:sp3d/>
+    <dgm:txPr/>
+    <dgm:style>
+      <a:lnRef idx="1">
+        <a:scrgbClr r="0" g="0" b="0"/>
+      </a:lnRef>
+      <a:fillRef idx="1">
+        <a:scrgbClr r="0" g="0" b="0"/>
+      </a:fillRef>
+      <a:effectRef idx="2">
+        <a:scrgbClr r="0" g="0" b="0"/>
+      </a:effectRef>
+      <a:fontRef idx="minor"/>
+    </dgm:style>
+  </dgm:styleLbl>
+  <dgm:styleLbl name="fgAcc2">
+    <dgm:scene3d>
+      <a:camera prst="orthographicFront"/>
+      <a:lightRig rig="threePt" dir="t"/>
+    </dgm:scene3d>
+    <dgm:sp3d/>
+    <dgm:txPr/>
+    <dgm:style>
+      <a:lnRef idx="1">
+        <a:scrgbClr r="0" g="0" b="0"/>
+      </a:lnRef>
+      <a:fillRef idx="1">
+        <a:scrgbClr r="0" g="0" b="0"/>
+      </a:fillRef>
+      <a:effectRef idx="2">
+        <a:scrgbClr r="0" g="0" b="0"/>
+      </a:effectRef>
+      <a:fontRef idx="minor"/>
+    </dgm:style>
+  </dgm:styleLbl>
+  <dgm:styleLbl name="fgAcc3">
+    <dgm:scene3d>
+      <a:camera prst="orthographicFront"/>
+      <a:lightRig rig="threePt" dir="t"/>
+    </dgm:scene3d>
+    <dgm:sp3d/>
+    <dgm:txPr/>
+    <dgm:style>
+      <a:lnRef idx="1">
+        <a:scrgbClr r="0" g="0" b="0"/>
+      </a:lnRef>
+      <a:fillRef idx="1">
+        <a:scrgbClr r="0" g="0" b="0"/>
+      </a:fillRef>
+      <a:effectRef idx="2">
+        <a:scrgbClr r="0" g="0" b="0"/>
+      </a:effectRef>
+      <a:fontRef idx="minor"/>
+    </dgm:style>
+  </dgm:styleLbl>
+  <dgm:styleLbl name="fgAcc4">
+    <dgm:scene3d>
+      <a:camera prst="orthographicFront"/>
+      <a:lightRig rig="threePt" dir="t"/>
+    </dgm:scene3d>
+    <dgm:sp3d/>
+    <dgm:txPr/>
+    <dgm:style>
+      <a:lnRef idx="1">
+        <a:scrgbClr r="0" g="0" b="0"/>
+      </a:lnRef>
+      <a:fillRef idx="1">
+        <a:scrgbClr r="0" g="0" b="0"/>
+      </a:fillRef>
+      <a:effectRef idx="2">
+        <a:scrgbClr r="0" g="0" b="0"/>
+      </a:effectRef>
+      <a:fontRef idx="minor"/>
+    </dgm:style>
+  </dgm:styleLbl>
+  <dgm:styleLbl name="bgShp">
+    <dgm:scene3d>
+      <a:camera prst="orthographicFront"/>
+      <a:lightRig rig="threePt" dir="t"/>
+    </dgm:scene3d>
+    <dgm:sp3d/>
+    <dgm:txPr/>
+    <dgm:style>
+      <a:lnRef idx="0">
+        <a:scrgbClr r="0" g="0" b="0"/>
+      </a:lnRef>
+      <a:fillRef idx="1">
+        <a:scrgbClr r="0" g="0" b="0"/>
+      </a:fillRef>
+      <a:effectRef idx="2">
+        <a:scrgbClr r="0" g="0" b="0"/>
+      </a:effectRef>
+      <a:fontRef idx="minor"/>
+    </dgm:style>
+  </dgm:styleLbl>
+  <dgm:styleLbl name="dkBgShp">
+    <dgm:scene3d>
+      <a:camera prst="orthographicFront"/>
+      <a:lightRig rig="threePt" dir="t"/>
+    </dgm:scene3d>
+    <dgm:sp3d/>
+    <dgm:txPr/>
+    <dgm:style>
+      <a:lnRef idx="0">
+        <a:scrgbClr r="0" g="0" b="0"/>
+      </a:lnRef>
+      <a:fillRef idx="1">
+        <a:scrgbClr r="0" g="0" b="0"/>
+      </a:fillRef>
+      <a:effectRef idx="3">
+        <a:scrgbClr r="0" g="0" b="0"/>
+      </a:effectRef>
+      <a:fontRef idx="minor"/>
+    </dgm:style>
+  </dgm:styleLbl>
+  <dgm:styleLbl name="trBgShp">
+    <dgm:scene3d>
+      <a:camera prst="orthographicFront"/>
+      <a:lightRig rig="threePt" dir="t"/>
+    </dgm:scene3d>
+    <dgm:sp3d/>
+    <dgm:txPr/>
+    <dgm:style>
+      <a:lnRef idx="0">
+        <a:scrgbClr r="0" g="0" b="0"/>
+      </a:lnRef>
+      <a:fillRef idx="1">
+        <a:scrgbClr r="0" g="0" b="0"/>
+      </a:fillRef>
+      <a:effectRef idx="0">
+        <a:scrgbClr r="0" g="0" b="0"/>
+      </a:effectRef>
+      <a:fontRef idx="minor"/>
+    </dgm:style>
+  </dgm:styleLbl>
+  <dgm:styleLbl name="fgShp">
+    <dgm:scene3d>
+      <a:camera prst="orthographicFront"/>
+      <a:lightRig rig="threePt" dir="t"/>
+    </dgm:scene3d>
+    <dgm:sp3d/>
+    <dgm:txPr/>
+    <dgm:style>
+      <a:lnRef idx="0">
+        <a:scrgbClr r="0" g="0" b="0"/>
+      </a:lnRef>
+      <a:fillRef idx="3">
+        <a:scrgbClr r="0" g="0" b="0"/>
+      </a:fillRef>
+      <a:effectRef idx="3">
+        <a:scrgbClr r="0" g="0" b="0"/>
+      </a:effectRef>
+      <a:fontRef idx="minor"/>
+    </dgm:style>
+  </dgm:styleLbl>
+  <dgm:styleLbl name="revTx">
+    <dgm:scene3d>
+      <a:camera prst="orthographicFront"/>
+      <a:lightRig rig="threePt" dir="t"/>
+    </dgm:scene3d>
+    <dgm:sp3d/>
+    <dgm:txPr/>
+    <dgm:style>
+      <a:lnRef idx="0">
+        <a:scrgbClr r="0" g="0" b="0"/>
+      </a:lnRef>
+      <a:fillRef idx="0">
+        <a:scrgbClr r="0" g="0" b="0"/>
+      </a:fillRef>
+      <a:effectRef idx="0">
+        <a:scrgbClr r="0" g="0" b="0"/>
+      </a:effectRef>
+      <a:fontRef idx="minor"/>
+    </dgm:style>
+  </dgm:styleLbl>
+</dgm:styleDef>
 </file>
 
 <file path=ppt/slideLayouts/slideLayout1.xml><?xml version="1.0" encoding="utf-8"?>
@@ -8256,7 +11772,14 @@
           <a:p>
             <a:r>
               <a:rPr lang="en-US" dirty="0"/>
-              <a:t>During this NLP Project, a model was trained to classify 20 cuisine types. </a:t>
+              <a:t>Natural Language Processing</a:t>
+            </a:r>
+          </a:p>
+          <a:p>
+            <a:pPr lvl="1"/>
+            <a:r>
+              <a:rPr lang="en-US" dirty="0"/>
+              <a:t>model trained to classify 20 cuisine types. </a:t>
             </a:r>
           </a:p>
           <a:p>
@@ -8268,7 +11791,7 @@
           <a:p>
             <a:r>
               <a:rPr lang="en-US" dirty="0"/>
-              <a:t>Prioritized accuracy at 62%</a:t>
+              <a:t>Prioritized baseline accuracy at 62%</a:t>
             </a:r>
           </a:p>
         </p:txBody>
@@ -8289,6 +11812,41 @@
 <file path=ppt/slides/slide3.xml><?xml version="1.0" encoding="utf-8"?>
 <p:sld xmlns:a="http://schemas.openxmlformats.org/drawingml/2006/main" xmlns:r="http://schemas.openxmlformats.org/officeDocument/2006/relationships" xmlns:p="http://schemas.openxmlformats.org/presentationml/2006/main">
   <p:cSld>
+    <p:bg>
+      <p:bgPr>
+        <a:gradFill rotWithShape="1">
+          <a:gsLst>
+            <a:gs pos="0">
+              <a:schemeClr val="bg2">
+                <a:tint val="96000"/>
+                <a:shade val="100000"/>
+                <a:hueMod val="92000"/>
+                <a:satMod val="200000"/>
+                <a:lumMod val="128000"/>
+              </a:schemeClr>
+            </a:gs>
+            <a:gs pos="50000">
+              <a:schemeClr val="bg2">
+                <a:shade val="100000"/>
+                <a:hueMod val="100000"/>
+                <a:satMod val="110000"/>
+                <a:lumMod val="130000"/>
+              </a:schemeClr>
+            </a:gs>
+            <a:gs pos="100000">
+              <a:schemeClr val="bg2">
+                <a:shade val="78000"/>
+                <a:hueMod val="118000"/>
+                <a:satMod val="120000"/>
+                <a:lumMod val="69000"/>
+              </a:schemeClr>
+            </a:gs>
+          </a:gsLst>
+          <a:lin ang="2520000" scaled="0"/>
+        </a:gradFill>
+        <a:effectLst/>
+      </p:bgPr>
+    </p:bg>
     <p:spTree>
       <p:nvGrpSpPr>
         <p:cNvPr id="1" name=""/>
@@ -8319,9 +11877,16 @@
             <p:ph type="title"/>
           </p:nvPr>
         </p:nvSpPr>
-        <p:spPr/>
+        <p:spPr>
+          <a:xfrm>
+            <a:off x="680321" y="753228"/>
+            <a:ext cx="9613861" cy="1080938"/>
+          </a:xfrm>
+        </p:spPr>
         <p:txBody>
-          <a:bodyPr/>
+          <a:bodyPr>
+            <a:normAutofit/>
+          </a:bodyPr>
           <a:lstStyle/>
           <a:p>
             <a:r>
@@ -8331,58 +11896,37 @@
           </a:p>
         </p:txBody>
       </p:sp>
-      <p:sp>
-        <p:nvSpPr>
-          <p:cNvPr id="3" name="Content Placeholder 2">
+      <p:graphicFrame>
+        <p:nvGraphicFramePr>
+          <p:cNvPr id="5" name="Content Placeholder 2">
             <a:extLst>
               <a:ext uri="{FF2B5EF4-FFF2-40B4-BE49-F238E27FC236}">
-                <a16:creationId xmlns:a16="http://schemas.microsoft.com/office/drawing/2014/main" id="{7964A01D-5B4C-4A01-A024-D596271D1291}"/>
+                <a16:creationId xmlns:a16="http://schemas.microsoft.com/office/drawing/2014/main" id="{05CF728D-014C-4E4C-AB2F-46E2374F969B}"/>
               </a:ext>
             </a:extLst>
           </p:cNvPr>
-          <p:cNvSpPr>
-            <a:spLocks noGrp="1"/>
-          </p:cNvSpPr>
+          <p:cNvGraphicFramePr>
+            <a:graphicFrameLocks noGrp="1"/>
+          </p:cNvGraphicFramePr>
           <p:nvPr>
             <p:ph idx="1"/>
-          </p:nvPr>
-        </p:nvSpPr>
-        <p:spPr/>
-        <p:txBody>
-          <a:bodyPr/>
-          <a:lstStyle/>
-          <a:p>
-            <a:r>
-              <a:rPr lang="en-US" dirty="0"/>
-              <a:t>Business Problem</a:t>
-            </a:r>
-          </a:p>
-          <a:p>
-            <a:r>
-              <a:rPr lang="en-US" dirty="0"/>
-              <a:t>Data and Methods</a:t>
-            </a:r>
-          </a:p>
-          <a:p>
-            <a:r>
-              <a:rPr lang="en-US" dirty="0"/>
-              <a:t>Results</a:t>
-            </a:r>
-          </a:p>
-          <a:p>
-            <a:r>
-              <a:rPr lang="en-US" dirty="0"/>
-              <a:t>Conclusions</a:t>
-            </a:r>
-          </a:p>
-          <a:p>
-            <a:r>
-              <a:rPr lang="en-US" dirty="0"/>
-              <a:t>Next Steps</a:t>
-            </a:r>
-          </a:p>
-        </p:txBody>
-      </p:sp>
+            <p:extLst>
+              <p:ext uri="{D42A27DB-BD31-4B8C-83A1-F6EECF244321}">
+                <p14:modId xmlns:p14="http://schemas.microsoft.com/office/powerpoint/2010/main" val="1220064390"/>
+              </p:ext>
+            </p:extLst>
+          </p:nvPr>
+        </p:nvGraphicFramePr>
+        <p:xfrm>
+          <a:off x="681037" y="2336800"/>
+          <a:ext cx="10830641" cy="3598863"/>
+        </p:xfrm>
+        <a:graphic>
+          <a:graphicData uri="http://schemas.openxmlformats.org/drawingml/2006/diagram">
+            <dgm:relIds xmlns:dgm="http://schemas.openxmlformats.org/drawingml/2006/diagram" xmlns:r="http://schemas.openxmlformats.org/officeDocument/2006/relationships" r:dm="rId2" r:lo="rId3" r:qs="rId4" r:cs="rId5"/>
+          </a:graphicData>
+        </a:graphic>
+      </p:graphicFrame>
     </p:spTree>
     <p:extLst>
       <p:ext uri="{BB962C8B-B14F-4D97-AF65-F5344CB8AC3E}">
@@ -8791,7 +12335,7 @@
                   <a:srgbClr val="FFFFFF"/>
                 </a:solidFill>
               </a:rPr>
-              <a:t>Build a model that can correctly classify a cuisine based on key words in a given recipe.</a:t>
+              <a:t>Build a model that can accurately classify a cuisine based on key words in a given recipe.</a:t>
             </a:r>
           </a:p>
           <a:p>
@@ -9762,7 +13306,7 @@
           <a:lstStyle/>
           <a:p>
             <a:r>
-              <a:rPr lang="en-US" sz="2000"/>
+              <a:rPr lang="en-US" sz="2000" dirty="0"/>
               <a:t>Cleaning done using:</a:t>
             </a:r>
           </a:p>
@@ -9789,13 +13333,14 @@
           </a:p>
           <a:p>
             <a:r>
-              <a:rPr lang="en-US" sz="2000"/>
+              <a:rPr lang="en-US" sz="2000" dirty="0" err="1"/>
               <a:t>WordClouds</a:t>
             </a:r>
+            <a:endParaRPr lang="en-US" sz="2000" dirty="0"/>
           </a:p>
           <a:p>
             <a:r>
-              <a:rPr lang="en-US" sz="2000"/>
+              <a:rPr lang="en-US" sz="2000" dirty="0"/>
               <a:t>Models</a:t>
             </a:r>
           </a:p>
@@ -10319,7 +13864,7 @@
           <a:p>
             <a:r>
               <a:rPr lang="en-US" sz="2000" dirty="0"/>
-              <a:t>Further cleaning can help the model</a:t>
+              <a:t>Further cleaning will help the model</a:t>
             </a:r>
           </a:p>
           <a:p>
@@ -10332,10 +13877,9 @@
           <a:p>
             <a:pPr lvl="1"/>
             <a:r>
-              <a:rPr lang="en-US"/>
+              <a:rPr lang="en-US" dirty="0"/>
               <a:t>Generate more insights to see why</a:t>
             </a:r>
-            <a:endParaRPr lang="en-US" dirty="0"/>
           </a:p>
           <a:p>
             <a:endParaRPr lang="en-US" sz="2000" dirty="0"/>

--- a/Cuisine_Classification.pptx
+++ b/Cuisine_Classification.pptx
@@ -871,7 +871,7 @@
 <dgm:dataModel xmlns:dgm="http://schemas.openxmlformats.org/drawingml/2006/diagram" xmlns:a="http://schemas.openxmlformats.org/drawingml/2006/main">
   <dgm:ptLst>
     <dgm:pt modelId="{E2A061D9-E8D1-473F-BD5D-E77EDB109AD7}" type="doc">
-      <dgm:prSet loTypeId="urn:microsoft.com/office/officeart/2005/8/layout/hierarchy1" loCatId="hierarchy" qsTypeId="urn:microsoft.com/office/officeart/2005/8/quickstyle/simple5" qsCatId="simple" csTypeId="urn:microsoft.com/office/officeart/2005/8/colors/accent1_2" csCatId="accent1"/>
+      <dgm:prSet loTypeId="urn:microsoft.com/office/officeart/2005/8/layout/hierarchy1" loCatId="hierarchy" qsTypeId="urn:microsoft.com/office/officeart/2005/8/quickstyle/simple5" qsCatId="simple" csTypeId="urn:microsoft.com/office/officeart/2005/8/colors/accent1_2" csCatId="accent1" phldr="1"/>
       <dgm:spPr/>
       <dgm:t>
         <a:bodyPr/>
@@ -889,8 +889,12 @@
         <a:lstStyle/>
         <a:p>
           <a:r>
+            <a:rPr lang="en-US" dirty="0"/>
+            <a:t>Business Problem </a:t>
+          </a:r>
+          <a:r>
             <a:rPr lang="en-US"/>
-            <a:t>Business Problem</a:t>
+            <a:t>&amp; Understanding</a:t>
           </a:r>
         </a:p>
       </dgm:t>
@@ -1379,12 +1383,12 @@
         <a:fontRef idx="minor"/>
       </dsp:style>
       <dsp:txBody>
-        <a:bodyPr spcFirstLastPara="0" vert="horz" wrap="square" lIns="87630" tIns="87630" rIns="87630" bIns="87630" numCol="1" spcCol="1270" anchor="ctr" anchorCtr="0">
+        <a:bodyPr spcFirstLastPara="0" vert="horz" wrap="square" lIns="72390" tIns="72390" rIns="72390" bIns="72390" numCol="1" spcCol="1270" anchor="ctr" anchorCtr="0">
           <a:noAutofit/>
         </a:bodyPr>
         <a:lstStyle/>
         <a:p>
-          <a:pPr marL="0" lvl="0" indent="0" algn="ctr" defTabSz="1022350">
+          <a:pPr marL="0" lvl="0" indent="0" algn="ctr" defTabSz="844550">
             <a:lnSpc>
               <a:spcPct val="90000"/>
             </a:lnSpc>
@@ -1397,8 +1401,12 @@
             <a:buNone/>
           </a:pPr>
           <a:r>
-            <a:rPr lang="en-US" sz="2300" kern="1200"/>
-            <a:t>Business Problem</a:t>
+            <a:rPr lang="en-US" sz="1900" kern="1200" dirty="0"/>
+            <a:t>Business Problem </a:t>
+          </a:r>
+          <a:r>
+            <a:rPr lang="en-US" sz="1900" kern="1200"/>
+            <a:t>&amp; Understanding</a:t>
           </a:r>
         </a:p>
       </dsp:txBody>
@@ -1536,12 +1544,12 @@
         <a:fontRef idx="minor"/>
       </dsp:style>
       <dsp:txBody>
-        <a:bodyPr spcFirstLastPara="0" vert="horz" wrap="square" lIns="87630" tIns="87630" rIns="87630" bIns="87630" numCol="1" spcCol="1270" anchor="ctr" anchorCtr="0">
+        <a:bodyPr spcFirstLastPara="0" vert="horz" wrap="square" lIns="72390" tIns="72390" rIns="72390" bIns="72390" numCol="1" spcCol="1270" anchor="ctr" anchorCtr="0">
           <a:noAutofit/>
         </a:bodyPr>
         <a:lstStyle/>
         <a:p>
-          <a:pPr marL="0" lvl="0" indent="0" algn="ctr" defTabSz="1022350">
+          <a:pPr marL="0" lvl="0" indent="0" algn="ctr" defTabSz="844550">
             <a:lnSpc>
               <a:spcPct val="90000"/>
             </a:lnSpc>
@@ -1554,7 +1562,7 @@
             <a:buNone/>
           </a:pPr>
           <a:r>
-            <a:rPr lang="en-US" sz="2300" kern="1200"/>
+            <a:rPr lang="en-US" sz="1900" kern="1200"/>
             <a:t>Data and Methods</a:t>
           </a:r>
         </a:p>
@@ -1693,12 +1701,12 @@
         <a:fontRef idx="minor"/>
       </dsp:style>
       <dsp:txBody>
-        <a:bodyPr spcFirstLastPara="0" vert="horz" wrap="square" lIns="87630" tIns="87630" rIns="87630" bIns="87630" numCol="1" spcCol="1270" anchor="ctr" anchorCtr="0">
+        <a:bodyPr spcFirstLastPara="0" vert="horz" wrap="square" lIns="72390" tIns="72390" rIns="72390" bIns="72390" numCol="1" spcCol="1270" anchor="ctr" anchorCtr="0">
           <a:noAutofit/>
         </a:bodyPr>
         <a:lstStyle/>
         <a:p>
-          <a:pPr marL="0" lvl="0" indent="0" algn="ctr" defTabSz="1022350">
+          <a:pPr marL="0" lvl="0" indent="0" algn="ctr" defTabSz="844550">
             <a:lnSpc>
               <a:spcPct val="90000"/>
             </a:lnSpc>
@@ -1711,7 +1719,7 @@
             <a:buNone/>
           </a:pPr>
           <a:r>
-            <a:rPr lang="en-US" sz="2300" kern="1200"/>
+            <a:rPr lang="en-US" sz="1900" kern="1200"/>
             <a:t>Results</a:t>
           </a:r>
         </a:p>
@@ -1850,12 +1858,12 @@
         <a:fontRef idx="minor"/>
       </dsp:style>
       <dsp:txBody>
-        <a:bodyPr spcFirstLastPara="0" vert="horz" wrap="square" lIns="87630" tIns="87630" rIns="87630" bIns="87630" numCol="1" spcCol="1270" anchor="ctr" anchorCtr="0">
+        <a:bodyPr spcFirstLastPara="0" vert="horz" wrap="square" lIns="72390" tIns="72390" rIns="72390" bIns="72390" numCol="1" spcCol="1270" anchor="ctr" anchorCtr="0">
           <a:noAutofit/>
         </a:bodyPr>
         <a:lstStyle/>
         <a:p>
-          <a:pPr marL="0" lvl="0" indent="0" algn="ctr" defTabSz="1022350">
+          <a:pPr marL="0" lvl="0" indent="0" algn="ctr" defTabSz="844550">
             <a:lnSpc>
               <a:spcPct val="90000"/>
             </a:lnSpc>
@@ -1868,7 +1876,7 @@
             <a:buNone/>
           </a:pPr>
           <a:r>
-            <a:rPr lang="en-US" sz="2300" kern="1200"/>
+            <a:rPr lang="en-US" sz="1900" kern="1200"/>
             <a:t>Conclusions</a:t>
           </a:r>
         </a:p>
@@ -2007,12 +2015,12 @@
         <a:fontRef idx="minor"/>
       </dsp:style>
       <dsp:txBody>
-        <a:bodyPr spcFirstLastPara="0" vert="horz" wrap="square" lIns="87630" tIns="87630" rIns="87630" bIns="87630" numCol="1" spcCol="1270" anchor="ctr" anchorCtr="0">
+        <a:bodyPr spcFirstLastPara="0" vert="horz" wrap="square" lIns="72390" tIns="72390" rIns="72390" bIns="72390" numCol="1" spcCol="1270" anchor="ctr" anchorCtr="0">
           <a:noAutofit/>
         </a:bodyPr>
         <a:lstStyle/>
         <a:p>
-          <a:pPr marL="0" lvl="0" indent="0" algn="ctr" defTabSz="1022350">
+          <a:pPr marL="0" lvl="0" indent="0" algn="ctr" defTabSz="844550">
             <a:lnSpc>
               <a:spcPct val="90000"/>
             </a:lnSpc>
@@ -2025,7 +2033,7 @@
             <a:buNone/>
           </a:pPr>
           <a:r>
-            <a:rPr lang="en-US" sz="2300" kern="1200"/>
+            <a:rPr lang="en-US" sz="1900" kern="1200"/>
             <a:t>Next Steps</a:t>
           </a:r>
         </a:p>
@@ -3910,7 +3918,7 @@
           <a:p>
             <a:fld id="{88D38747-4367-4BD2-8D51-C97E202738E2}" type="datetime1">
               <a:rPr lang="en-US" smtClean="0"/>
-              <a:t>2/12/2021</a:t>
+              <a:t>2/17/2021</a:t>
             </a:fld>
             <a:endParaRPr lang="en-US" dirty="0"/>
           </a:p>
@@ -4325,7 +4333,7 @@
           <a:p>
             <a:fld id="{11F1B079-7EF0-44EE-B798-BCC497C9F3B2}" type="datetime1">
               <a:rPr lang="en-US" smtClean="0"/>
-              <a:t>2/12/2021</a:t>
+              <a:t>2/17/2021</a:t>
             </a:fld>
             <a:endParaRPr lang="en-US" dirty="0"/>
           </a:p>
@@ -4661,7 +4669,7 @@
           <a:p>
             <a:fld id="{28FF70A8-1D13-4657-95F0-A9EA54967B8D}" type="datetime1">
               <a:rPr lang="en-US" smtClean="0"/>
-              <a:t>2/12/2021</a:t>
+              <a:t>2/17/2021</a:t>
             </a:fld>
             <a:endParaRPr lang="en-US" dirty="0"/>
           </a:p>
@@ -5066,7 +5074,7 @@
           <a:p>
             <a:fld id="{21EB90AC-71BD-4C7F-8ACA-7B3F18292E63}" type="datetime1">
               <a:rPr lang="en-US" smtClean="0"/>
-              <a:t>2/12/2021</a:t>
+              <a:t>2/17/2021</a:t>
             </a:fld>
             <a:endParaRPr lang="en-US" dirty="0"/>
           </a:p>
@@ -5634,7 +5642,7 @@
           <a:p>
             <a:fld id="{4E6EFC2C-8905-46F0-B443-CE905B76BA01}" type="datetime1">
               <a:rPr lang="en-US" smtClean="0"/>
-              <a:t>2/12/2021</a:t>
+              <a:t>2/17/2021</a:t>
             </a:fld>
             <a:endParaRPr lang="en-US" dirty="0"/>
           </a:p>
@@ -6315,7 +6323,7 @@
           <a:p>
             <a:fld id="{D9079DC3-C9B5-499E-9140-0DC28B7074E2}" type="datetime1">
               <a:rPr lang="en-US" smtClean="0"/>
-              <a:t>2/12/2021</a:t>
+              <a:t>2/17/2021</a:t>
             </a:fld>
             <a:endParaRPr lang="en-US" dirty="0"/>
           </a:p>
@@ -7228,7 +7236,7 @@
           <a:p>
             <a:fld id="{30BB33EA-E472-4D22-9C03-A9C14AA21CED}" type="datetime1">
               <a:rPr lang="en-US" smtClean="0"/>
-              <a:t>2/12/2021</a:t>
+              <a:t>2/17/2021</a:t>
             </a:fld>
             <a:endParaRPr lang="en-US" dirty="0"/>
           </a:p>
@@ -7541,7 +7549,7 @@
           <a:p>
             <a:fld id="{217E833E-1B6D-415F-AD29-75AE8C43BD0D}" type="datetime1">
               <a:rPr lang="en-US" smtClean="0"/>
-              <a:t>2/12/2021</a:t>
+              <a:t>2/17/2021</a:t>
             </a:fld>
             <a:endParaRPr lang="en-US" dirty="0"/>
           </a:p>
@@ -7805,7 +7813,7 @@
           <a:p>
             <a:fld id="{8452596F-08A7-4B70-989A-F2B1CF31E66B}" type="datetime1">
               <a:rPr lang="en-US" smtClean="0"/>
-              <a:t>2/12/2021</a:t>
+              <a:t>2/17/2021</a:t>
             </a:fld>
             <a:endParaRPr lang="en-US" dirty="0"/>
           </a:p>
@@ -8128,7 +8136,7 @@
           <a:p>
             <a:fld id="{73C55A3C-5767-4844-A0A3-83778C2E5409}" type="datetime1">
               <a:rPr lang="en-US" smtClean="0"/>
-              <a:t>2/12/2021</a:t>
+              <a:t>2/17/2021</a:t>
             </a:fld>
             <a:endParaRPr lang="en-US" dirty="0"/>
           </a:p>
@@ -8517,7 +8525,7 @@
           <a:p>
             <a:fld id="{CAE507A8-A5CF-4D38-AB86-7EDDA87A85D4}" type="datetime1">
               <a:rPr lang="en-US" smtClean="0"/>
-              <a:t>2/12/2021</a:t>
+              <a:t>2/17/2021</a:t>
             </a:fld>
             <a:endParaRPr lang="en-US" dirty="0"/>
           </a:p>
@@ -8894,7 +8902,7 @@
           <a:p>
             <a:fld id="{BDFCD27C-8599-43EF-BA1D-14DDC1946E06}" type="datetime1">
               <a:rPr lang="en-US" smtClean="0"/>
-              <a:t>2/12/2021</a:t>
+              <a:t>2/17/2021</a:t>
             </a:fld>
             <a:endParaRPr lang="en-US" dirty="0"/>
           </a:p>
@@ -9400,7 +9408,7 @@
           <a:p>
             <a:fld id="{49343D99-809A-49C0-96E5-4250D0B498EE}" type="datetime1">
               <a:rPr lang="en-US" smtClean="0"/>
-              <a:t>2/12/2021</a:t>
+              <a:t>2/17/2021</a:t>
             </a:fld>
             <a:endParaRPr lang="en-US" dirty="0"/>
           </a:p>
@@ -9657,7 +9665,7 @@
           <a:p>
             <a:fld id="{A143DE9B-B678-4EFB-BB7D-A4370204A0B0}" type="datetime1">
               <a:rPr lang="en-US" smtClean="0"/>
-              <a:t>2/12/2021</a:t>
+              <a:t>2/17/2021</a:t>
             </a:fld>
             <a:endParaRPr lang="en-US" dirty="0"/>
           </a:p>
@@ -9820,7 +9828,7 @@
           <a:p>
             <a:fld id="{E68812DA-F765-4142-A6A3-A8ED7235E082}" type="datetime1">
               <a:rPr lang="en-US" smtClean="0"/>
-              <a:t>2/12/2021</a:t>
+              <a:t>2/17/2021</a:t>
             </a:fld>
             <a:endParaRPr lang="en-US" dirty="0"/>
           </a:p>
@@ -10210,7 +10218,7 @@
           <a:p>
             <a:fld id="{3E0277FD-7DE6-41D4-930D-AC99F5AFE54E}" type="datetime1">
               <a:rPr lang="en-US" smtClean="0"/>
-              <a:t>2/12/2021</a:t>
+              <a:t>2/17/2021</a:t>
             </a:fld>
             <a:endParaRPr lang="en-US" dirty="0"/>
           </a:p>
@@ -10620,7 +10628,7 @@
           <a:p>
             <a:fld id="{9EA15526-7079-4B7B-987C-1B5FAE11A0FF}" type="datetime1">
               <a:rPr lang="en-US" smtClean="0"/>
-              <a:t>2/12/2021</a:t>
+              <a:t>2/17/2021</a:t>
             </a:fld>
             <a:endParaRPr lang="en-US" dirty="0"/>
           </a:p>
@@ -10865,7 +10873,7 @@
           <a:p>
             <a:fld id="{073ED0CC-082F-4160-86E5-0D6041F12778}" type="datetime1">
               <a:rPr lang="en-US" smtClean="0"/>
-              <a:t>2/12/2021</a:t>
+              <a:t>2/17/2021</a:t>
             </a:fld>
             <a:endParaRPr lang="en-US" dirty="0"/>
           </a:p>
@@ -11583,8 +11591,8 @@
           <a:lstStyle/>
           <a:p>
             <a:r>
-              <a:rPr lang="en-US" sz="1800"/>
-              <a:t>By: Ijeoma Akamnonu</a:t>
+              <a:rPr lang="en-US" sz="1800" dirty="0"/>
+              <a:t>By: Ijeoma N. Akamnonu</a:t>
             </a:r>
           </a:p>
         </p:txBody>
@@ -11912,7 +11920,7 @@
             <p:ph idx="1"/>
             <p:extLst>
               <p:ext uri="{D42A27DB-BD31-4B8C-83A1-F6EECF244321}">
-                <p14:modId xmlns:p14="http://schemas.microsoft.com/office/powerpoint/2010/main" val="1220064390"/>
+                <p14:modId xmlns:p14="http://schemas.microsoft.com/office/powerpoint/2010/main" val="592629156"/>
               </p:ext>
             </p:extLst>
           </p:nvPr>
@@ -12279,8 +12287,8 @@
         </p:nvSpPr>
         <p:spPr>
           <a:xfrm>
-            <a:off x="680321" y="2063262"/>
-            <a:ext cx="3739279" cy="2661052"/>
+            <a:off x="156883" y="2063262"/>
+            <a:ext cx="4540624" cy="2661052"/>
           </a:xfrm>
         </p:spPr>
         <p:txBody>
@@ -12291,12 +12299,12 @@
           <a:p>
             <a:pPr algn="r"/>
             <a:r>
-              <a:rPr lang="en-US" sz="4400">
+              <a:rPr lang="en-US" sz="4400" dirty="0">
                 <a:solidFill>
                   <a:srgbClr val="FFFFFF"/>
                 </a:solidFill>
               </a:rPr>
-              <a:t>Business Problem</a:t>
+              <a:t>Business Problem &amp; Understanding</a:t>
             </a:r>
           </a:p>
         </p:txBody>
@@ -12339,6 +12347,36 @@
             </a:r>
           </a:p>
           <a:p>
+            <a:r>
+              <a:rPr lang="en-US" sz="2000" cap="all" dirty="0">
+                <a:solidFill>
+                  <a:srgbClr val="FFFFFF"/>
+                </a:solidFill>
+              </a:rPr>
+              <a:t>WHY?</a:t>
+            </a:r>
+          </a:p>
+          <a:p>
+            <a:pPr lvl="1"/>
+            <a:r>
+              <a:rPr lang="en-US" sz="1200" cap="all" dirty="0">
+                <a:solidFill>
+                  <a:srgbClr val="FFFFFF"/>
+                </a:solidFill>
+              </a:rPr>
+              <a:t>Gain insights and make patterns between different cuisines through classification</a:t>
+            </a:r>
+          </a:p>
+          <a:p>
+            <a:pPr lvl="1"/>
+            <a:r>
+              <a:rPr lang="en-US" sz="1200" cap="all" dirty="0">
+                <a:solidFill>
+                  <a:srgbClr val="FFFFFF"/>
+                </a:solidFill>
+              </a:rPr>
+              <a:t>Use those insights and patterns to generate novel, possibly delicious recipes</a:t>
+            </a:r>
             <a:endParaRPr lang="en-US" sz="2000" dirty="0">
               <a:solidFill>
                 <a:srgbClr val="FFFFFF"/>

--- a/Cuisine_Classification.pptx
+++ b/Cuisine_Classification.pptx
@@ -890,11 +890,7 @@
         <a:p>
           <a:r>
             <a:rPr lang="en-US" dirty="0"/>
-            <a:t>Business Problem </a:t>
-          </a:r>
-          <a:r>
-            <a:rPr lang="en-US"/>
-            <a:t>&amp; Understanding</a:t>
+            <a:t>Business Problem &amp; Understanding</a:t>
           </a:r>
         </a:p>
       </dgm:t>
@@ -1402,11 +1398,7 @@
           </a:pPr>
           <a:r>
             <a:rPr lang="en-US" sz="1900" kern="1200" dirty="0"/>
-            <a:t>Business Problem </a:t>
-          </a:r>
-          <a:r>
-            <a:rPr lang="en-US" sz="1900" kern="1200"/>
-            <a:t>&amp; Understanding</a:t>
+            <a:t>Business Problem &amp; Understanding</a:t>
           </a:r>
         </a:p>
       </dsp:txBody>
@@ -12452,10 +12444,10 @@
       </p:grpSpPr>
       <p:sp useBgFill="1">
         <p:nvSpPr>
-          <p:cNvPr id="21" name="Rectangle 8">
+          <p:cNvPr id="31" name="Rectangle 30">
             <a:extLst>
               <a:ext uri="{FF2B5EF4-FFF2-40B4-BE49-F238E27FC236}">
-                <a16:creationId xmlns:a16="http://schemas.microsoft.com/office/drawing/2014/main" id="{1395ACAC-577D-4FAD-955D-280C3D104ADF}"/>
+                <a16:creationId xmlns:a16="http://schemas.microsoft.com/office/drawing/2014/main" id="{8DCA3673-CDE4-40C5-9FA8-F89874CFBA73}"/>
               </a:ext>
               <a:ext uri="{C183D7F6-B498-43B3-948B-1728B52AA6E4}">
                 <adec:decorative xmlns:adec="http://schemas.microsoft.com/office/drawing/2017/decorative" val="1"/>
@@ -12509,10 +12501,10 @@
       </p:sp>
       <p:pic>
         <p:nvPicPr>
-          <p:cNvPr id="22" name="Picture 10">
+          <p:cNvPr id="33" name="Picture 32">
             <a:extLst>
               <a:ext uri="{FF2B5EF4-FFF2-40B4-BE49-F238E27FC236}">
-                <a16:creationId xmlns:a16="http://schemas.microsoft.com/office/drawing/2014/main" id="{E228037F-2EF2-4A1A-8D1D-D08F2C98AD63}"/>
+                <a16:creationId xmlns:a16="http://schemas.microsoft.com/office/drawing/2014/main" id="{95756E8F-499C-4533-BBE8-309C3E8D985C}"/>
               </a:ext>
               <a:ext uri="{C183D7F6-B498-43B3-948B-1728B52AA6E4}">
                 <adec:decorative xmlns:adec="http://schemas.microsoft.com/office/drawing/2017/decorative" val="1"/>
@@ -12555,10 +12547,10 @@
       </p:pic>
       <p:sp>
         <p:nvSpPr>
-          <p:cNvPr id="23" name="Rectangle 12">
+          <p:cNvPr id="35" name="Rectangle 34">
             <a:extLst>
               <a:ext uri="{FF2B5EF4-FFF2-40B4-BE49-F238E27FC236}">
-                <a16:creationId xmlns:a16="http://schemas.microsoft.com/office/drawing/2014/main" id="{0AB11C2E-6CA2-4822-BF14-C1C9A6BC6CAA}"/>
+                <a16:creationId xmlns:a16="http://schemas.microsoft.com/office/drawing/2014/main" id="{0FFFD040-32A9-4D2B-86CA-599D030A4161}"/>
               </a:ext>
               <a:ext uri="{C183D7F6-B498-43B3-948B-1728B52AA6E4}">
                 <adec:decorative xmlns:adec="http://schemas.microsoft.com/office/drawing/2017/decorative" val="1"/>
@@ -12615,10 +12607,10 @@
       </p:sp>
       <p:sp>
         <p:nvSpPr>
-          <p:cNvPr id="24" name="Rectangle 14">
+          <p:cNvPr id="37" name="Rectangle 36">
             <a:extLst>
               <a:ext uri="{FF2B5EF4-FFF2-40B4-BE49-F238E27FC236}">
-                <a16:creationId xmlns:a16="http://schemas.microsoft.com/office/drawing/2014/main" id="{38B3A2B2-7BBB-4E52-8C30-BE2A6F346B37}"/>
+                <a16:creationId xmlns:a16="http://schemas.microsoft.com/office/drawing/2014/main" id="{863205CA-B7FF-4C25-A4C8-3BBBCE19D950}"/>
               </a:ext>
               <a:ext uri="{C183D7F6-B498-43B3-948B-1728B52AA6E4}">
                 <adec:decorative xmlns:adec="http://schemas.microsoft.com/office/drawing/2017/decorative" val="1"/>
@@ -12708,10 +12700,10 @@
       </p:sp>
       <p:pic>
         <p:nvPicPr>
-          <p:cNvPr id="25" name="Picture 16">
+          <p:cNvPr id="39" name="Picture 38">
             <a:extLst>
               <a:ext uri="{FF2B5EF4-FFF2-40B4-BE49-F238E27FC236}">
-                <a16:creationId xmlns:a16="http://schemas.microsoft.com/office/drawing/2014/main" id="{FFF756FE-278B-4106-BB2E-DB87CF02DFB5}"/>
+                <a16:creationId xmlns:a16="http://schemas.microsoft.com/office/drawing/2014/main" id="{306E3F32-3C1A-4B6E-AF26-8A15A788560F}"/>
               </a:ext>
               <a:ext uri="{C183D7F6-B498-43B3-948B-1728B52AA6E4}">
                 <adec:decorative xmlns:adec="http://schemas.microsoft.com/office/drawing/2017/decorative" val="1"/>
@@ -12804,82 +12796,12 @@
           </a:p>
         </p:txBody>
       </p:sp>
-      <p:sp>
-        <p:nvSpPr>
-          <p:cNvPr id="26" name="Rectangle 18">
+      <p:pic>
+        <p:nvPicPr>
+          <p:cNvPr id="6" name="Picture 5">
             <a:extLst>
               <a:ext uri="{FF2B5EF4-FFF2-40B4-BE49-F238E27FC236}">
-                <a16:creationId xmlns:a16="http://schemas.microsoft.com/office/drawing/2014/main" id="{09D6A950-3339-40EB-8972-64F44542D3FF}"/>
-              </a:ext>
-              <a:ext uri="{C183D7F6-B498-43B3-948B-1728B52AA6E4}">
-                <adec:decorative xmlns:adec="http://schemas.microsoft.com/office/drawing/2017/decorative" val="1"/>
-              </a:ext>
-            </a:extLst>
-          </p:cNvPr>
-          <p:cNvSpPr>
-            <a:spLocks noGrp="1" noRot="1" noChangeAspect="1" noMove="1" noResize="1" noEditPoints="1" noAdjustHandles="1" noChangeArrowheads="1" noChangeShapeType="1" noTextEdit="1"/>
-          </p:cNvSpPr>
-          <p:nvPr>
-            <p:extLst>
-              <p:ext uri="{386F3935-93C4-4BCD-93E2-E3B085C9AB24}">
-                <p16:designElem xmlns:p16="http://schemas.microsoft.com/office/powerpoint/2015/main" val="1"/>
-              </p:ext>
-            </p:extLst>
-          </p:nvPr>
-        </p:nvSpPr>
-        <p:spPr>
-          <a:xfrm>
-            <a:off x="5276090" y="642795"/>
-            <a:ext cx="6272654" cy="5575126"/>
-          </a:xfrm>
-          <a:prstGeom prst="rect">
-            <a:avLst/>
-          </a:prstGeom>
-          <a:solidFill>
-            <a:schemeClr val="tx1"/>
-          </a:solidFill>
-          <a:ln>
-            <a:noFill/>
-          </a:ln>
-          <a:effectLst>
-            <a:outerShdw blurRad="76200" dist="63500" dir="5040000" algn="t" rotWithShape="0">
-              <a:prstClr val="black">
-                <a:alpha val="41000"/>
-              </a:prstClr>
-            </a:outerShdw>
-          </a:effectLst>
-        </p:spPr>
-        <p:style>
-          <a:lnRef idx="2">
-            <a:schemeClr val="accent1">
-              <a:shade val="50000"/>
-            </a:schemeClr>
-          </a:lnRef>
-          <a:fillRef idx="1">
-            <a:schemeClr val="accent1"/>
-          </a:fillRef>
-          <a:effectRef idx="0">
-            <a:schemeClr val="accent1"/>
-          </a:effectRef>
-          <a:fontRef idx="minor">
-            <a:schemeClr val="lt1"/>
-          </a:fontRef>
-        </p:style>
-        <p:txBody>
-          <a:bodyPr rtlCol="0" anchor="ctr"/>
-          <a:lstStyle/>
-          <a:p>
-            <a:pPr algn="ctr"/>
-            <a:endParaRPr lang="en-US"/>
-          </a:p>
-        </p:txBody>
-      </p:sp>
-      <p:pic>
-        <p:nvPicPr>
-          <p:cNvPr id="4" name="Picture 3">
-            <a:extLst>
-              <a:ext uri="{FF2B5EF4-FFF2-40B4-BE49-F238E27FC236}">
-                <a16:creationId xmlns:a16="http://schemas.microsoft.com/office/drawing/2014/main" id="{35E5DE0A-33D9-46B8-B82B-3691CE032CF3}"/>
+                <a16:creationId xmlns:a16="http://schemas.microsoft.com/office/drawing/2014/main" id="{F6D91D20-E883-4CFD-84ED-2C920CF52B55}"/>
               </a:ext>
             </a:extLst>
           </p:cNvPr>
@@ -12902,8 +12824,8 @@
         </p:blipFill>
         <p:spPr>
           <a:xfrm>
-            <a:off x="5593085" y="1757931"/>
-            <a:ext cx="5629268" cy="3335343"/>
+            <a:off x="5276090" y="2081062"/>
+            <a:ext cx="6269479" cy="2695876"/>
           </a:xfrm>
           <a:prstGeom prst="rect">
             <a:avLst/>
@@ -12911,7 +12833,13 @@
           <a:ln>
             <a:noFill/>
           </a:ln>
-          <a:effectLst/>
+          <a:effectLst>
+            <a:outerShdw blurRad="76200" dist="63500" dir="5040000" algn="tl" rotWithShape="0">
+              <a:srgbClr val="000000">
+                <a:alpha val="41000"/>
+              </a:srgbClr>
+            </a:outerShdw>
+          </a:effectLst>
         </p:spPr>
       </p:pic>
     </p:spTree>

--- a/Cuisine_Classification.pptx
+++ b/Cuisine_Classification.pptx
@@ -7,13 +7,16 @@
   <p:sldIdLst>
     <p:sldId id="259" r:id="rId2"/>
     <p:sldId id="260" r:id="rId3"/>
-    <p:sldId id="261" r:id="rId4"/>
-    <p:sldId id="262" r:id="rId5"/>
-    <p:sldId id="263" r:id="rId6"/>
-    <p:sldId id="264" r:id="rId7"/>
-    <p:sldId id="268" r:id="rId8"/>
-    <p:sldId id="266" r:id="rId9"/>
-    <p:sldId id="267" r:id="rId10"/>
+    <p:sldId id="271" r:id="rId4"/>
+    <p:sldId id="270" r:id="rId5"/>
+    <p:sldId id="261" r:id="rId6"/>
+    <p:sldId id="262" r:id="rId7"/>
+    <p:sldId id="263" r:id="rId8"/>
+    <p:sldId id="269" r:id="rId9"/>
+    <p:sldId id="264" r:id="rId10"/>
+    <p:sldId id="268" r:id="rId11"/>
+    <p:sldId id="266" r:id="rId12"/>
+    <p:sldId id="267" r:id="rId13"/>
   </p:sldIdLst>
   <p:sldSz cx="12192000" cy="6858000"/>
   <p:notesSz cx="6858000" cy="9144000"/>
@@ -925,8 +928,8 @@
         <a:lstStyle/>
         <a:p>
           <a:r>
-            <a:rPr lang="en-US"/>
-            <a:t>Data and Methods</a:t>
+            <a:rPr lang="en-US" dirty="0"/>
+            <a:t>Data Collection &amp; Methods</a:t>
           </a:r>
         </a:p>
       </dgm:t>
@@ -1554,8 +1557,8 @@
             <a:buNone/>
           </a:pPr>
           <a:r>
-            <a:rPr lang="en-US" sz="1900" kern="1200"/>
-            <a:t>Data and Methods</a:t>
+            <a:rPr lang="en-US" sz="1900" kern="1200" dirty="0"/>
+            <a:t>Data Collection &amp; Methods</a:t>
           </a:r>
         </a:p>
       </dsp:txBody>
@@ -11704,7 +11707,7 @@
 </p:sld>
 </file>
 
-<file path=ppt/slides/slide2.xml><?xml version="1.0" encoding="utf-8"?>
+<file path=ppt/slides/slide10.xml><?xml version="1.0" encoding="utf-8"?>
 <p:sld xmlns:a="http://schemas.openxmlformats.org/drawingml/2006/main" xmlns:r="http://schemas.openxmlformats.org/officeDocument/2006/relationships" xmlns:p="http://schemas.openxmlformats.org/presentationml/2006/main">
   <p:cSld>
     <p:spTree>
@@ -11726,7 +11729,7 @@
           <p:cNvPr id="2" name="Title 1">
             <a:extLst>
               <a:ext uri="{FF2B5EF4-FFF2-40B4-BE49-F238E27FC236}">
-                <a16:creationId xmlns:a16="http://schemas.microsoft.com/office/drawing/2014/main" id="{A6EF1C57-C432-4E03-BBB0-89ED67060F32}"/>
+                <a16:creationId xmlns:a16="http://schemas.microsoft.com/office/drawing/2014/main" id="{7682F771-AF14-4802-A704-5FD10A9497FD}"/>
               </a:ext>
             </a:extLst>
           </p:cNvPr>
@@ -11744,17 +11747,17 @@
           <a:p>
             <a:r>
               <a:rPr lang="en-US" dirty="0"/>
-              <a:t>Summary</a:t>
+              <a:t>Results</a:t>
             </a:r>
           </a:p>
         </p:txBody>
       </p:sp>
       <p:sp>
         <p:nvSpPr>
-          <p:cNvPr id="3" name="Content Placeholder 2">
+          <p:cNvPr id="3" name="Text Placeholder 2">
             <a:extLst>
               <a:ext uri="{FF2B5EF4-FFF2-40B4-BE49-F238E27FC236}">
-                <a16:creationId xmlns:a16="http://schemas.microsoft.com/office/drawing/2014/main" id="{2296E8A0-DA34-4995-842A-BB19E658AB76}"/>
+                <a16:creationId xmlns:a16="http://schemas.microsoft.com/office/drawing/2014/main" id="{AFD77AEB-4764-4EFB-874A-A0470768EA68}"/>
               </a:ext>
             </a:extLst>
           </p:cNvPr>
@@ -11762,7 +11765,7 @@
             <a:spLocks noGrp="1"/>
           </p:cNvSpPr>
           <p:nvPr>
-            <p:ph idx="1"/>
+            <p:ph type="body" idx="1"/>
           </p:nvPr>
         </p:nvSpPr>
         <p:spPr/>
@@ -11772,34 +11775,116 @@
           <a:p>
             <a:r>
               <a:rPr lang="en-US" dirty="0"/>
-              <a:t>Natural Language Processing</a:t>
-            </a:r>
-          </a:p>
-          <a:p>
-            <a:pPr lvl="1"/>
+              <a:t>Naïve Bayes</a:t>
+            </a:r>
+          </a:p>
+        </p:txBody>
+      </p:sp>
+      <p:sp>
+        <p:nvSpPr>
+          <p:cNvPr id="5" name="Text Placeholder 4">
+            <a:extLst>
+              <a:ext uri="{FF2B5EF4-FFF2-40B4-BE49-F238E27FC236}">
+                <a16:creationId xmlns:a16="http://schemas.microsoft.com/office/drawing/2014/main" id="{C6E6BCB7-8095-4400-86B3-13DE818F8941}"/>
+              </a:ext>
+            </a:extLst>
+          </p:cNvPr>
+          <p:cNvSpPr>
+            <a:spLocks noGrp="1"/>
+          </p:cNvSpPr>
+          <p:nvPr>
+            <p:ph type="body" sz="quarter" idx="3"/>
+          </p:nvPr>
+        </p:nvSpPr>
+        <p:spPr/>
+        <p:txBody>
+          <a:bodyPr/>
+          <a:lstStyle/>
+          <a:p>
             <a:r>
               <a:rPr lang="en-US" dirty="0"/>
-              <a:t>model trained to classify 20 cuisine types. </a:t>
-            </a:r>
-          </a:p>
-          <a:p>
-            <a:r>
-              <a:rPr lang="en-US" dirty="0"/>
-              <a:t>Best baseline model was using Logistic Regression</a:t>
-            </a:r>
-          </a:p>
-          <a:p>
-            <a:r>
-              <a:rPr lang="en-US" dirty="0"/>
-              <a:t>Prioritized baseline accuracy at 62%</a:t>
+              <a:t>Logistic Regression</a:t>
             </a:r>
           </a:p>
         </p:txBody>
       </p:sp>
+      <p:pic>
+        <p:nvPicPr>
+          <p:cNvPr id="7" name="Content Placeholder 6">
+            <a:extLst>
+              <a:ext uri="{FF2B5EF4-FFF2-40B4-BE49-F238E27FC236}">
+                <a16:creationId xmlns:a16="http://schemas.microsoft.com/office/drawing/2014/main" id="{1A4A2E7A-6373-453A-834A-B3EDC099294F}"/>
+              </a:ext>
+            </a:extLst>
+          </p:cNvPr>
+          <p:cNvPicPr>
+            <a:picLocks noGrp="1" noChangeAspect="1"/>
+          </p:cNvPicPr>
+          <p:nvPr>
+            <p:ph sz="half" idx="2"/>
+          </p:nvPr>
+        </p:nvPicPr>
+        <p:blipFill>
+          <a:blip r:embed="rId2">
+            <a:extLst>
+              <a:ext uri="{28A0092B-C50C-407E-A947-70E740481C1C}">
+                <a14:useLocalDpi xmlns:a14="http://schemas.microsoft.com/office/drawing/2010/main" val="0"/>
+              </a:ext>
+            </a:extLst>
+          </a:blip>
+          <a:stretch>
+            <a:fillRect/>
+          </a:stretch>
+        </p:blipFill>
+        <p:spPr>
+          <a:xfrm>
+            <a:off x="1296177" y="3028949"/>
+            <a:ext cx="3266859" cy="3280108"/>
+          </a:xfrm>
+          <a:prstGeom prst="rect">
+            <a:avLst/>
+          </a:prstGeom>
+        </p:spPr>
+      </p:pic>
+      <p:pic>
+        <p:nvPicPr>
+          <p:cNvPr id="8" name="Content Placeholder 4">
+            <a:extLst>
+              <a:ext uri="{FF2B5EF4-FFF2-40B4-BE49-F238E27FC236}">
+                <a16:creationId xmlns:a16="http://schemas.microsoft.com/office/drawing/2014/main" id="{D9B8D7A4-5A96-4085-9905-3D5D4674F28B}"/>
+              </a:ext>
+            </a:extLst>
+          </p:cNvPr>
+          <p:cNvPicPr>
+            <a:picLocks noGrp="1" noChangeAspect="1"/>
+          </p:cNvPicPr>
+          <p:nvPr>
+            <p:ph sz="quarter" idx="4"/>
+          </p:nvPr>
+        </p:nvPicPr>
+        <p:blipFill>
+          <a:blip r:embed="rId3">
+            <a:extLst>
+              <a:ext uri="{28A0092B-C50C-407E-A947-70E740481C1C}">
+                <a14:useLocalDpi xmlns:a14="http://schemas.microsoft.com/office/drawing/2010/main" val="0"/>
+              </a:ext>
+            </a:extLst>
+          </a:blip>
+          <a:stretch>
+            <a:fillRect/>
+          </a:stretch>
+        </p:blipFill>
+        <p:spPr>
+          <a:xfrm>
+            <a:off x="6026440" y="2990197"/>
+            <a:ext cx="3491522" cy="3388191"/>
+          </a:xfrm>
+        </p:spPr>
+      </p:pic>
     </p:spTree>
     <p:extLst>
       <p:ext uri="{BB962C8B-B14F-4D97-AF65-F5344CB8AC3E}">
-        <p14:creationId xmlns:p14="http://schemas.microsoft.com/office/powerpoint/2010/main" val="445949627"/>
+        <p14:creationId xmlns:p14="http://schemas.microsoft.com/office/powerpoint/2010/main" val="2589460927"/>
       </p:ext>
     </p:extLst>
   </p:cSld>
@@ -11809,138 +11894,7 @@
 </p:sld>
 </file>
 
-<file path=ppt/slides/slide3.xml><?xml version="1.0" encoding="utf-8"?>
-<p:sld xmlns:a="http://schemas.openxmlformats.org/drawingml/2006/main" xmlns:r="http://schemas.openxmlformats.org/officeDocument/2006/relationships" xmlns:p="http://schemas.openxmlformats.org/presentationml/2006/main">
-  <p:cSld>
-    <p:bg>
-      <p:bgPr>
-        <a:gradFill rotWithShape="1">
-          <a:gsLst>
-            <a:gs pos="0">
-              <a:schemeClr val="bg2">
-                <a:tint val="96000"/>
-                <a:shade val="100000"/>
-                <a:hueMod val="92000"/>
-                <a:satMod val="200000"/>
-                <a:lumMod val="128000"/>
-              </a:schemeClr>
-            </a:gs>
-            <a:gs pos="50000">
-              <a:schemeClr val="bg2">
-                <a:shade val="100000"/>
-                <a:hueMod val="100000"/>
-                <a:satMod val="110000"/>
-                <a:lumMod val="130000"/>
-              </a:schemeClr>
-            </a:gs>
-            <a:gs pos="100000">
-              <a:schemeClr val="bg2">
-                <a:shade val="78000"/>
-                <a:hueMod val="118000"/>
-                <a:satMod val="120000"/>
-                <a:lumMod val="69000"/>
-              </a:schemeClr>
-            </a:gs>
-          </a:gsLst>
-          <a:lin ang="2520000" scaled="0"/>
-        </a:gradFill>
-        <a:effectLst/>
-      </p:bgPr>
-    </p:bg>
-    <p:spTree>
-      <p:nvGrpSpPr>
-        <p:cNvPr id="1" name=""/>
-        <p:cNvGrpSpPr/>
-        <p:nvPr/>
-      </p:nvGrpSpPr>
-      <p:grpSpPr>
-        <a:xfrm>
-          <a:off x="0" y="0"/>
-          <a:ext cx="0" cy="0"/>
-          <a:chOff x="0" y="0"/>
-          <a:chExt cx="0" cy="0"/>
-        </a:xfrm>
-      </p:grpSpPr>
-      <p:sp>
-        <p:nvSpPr>
-          <p:cNvPr id="2" name="Title 1">
-            <a:extLst>
-              <a:ext uri="{FF2B5EF4-FFF2-40B4-BE49-F238E27FC236}">
-                <a16:creationId xmlns:a16="http://schemas.microsoft.com/office/drawing/2014/main" id="{6582B833-AD7C-42A2-93F6-246295100899}"/>
-              </a:ext>
-            </a:extLst>
-          </p:cNvPr>
-          <p:cNvSpPr>
-            <a:spLocks noGrp="1"/>
-          </p:cNvSpPr>
-          <p:nvPr>
-            <p:ph type="title"/>
-          </p:nvPr>
-        </p:nvSpPr>
-        <p:spPr>
-          <a:xfrm>
-            <a:off x="680321" y="753228"/>
-            <a:ext cx="9613861" cy="1080938"/>
-          </a:xfrm>
-        </p:spPr>
-        <p:txBody>
-          <a:bodyPr>
-            <a:normAutofit/>
-          </a:bodyPr>
-          <a:lstStyle/>
-          <a:p>
-            <a:r>
-              <a:rPr lang="en-US" dirty="0"/>
-              <a:t>Outline</a:t>
-            </a:r>
-          </a:p>
-        </p:txBody>
-      </p:sp>
-      <p:graphicFrame>
-        <p:nvGraphicFramePr>
-          <p:cNvPr id="5" name="Content Placeholder 2">
-            <a:extLst>
-              <a:ext uri="{FF2B5EF4-FFF2-40B4-BE49-F238E27FC236}">
-                <a16:creationId xmlns:a16="http://schemas.microsoft.com/office/drawing/2014/main" id="{05CF728D-014C-4E4C-AB2F-46E2374F969B}"/>
-              </a:ext>
-            </a:extLst>
-          </p:cNvPr>
-          <p:cNvGraphicFramePr>
-            <a:graphicFrameLocks noGrp="1"/>
-          </p:cNvGraphicFramePr>
-          <p:nvPr>
-            <p:ph idx="1"/>
-            <p:extLst>
-              <p:ext uri="{D42A27DB-BD31-4B8C-83A1-F6EECF244321}">
-                <p14:modId xmlns:p14="http://schemas.microsoft.com/office/powerpoint/2010/main" val="592629156"/>
-              </p:ext>
-            </p:extLst>
-          </p:nvPr>
-        </p:nvGraphicFramePr>
-        <p:xfrm>
-          <a:off x="681037" y="2336800"/>
-          <a:ext cx="10830641" cy="3598863"/>
-        </p:xfrm>
-        <a:graphic>
-          <a:graphicData uri="http://schemas.openxmlformats.org/drawingml/2006/diagram">
-            <dgm:relIds xmlns:dgm="http://schemas.openxmlformats.org/drawingml/2006/diagram" xmlns:r="http://schemas.openxmlformats.org/officeDocument/2006/relationships" r:dm="rId2" r:lo="rId3" r:qs="rId4" r:cs="rId5"/>
-          </a:graphicData>
-        </a:graphic>
-      </p:graphicFrame>
-    </p:spTree>
-    <p:extLst>
-      <p:ext uri="{BB962C8B-B14F-4D97-AF65-F5344CB8AC3E}">
-        <p14:creationId xmlns:p14="http://schemas.microsoft.com/office/powerpoint/2010/main" val="2292984373"/>
-      </p:ext>
-    </p:extLst>
-  </p:cSld>
-  <p:clrMapOvr>
-    <a:masterClrMapping/>
-  </p:clrMapOvr>
-</p:sld>
-</file>
-
-<file path=ppt/slides/slide4.xml><?xml version="1.0" encoding="utf-8"?>
+<file path=ppt/slides/slide11.xml><?xml version="1.0" encoding="utf-8"?>
 <p:sld xmlns:a="http://schemas.openxmlformats.org/drawingml/2006/main" xmlns:r="http://schemas.openxmlformats.org/officeDocument/2006/relationships" xmlns:p="http://schemas.openxmlformats.org/presentationml/2006/main">
   <p:cSld>
     <p:bg>
@@ -11992,12 +11946,12 @@
           <a:chExt cx="0" cy="0"/>
         </a:xfrm>
       </p:grpSpPr>
-      <p:sp useBgFill="1">
-        <p:nvSpPr>
-          <p:cNvPr id="15" name="Rectangle 7">
+      <p:sp>
+        <p:nvSpPr>
+          <p:cNvPr id="43" name="Rectangle 42">
             <a:extLst>
               <a:ext uri="{FF2B5EF4-FFF2-40B4-BE49-F238E27FC236}">
-                <a16:creationId xmlns:a16="http://schemas.microsoft.com/office/drawing/2014/main" id="{4B0FA309-807F-4C17-98EF-A3BA7388E213}"/>
+                <a16:creationId xmlns:a16="http://schemas.microsoft.com/office/drawing/2014/main" id="{273E8A9A-DA4B-4F12-9331-219EBE5235D0}"/>
               </a:ext>
               <a:ext uri="{C183D7F6-B498-43B3-948B-1728B52AA6E4}">
                 <adec:decorative xmlns:adec="http://schemas.microsoft.com/office/drawing/2017/decorative" val="1"/>
@@ -12017,15 +11971,126 @@
         </p:nvSpPr>
         <p:spPr>
           <a:xfrm>
-            <a:off x="0" y="0"/>
-            <a:ext cx="12188824" cy="6858000"/>
+            <a:off x="11281776" y="0"/>
+            <a:ext cx="917634" cy="6858000"/>
           </a:xfrm>
           <a:prstGeom prst="rect">
             <a:avLst/>
           </a:prstGeom>
+          <a:solidFill>
+            <a:schemeClr val="accent1"/>
+          </a:solidFill>
           <a:ln>
             <a:noFill/>
           </a:ln>
+        </p:spPr>
+        <p:style>
+          <a:lnRef idx="2">
+            <a:schemeClr val="accent1">
+              <a:shade val="50000"/>
+            </a:schemeClr>
+          </a:lnRef>
+          <a:fillRef idx="1">
+            <a:schemeClr val="accent1"/>
+          </a:fillRef>
+          <a:effectRef idx="0">
+            <a:schemeClr val="accent1"/>
+          </a:effectRef>
+          <a:fontRef idx="minor">
+            <a:schemeClr val="lt1"/>
+          </a:fontRef>
+        </p:style>
+      </p:sp>
+      <p:pic>
+        <p:nvPicPr>
+          <p:cNvPr id="45" name="Picture 44">
+            <a:extLst>
+              <a:ext uri="{FF2B5EF4-FFF2-40B4-BE49-F238E27FC236}">
+                <a16:creationId xmlns:a16="http://schemas.microsoft.com/office/drawing/2014/main" id="{1C4DCE7A-0E46-404B-9E0D-E93DC7B2A861}"/>
+              </a:ext>
+              <a:ext uri="{C183D7F6-B498-43B3-948B-1728B52AA6E4}">
+                <adec:decorative xmlns:adec="http://schemas.microsoft.com/office/drawing/2017/decorative" val="1"/>
+              </a:ext>
+            </a:extLst>
+          </p:cNvPr>
+          <p:cNvPicPr>
+            <a:picLocks noGrp="1" noRot="1" noChangeAspect="1" noMove="1" noResize="1" noEditPoints="1" noAdjustHandles="1" noChangeArrowheads="1" noChangeShapeType="1" noCrop="1"/>
+          </p:cNvPicPr>
+          <p:nvPr>
+            <p:extLst>
+              <p:ext uri="{386F3935-93C4-4BCD-93E2-E3B085C9AB24}">
+                <p16:designElem xmlns:p16="http://schemas.microsoft.com/office/powerpoint/2015/main" val="1"/>
+              </p:ext>
+            </p:extLst>
+          </p:nvPr>
+        </p:nvPicPr>
+        <p:blipFill>
+          <a:blip r:embed="rId2">
+            <a:alphaModFix amt="10000"/>
+            <a:extLst>
+              <a:ext uri="{28A0092B-C50C-407E-A947-70E740481C1C}">
+                <a14:useLocalDpi xmlns:a14="http://schemas.microsoft.com/office/drawing/2010/main" val="0"/>
+              </a:ext>
+            </a:extLst>
+          </a:blip>
+          <a:stretch>
+            <a:fillRect/>
+          </a:stretch>
+        </p:blipFill>
+        <p:spPr>
+          <a:xfrm>
+            <a:off x="0" y="0"/>
+            <a:ext cx="12192000" cy="6858000"/>
+          </a:xfrm>
+          <a:prstGeom prst="rect">
+            <a:avLst/>
+          </a:prstGeom>
+        </p:spPr>
+      </p:pic>
+      <p:sp>
+        <p:nvSpPr>
+          <p:cNvPr id="47" name="Rectangle 46">
+            <a:extLst>
+              <a:ext uri="{FF2B5EF4-FFF2-40B4-BE49-F238E27FC236}">
+                <a16:creationId xmlns:a16="http://schemas.microsoft.com/office/drawing/2014/main" id="{ADD673B7-F6B7-43EE-936B-D09F3A337A3E}"/>
+              </a:ext>
+              <a:ext uri="{C183D7F6-B498-43B3-948B-1728B52AA6E4}">
+                <adec:decorative xmlns:adec="http://schemas.microsoft.com/office/drawing/2017/decorative" val="1"/>
+              </a:ext>
+            </a:extLst>
+          </p:cNvPr>
+          <p:cNvSpPr>
+            <a:spLocks noGrp="1" noRot="1" noChangeAspect="1" noMove="1" noResize="1" noEditPoints="1" noAdjustHandles="1" noChangeArrowheads="1" noChangeShapeType="1" noTextEdit="1"/>
+          </p:cNvSpPr>
+          <p:nvPr>
+            <p:extLst>
+              <p:ext uri="{386F3935-93C4-4BCD-93E2-E3B085C9AB24}">
+                <p16:designElem xmlns:p16="http://schemas.microsoft.com/office/powerpoint/2015/main" val="1"/>
+              </p:ext>
+            </p:extLst>
+          </p:nvPr>
+        </p:nvSpPr>
+        <p:spPr>
+          <a:xfrm>
+            <a:off x="0" y="0"/>
+            <a:ext cx="11281776" cy="6858000"/>
+          </a:xfrm>
+          <a:prstGeom prst="rect">
+            <a:avLst/>
+          </a:prstGeom>
+          <a:solidFill>
+            <a:schemeClr val="bg1"/>
+          </a:solidFill>
+          <a:ln>
+            <a:noFill/>
+          </a:ln>
+          <a:effectLst>
+            <a:outerShdw blurRad="88900" dist="38100" dir="2700000" algn="tl" rotWithShape="0">
+              <a:prstClr val="black">
+                <a:alpha val="30000"/>
+              </a:prstClr>
+            </a:outerShdw>
+          </a:effectLst>
         </p:spPr>
         <p:style>
           <a:lnRef idx="2">
@@ -12052,12 +12117,224 @@
           </a:p>
         </p:txBody>
       </p:sp>
+      <p:sp>
+        <p:nvSpPr>
+          <p:cNvPr id="2" name="Title 1">
+            <a:extLst>
+              <a:ext uri="{FF2B5EF4-FFF2-40B4-BE49-F238E27FC236}">
+                <a16:creationId xmlns:a16="http://schemas.microsoft.com/office/drawing/2014/main" id="{57468150-1D24-4D51-BC68-1C021D05D209}"/>
+              </a:ext>
+            </a:extLst>
+          </p:cNvPr>
+          <p:cNvSpPr>
+            <a:spLocks noGrp="1"/>
+          </p:cNvSpPr>
+          <p:nvPr>
+            <p:ph type="title"/>
+          </p:nvPr>
+        </p:nvSpPr>
+        <p:spPr>
+          <a:xfrm>
+            <a:off x="6770849" y="643466"/>
+            <a:ext cx="3846292" cy="5205943"/>
+          </a:xfrm>
+        </p:spPr>
+        <p:txBody>
+          <a:bodyPr anchor="b">
+            <a:normAutofit/>
+          </a:bodyPr>
+          <a:lstStyle/>
+          <a:p>
+            <a:pPr algn="r"/>
+            <a:r>
+              <a:rPr lang="en-US" sz="4800">
+                <a:solidFill>
+                  <a:schemeClr val="accent1"/>
+                </a:solidFill>
+              </a:rPr>
+              <a:t>Conclusion</a:t>
+            </a:r>
+          </a:p>
+        </p:txBody>
+      </p:sp>
+      <p:sp>
+        <p:nvSpPr>
+          <p:cNvPr id="3" name="Content Placeholder 2">
+            <a:extLst>
+              <a:ext uri="{FF2B5EF4-FFF2-40B4-BE49-F238E27FC236}">
+                <a16:creationId xmlns:a16="http://schemas.microsoft.com/office/drawing/2014/main" id="{C9254DAD-1896-40A3-88CA-ADE77E8A948C}"/>
+              </a:ext>
+            </a:extLst>
+          </p:cNvPr>
+          <p:cNvSpPr>
+            <a:spLocks noGrp="1"/>
+          </p:cNvSpPr>
+          <p:nvPr>
+            <p:ph idx="1"/>
+          </p:nvPr>
+        </p:nvSpPr>
+        <p:spPr>
+          <a:xfrm>
+            <a:off x="680321" y="965200"/>
+            <a:ext cx="5410207" cy="4884209"/>
+          </a:xfrm>
+        </p:spPr>
+        <p:txBody>
+          <a:bodyPr anchor="ctr">
+            <a:normAutofit/>
+          </a:bodyPr>
+          <a:lstStyle/>
+          <a:p>
+            <a:r>
+              <a:rPr lang="en-US" sz="2000" dirty="0"/>
+              <a:t>Further cleaning will help the model</a:t>
+            </a:r>
+          </a:p>
+          <a:p>
+            <a:r>
+              <a:rPr lang="en-US" sz="2000" dirty="0"/>
+              <a:t>Model struggled at classifying Vietnamese cuisines</a:t>
+            </a:r>
+            <a:endParaRPr lang="en-US" sz="1600" dirty="0"/>
+          </a:p>
+          <a:p>
+            <a:pPr lvl="1"/>
+            <a:r>
+              <a:rPr lang="en-US" dirty="0"/>
+              <a:t>Generate more insights to see why</a:t>
+            </a:r>
+          </a:p>
+          <a:p>
+            <a:endParaRPr lang="en-US" sz="2000" dirty="0"/>
+          </a:p>
+        </p:txBody>
+      </p:sp>
+    </p:spTree>
+    <p:extLst>
+      <p:ext uri="{BB962C8B-B14F-4D97-AF65-F5344CB8AC3E}">
+        <p14:creationId xmlns:p14="http://schemas.microsoft.com/office/powerpoint/2010/main" val="2644390209"/>
+      </p:ext>
+    </p:extLst>
+  </p:cSld>
+  <p:clrMapOvr>
+    <a:masterClrMapping/>
+  </p:clrMapOvr>
+</p:sld>
+</file>
+
+<file path=ppt/slides/slide12.xml><?xml version="1.0" encoding="utf-8"?>
+<p:sld xmlns:a="http://schemas.openxmlformats.org/drawingml/2006/main" xmlns:r="http://schemas.openxmlformats.org/officeDocument/2006/relationships" xmlns:p="http://schemas.openxmlformats.org/presentationml/2006/main">
+  <p:cSld>
+    <p:bg>
+      <p:bgPr>
+        <a:gradFill rotWithShape="1">
+          <a:gsLst>
+            <a:gs pos="0">
+              <a:schemeClr val="bg2">
+                <a:tint val="96000"/>
+                <a:shade val="100000"/>
+                <a:hueMod val="270000"/>
+                <a:satMod val="200000"/>
+                <a:lumMod val="128000"/>
+              </a:schemeClr>
+            </a:gs>
+            <a:gs pos="50000">
+              <a:schemeClr val="bg2">
+                <a:shade val="100000"/>
+                <a:hueMod val="100000"/>
+                <a:satMod val="110000"/>
+                <a:lumMod val="130000"/>
+              </a:schemeClr>
+            </a:gs>
+            <a:gs pos="100000">
+              <a:schemeClr val="bg2">
+                <a:shade val="78000"/>
+                <a:hueMod val="44000"/>
+                <a:satMod val="200000"/>
+                <a:lumMod val="69000"/>
+              </a:schemeClr>
+            </a:gs>
+          </a:gsLst>
+          <a:lin ang="2520000" scaled="0"/>
+        </a:gradFill>
+        <a:effectLst/>
+      </p:bgPr>
+    </p:bg>
+    <p:spTree>
+      <p:nvGrpSpPr>
+        <p:cNvPr id="1" name=""/>
+        <p:cNvGrpSpPr/>
+        <p:nvPr/>
+      </p:nvGrpSpPr>
+      <p:grpSpPr>
+        <a:xfrm>
+          <a:off x="0" y="0"/>
+          <a:ext cx="0" cy="0"/>
+          <a:chOff x="0" y="0"/>
+          <a:chExt cx="0" cy="0"/>
+        </a:xfrm>
+      </p:grpSpPr>
+      <p:sp>
+        <p:nvSpPr>
+          <p:cNvPr id="8" name="Rectangle 7">
+            <a:extLst>
+              <a:ext uri="{FF2B5EF4-FFF2-40B4-BE49-F238E27FC236}">
+                <a16:creationId xmlns:a16="http://schemas.microsoft.com/office/drawing/2014/main" id="{C7F36C09-16BA-4141-A705-C6B5B5A40BF4}"/>
+              </a:ext>
+              <a:ext uri="{C183D7F6-B498-43B3-948B-1728B52AA6E4}">
+                <adec:decorative xmlns:adec="http://schemas.microsoft.com/office/drawing/2017/decorative" val="1"/>
+              </a:ext>
+            </a:extLst>
+          </p:cNvPr>
+          <p:cNvSpPr>
+            <a:spLocks noGrp="1" noRot="1" noChangeAspect="1" noMove="1" noResize="1" noEditPoints="1" noAdjustHandles="1" noChangeArrowheads="1" noChangeShapeType="1" noTextEdit="1"/>
+          </p:cNvSpPr>
+          <p:nvPr>
+            <p:extLst>
+              <p:ext uri="{386F3935-93C4-4BCD-93E2-E3B085C9AB24}">
+                <p16:designElem xmlns:p16="http://schemas.microsoft.com/office/powerpoint/2015/main" val="1"/>
+              </p:ext>
+            </p:extLst>
+          </p:nvPr>
+        </p:nvSpPr>
+        <p:spPr>
+          <a:xfrm>
+            <a:off x="11281776" y="0"/>
+            <a:ext cx="917634" cy="6858000"/>
+          </a:xfrm>
+          <a:prstGeom prst="rect">
+            <a:avLst/>
+          </a:prstGeom>
+          <a:solidFill>
+            <a:schemeClr val="accent1"/>
+          </a:solidFill>
+          <a:ln>
+            <a:noFill/>
+          </a:ln>
+        </p:spPr>
+        <p:style>
+          <a:lnRef idx="2">
+            <a:schemeClr val="accent1">
+              <a:shade val="50000"/>
+            </a:schemeClr>
+          </a:lnRef>
+          <a:fillRef idx="1">
+            <a:schemeClr val="accent1"/>
+          </a:fillRef>
+          <a:effectRef idx="0">
+            <a:schemeClr val="accent1"/>
+          </a:effectRef>
+          <a:fontRef idx="minor">
+            <a:schemeClr val="lt1"/>
+          </a:fontRef>
+        </p:style>
+      </p:sp>
       <p:pic>
         <p:nvPicPr>
-          <p:cNvPr id="17" name="Picture 9">
+          <p:cNvPr id="10" name="Picture 9">
             <a:extLst>
               <a:ext uri="{FF2B5EF4-FFF2-40B4-BE49-F238E27FC236}">
-                <a16:creationId xmlns:a16="http://schemas.microsoft.com/office/drawing/2014/main" id="{2642A87B-CAE9-4F8F-B293-28388E45D9EE}"/>
+                <a16:creationId xmlns:a16="http://schemas.microsoft.com/office/drawing/2014/main" id="{C9CE521D-42CE-4CD9-AFFE-37255AC0A649}"/>
               </a:ext>
               <a:ext uri="{C183D7F6-B498-43B3-948B-1728B52AA6E4}">
                 <adec:decorative xmlns:adec="http://schemas.microsoft.com/office/drawing/2017/decorative" val="1"/>
@@ -12100,10 +12377,10 @@
       </p:pic>
       <p:sp>
         <p:nvSpPr>
-          <p:cNvPr id="18" name="Rectangle 11">
+          <p:cNvPr id="12" name="Rectangle 11">
             <a:extLst>
               <a:ext uri="{FF2B5EF4-FFF2-40B4-BE49-F238E27FC236}">
-                <a16:creationId xmlns:a16="http://schemas.microsoft.com/office/drawing/2014/main" id="{C8FA1749-B91A-40E7-AD01-0B9C9C6AF74E}"/>
+                <a16:creationId xmlns:a16="http://schemas.microsoft.com/office/drawing/2014/main" id="{460C2540-36DC-4C0A-A9C0-231ED365DC32}"/>
               </a:ext>
               <a:ext uri="{C183D7F6-B498-43B3-948B-1728B52AA6E4}">
                 <adec:decorative xmlns:adec="http://schemas.microsoft.com/office/drawing/2017/decorative" val="1"/>
@@ -12123,18 +12400,25 @@
         </p:nvSpPr>
         <p:spPr>
           <a:xfrm>
-            <a:off x="4644527" y="0"/>
-            <a:ext cx="7552944" cy="6858001"/>
+            <a:off x="0" y="0"/>
+            <a:ext cx="11281776" cy="6858000"/>
           </a:xfrm>
           <a:prstGeom prst="rect">
             <a:avLst/>
           </a:prstGeom>
           <a:solidFill>
-            <a:schemeClr val="accent1"/>
+            <a:schemeClr val="bg1"/>
           </a:solidFill>
           <a:ln>
             <a:noFill/>
           </a:ln>
+          <a:effectLst>
+            <a:outerShdw blurRad="88900" dist="38100" dir="2700000" algn="tl" rotWithShape="0">
+              <a:prstClr val="black">
+                <a:alpha val="30000"/>
+              </a:prstClr>
+            </a:outerShdw>
+          </a:effectLst>
         </p:spPr>
         <p:style>
           <a:lnRef idx="2">
@@ -12161,112 +12445,12 @@
           </a:p>
         </p:txBody>
       </p:sp>
-      <p:pic>
-        <p:nvPicPr>
-          <p:cNvPr id="14" name="Picture 13">
-            <a:extLst>
-              <a:ext uri="{FF2B5EF4-FFF2-40B4-BE49-F238E27FC236}">
-                <a16:creationId xmlns:a16="http://schemas.microsoft.com/office/drawing/2014/main" id="{3B7A934F-FFF7-4353-83D3-4EF66E93EEF8}"/>
-              </a:ext>
-              <a:ext uri="{C183D7F6-B498-43B3-948B-1728B52AA6E4}">
-                <adec:decorative xmlns:adec="http://schemas.microsoft.com/office/drawing/2017/decorative" val="1"/>
-              </a:ext>
-            </a:extLst>
-          </p:cNvPr>
-          <p:cNvPicPr>
-            <a:picLocks noGrp="1" noRot="1" noChangeAspect="1" noMove="1" noResize="1" noEditPoints="1" noAdjustHandles="1" noChangeArrowheads="1" noChangeShapeType="1" noCrop="1"/>
-          </p:cNvPicPr>
-          <p:nvPr>
-            <p:extLst>
-              <p:ext uri="{386F3935-93C4-4BCD-93E2-E3B085C9AB24}">
-                <p16:designElem xmlns:p16="http://schemas.microsoft.com/office/powerpoint/2015/main" val="1"/>
-              </p:ext>
-            </p:extLst>
-          </p:nvPr>
-        </p:nvPicPr>
-        <p:blipFill>
-          <a:blip r:embed="rId3" cstate="print">
-            <a:extLst>
-              <a:ext uri="{28A0092B-C50C-407E-A947-70E740481C1C}">
-                <a14:useLocalDpi xmlns:a14="http://schemas.microsoft.com/office/drawing/2010/main" val="0"/>
-              </a:ext>
-            </a:extLst>
-          </a:blip>
-          <a:stretch>
-            <a:fillRect/>
-          </a:stretch>
-        </p:blipFill>
-        <p:spPr>
-          <a:xfrm>
-            <a:off x="1" y="5006045"/>
-            <a:ext cx="4965192" cy="144668"/>
-          </a:xfrm>
-          <a:prstGeom prst="rect">
-            <a:avLst/>
-          </a:prstGeom>
-        </p:spPr>
-      </p:pic>
-      <p:sp>
-        <p:nvSpPr>
-          <p:cNvPr id="16" name="Rectangle 15">
-            <a:extLst>
-              <a:ext uri="{FF2B5EF4-FFF2-40B4-BE49-F238E27FC236}">
-                <a16:creationId xmlns:a16="http://schemas.microsoft.com/office/drawing/2014/main" id="{700676C8-6DE8-47DD-9A23-D42063A12E10}"/>
-              </a:ext>
-              <a:ext uri="{C183D7F6-B498-43B3-948B-1728B52AA6E4}">
-                <adec:decorative xmlns:adec="http://schemas.microsoft.com/office/drawing/2017/decorative" val="1"/>
-              </a:ext>
-            </a:extLst>
-          </p:cNvPr>
-          <p:cNvSpPr>
-            <a:spLocks noGrp="1" noRot="1" noChangeAspect="1" noMove="1" noResize="1" noEditPoints="1" noAdjustHandles="1" noChangeArrowheads="1" noChangeShapeType="1" noTextEdit="1"/>
-          </p:cNvSpPr>
-          <p:nvPr>
-            <p:extLst>
-              <p:ext uri="{386F3935-93C4-4BCD-93E2-E3B085C9AB24}">
-                <p16:designElem xmlns:p16="http://schemas.microsoft.com/office/powerpoint/2015/main" val="1"/>
-              </p:ext>
-            </p:extLst>
-          </p:nvPr>
-        </p:nvSpPr>
-        <p:spPr>
-          <a:xfrm>
-            <a:off x="-1" y="1838764"/>
-            <a:ext cx="4964567" cy="3180473"/>
-          </a:xfrm>
-          <a:prstGeom prst="rect">
-            <a:avLst/>
-          </a:prstGeom>
-          <a:solidFill>
-            <a:srgbClr val="262626"/>
-          </a:solidFill>
-          <a:ln>
-            <a:noFill/>
-          </a:ln>
-        </p:spPr>
-        <p:style>
-          <a:lnRef idx="2">
-            <a:schemeClr val="accent1">
-              <a:shade val="50000"/>
-            </a:schemeClr>
-          </a:lnRef>
-          <a:fillRef idx="1">
-            <a:schemeClr val="accent1"/>
-          </a:fillRef>
-          <a:effectRef idx="0">
-            <a:schemeClr val="accent1"/>
-          </a:effectRef>
-          <a:fontRef idx="minor">
-            <a:schemeClr val="lt1"/>
-          </a:fontRef>
-        </p:style>
-      </p:sp>
       <p:sp>
         <p:nvSpPr>
           <p:cNvPr id="2" name="Title 1">
             <a:extLst>
               <a:ext uri="{FF2B5EF4-FFF2-40B4-BE49-F238E27FC236}">
-                <a16:creationId xmlns:a16="http://schemas.microsoft.com/office/drawing/2014/main" id="{AC3726E0-8B41-463E-B73C-3A36D6A6112D}"/>
+                <a16:creationId xmlns:a16="http://schemas.microsoft.com/office/drawing/2014/main" id="{ACFF776F-2F44-42B2-9996-9AB75D960F80}"/>
               </a:ext>
             </a:extLst>
           </p:cNvPr>
@@ -12279,8 +12463,8 @@
         </p:nvSpPr>
         <p:spPr>
           <a:xfrm>
-            <a:off x="156883" y="2063262"/>
-            <a:ext cx="4540624" cy="2661052"/>
+            <a:off x="680321" y="753228"/>
+            <a:ext cx="9613861" cy="1080938"/>
           </a:xfrm>
         </p:spPr>
         <p:txBody>
@@ -12289,14 +12473,13 @@
           </a:bodyPr>
           <a:lstStyle/>
           <a:p>
-            <a:pPr algn="r"/>
-            <a:r>
-              <a:rPr lang="en-US" sz="4400" dirty="0">
+            <a:r>
+              <a:rPr lang="en-US">
                 <a:solidFill>
-                  <a:srgbClr val="FFFFFF"/>
+                  <a:schemeClr val="accent1"/>
                 </a:solidFill>
               </a:rPr>
-              <a:t>Business Problem &amp; Understanding</a:t>
+              <a:t>Next Steps</a:t>
             </a:r>
           </a:p>
         </p:txBody>
@@ -12306,7 +12489,7 @@
           <p:cNvPr id="3" name="Content Placeholder 2">
             <a:extLst>
               <a:ext uri="{FF2B5EF4-FFF2-40B4-BE49-F238E27FC236}">
-                <a16:creationId xmlns:a16="http://schemas.microsoft.com/office/drawing/2014/main" id="{046FBBB4-046A-4215-8B23-8CBDEE983573}"/>
+                <a16:creationId xmlns:a16="http://schemas.microsoft.com/office/drawing/2014/main" id="{D39A0299-A5AB-450F-A57D-76EA82417E1F}"/>
               </a:ext>
             </a:extLst>
           </p:cNvPr>
@@ -12319,68 +12502,438 @@
         </p:nvSpPr>
         <p:spPr>
           <a:xfrm>
-            <a:off x="5287995" y="661106"/>
-            <a:ext cx="6257362" cy="5503101"/>
+            <a:off x="680321" y="2336873"/>
+            <a:ext cx="6834299" cy="3599316"/>
           </a:xfrm>
         </p:spPr>
         <p:txBody>
-          <a:bodyPr anchor="ctr">
+          <a:bodyPr>
             <a:normAutofit/>
           </a:bodyPr>
           <a:lstStyle/>
           <a:p>
             <a:r>
-              <a:rPr lang="en-US" sz="2000" cap="all" dirty="0">
-                <a:solidFill>
-                  <a:srgbClr val="FFFFFF"/>
-                </a:solidFill>
-              </a:rPr>
-              <a:t>Build a model that can accurately classify a cuisine based on key words in a given recipe.</a:t>
-            </a:r>
-          </a:p>
-          <a:p>
-            <a:r>
-              <a:rPr lang="en-US" sz="2000" cap="all" dirty="0">
-                <a:solidFill>
-                  <a:srgbClr val="FFFFFF"/>
-                </a:solidFill>
-              </a:rPr>
-              <a:t>WHY?</a:t>
+              <a:rPr lang="en-US" sz="2000" dirty="0"/>
+              <a:t>More data analysis and insights </a:t>
             </a:r>
           </a:p>
           <a:p>
             <a:pPr lvl="1"/>
             <a:r>
-              <a:rPr lang="en-US" sz="1200" cap="all" dirty="0">
-                <a:solidFill>
-                  <a:srgbClr val="FFFFFF"/>
-                </a:solidFill>
-              </a:rPr>
-              <a:t>Gain insights and make patterns between different cuisines through classification</a:t>
+              <a:rPr lang="en-US" sz="1600" dirty="0"/>
+              <a:t>Feature engineering </a:t>
             </a:r>
           </a:p>
           <a:p>
             <a:pPr lvl="1"/>
             <a:r>
-              <a:rPr lang="en-US" sz="1200" cap="all" dirty="0">
-                <a:solidFill>
-                  <a:srgbClr val="FFFFFF"/>
-                </a:solidFill>
-              </a:rPr>
-              <a:t>Use those insights and patterns to generate novel, possibly delicious recipes</a:t>
-            </a:r>
-            <a:endParaRPr lang="en-US" sz="2000" dirty="0">
-              <a:solidFill>
-                <a:srgbClr val="FFFFFF"/>
-              </a:solidFill>
-            </a:endParaRPr>
+              <a:rPr lang="en-US" sz="1600" dirty="0"/>
+              <a:t>Common words</a:t>
+            </a:r>
+          </a:p>
+          <a:p>
+            <a:pPr lvl="1"/>
+            <a:r>
+              <a:rPr lang="en-US" sz="1600" dirty="0"/>
+              <a:t>Patterns</a:t>
+            </a:r>
+          </a:p>
+          <a:p>
+            <a:r>
+              <a:rPr lang="en-US" sz="2000" dirty="0" err="1"/>
+              <a:t>StreamLit</a:t>
+            </a:r>
+            <a:endParaRPr lang="en-US" sz="2000" dirty="0"/>
+          </a:p>
+          <a:p>
+            <a:pPr lvl="1"/>
+            <a:r>
+              <a:rPr lang="en-US" sz="1600" dirty="0"/>
+              <a:t>Neural Networks</a:t>
+            </a:r>
+          </a:p>
+          <a:p>
+            <a:pPr lvl="2"/>
+            <a:r>
+              <a:rPr lang="en-US" sz="1400" dirty="0"/>
+              <a:t>Implement Natural Language </a:t>
+            </a:r>
+            <a:r>
+              <a:rPr lang="en-US" sz="1400" dirty="0" err="1"/>
+              <a:t>Geteration</a:t>
+            </a:r>
+            <a:r>
+              <a:rPr lang="en-US" sz="1400" dirty="0"/>
+              <a:t> with the use of </a:t>
+            </a:r>
+            <a:r>
+              <a:rPr lang="en-US" sz="1400" b="1" dirty="0" err="1"/>
+              <a:t>Markovify</a:t>
+            </a:r>
+            <a:endParaRPr lang="en-US" sz="1600" dirty="0"/>
+          </a:p>
+          <a:p>
+            <a:pPr lvl="1"/>
+            <a:r>
+              <a:rPr lang="en-US" sz="1600" dirty="0"/>
+              <a:t>generate app that can provide a cuisine recipe given your inputted on-hand ingredients</a:t>
+            </a:r>
+          </a:p>
+          <a:p>
+            <a:pPr marL="457200" lvl="1" indent="0">
+              <a:buNone/>
+            </a:pPr>
+            <a:endParaRPr lang="en-US" sz="1600" dirty="0"/>
           </a:p>
         </p:txBody>
       </p:sp>
     </p:spTree>
     <p:extLst>
       <p:ext uri="{BB962C8B-B14F-4D97-AF65-F5344CB8AC3E}">
-        <p14:creationId xmlns:p14="http://schemas.microsoft.com/office/powerpoint/2010/main" val="1456474385"/>
+        <p14:creationId xmlns:p14="http://schemas.microsoft.com/office/powerpoint/2010/main" val="1060831548"/>
+      </p:ext>
+    </p:extLst>
+  </p:cSld>
+  <p:clrMapOvr>
+    <a:masterClrMapping/>
+  </p:clrMapOvr>
+</p:sld>
+</file>
+
+<file path=ppt/slides/slide2.xml><?xml version="1.0" encoding="utf-8"?>
+<p:sld xmlns:a="http://schemas.openxmlformats.org/drawingml/2006/main" xmlns:r="http://schemas.openxmlformats.org/officeDocument/2006/relationships" xmlns:p="http://schemas.openxmlformats.org/presentationml/2006/main">
+  <p:cSld>
+    <p:spTree>
+      <p:nvGrpSpPr>
+        <p:cNvPr id="1" name=""/>
+        <p:cNvGrpSpPr/>
+        <p:nvPr/>
+      </p:nvGrpSpPr>
+      <p:grpSpPr>
+        <a:xfrm>
+          <a:off x="0" y="0"/>
+          <a:ext cx="0" cy="0"/>
+          <a:chOff x="0" y="0"/>
+          <a:chExt cx="0" cy="0"/>
+        </a:xfrm>
+      </p:grpSpPr>
+      <p:sp>
+        <p:nvSpPr>
+          <p:cNvPr id="2" name="Title 1">
+            <a:extLst>
+              <a:ext uri="{FF2B5EF4-FFF2-40B4-BE49-F238E27FC236}">
+                <a16:creationId xmlns:a16="http://schemas.microsoft.com/office/drawing/2014/main" id="{A6EF1C57-C432-4E03-BBB0-89ED67060F32}"/>
+              </a:ext>
+            </a:extLst>
+          </p:cNvPr>
+          <p:cNvSpPr>
+            <a:spLocks noGrp="1"/>
+          </p:cNvSpPr>
+          <p:nvPr>
+            <p:ph type="title"/>
+          </p:nvPr>
+        </p:nvSpPr>
+        <p:spPr/>
+        <p:txBody>
+          <a:bodyPr/>
+          <a:lstStyle/>
+          <a:p>
+            <a:r>
+              <a:rPr lang="en-US" dirty="0"/>
+              <a:t>Summary</a:t>
+            </a:r>
+          </a:p>
+        </p:txBody>
+      </p:sp>
+      <p:sp>
+        <p:nvSpPr>
+          <p:cNvPr id="3" name="Content Placeholder 2">
+            <a:extLst>
+              <a:ext uri="{FF2B5EF4-FFF2-40B4-BE49-F238E27FC236}">
+                <a16:creationId xmlns:a16="http://schemas.microsoft.com/office/drawing/2014/main" id="{2296E8A0-DA34-4995-842A-BB19E658AB76}"/>
+              </a:ext>
+            </a:extLst>
+          </p:cNvPr>
+          <p:cNvSpPr>
+            <a:spLocks noGrp="1"/>
+          </p:cNvSpPr>
+          <p:nvPr>
+            <p:ph idx="1"/>
+          </p:nvPr>
+        </p:nvSpPr>
+        <p:spPr/>
+        <p:txBody>
+          <a:bodyPr/>
+          <a:lstStyle/>
+          <a:p>
+            <a:r>
+              <a:rPr lang="en-US" dirty="0"/>
+              <a:t>Natural Language Processing</a:t>
+            </a:r>
+          </a:p>
+          <a:p>
+            <a:pPr lvl="1"/>
+            <a:r>
+              <a:rPr lang="en-US" dirty="0"/>
+              <a:t>model trained to classify 20 cuisine types. </a:t>
+            </a:r>
+          </a:p>
+          <a:p>
+            <a:r>
+              <a:rPr lang="en-US" dirty="0"/>
+              <a:t>Best baseline model was using Logistic Regression</a:t>
+            </a:r>
+          </a:p>
+          <a:p>
+            <a:r>
+              <a:rPr lang="en-US" dirty="0"/>
+              <a:t>Prioritized baseline accuracy at 62%</a:t>
+            </a:r>
+          </a:p>
+        </p:txBody>
+      </p:sp>
+    </p:spTree>
+    <p:extLst>
+      <p:ext uri="{BB962C8B-B14F-4D97-AF65-F5344CB8AC3E}">
+        <p14:creationId xmlns:p14="http://schemas.microsoft.com/office/powerpoint/2010/main" val="445949627"/>
+      </p:ext>
+    </p:extLst>
+  </p:cSld>
+  <p:clrMapOvr>
+    <a:masterClrMapping/>
+  </p:clrMapOvr>
+</p:sld>
+</file>
+
+<file path=ppt/slides/slide3.xml><?xml version="1.0" encoding="utf-8"?>
+<p:sld xmlns:a="http://schemas.openxmlformats.org/drawingml/2006/main" xmlns:r="http://schemas.openxmlformats.org/officeDocument/2006/relationships" xmlns:p="http://schemas.openxmlformats.org/presentationml/2006/main">
+  <p:cSld>
+    <p:spTree>
+      <p:nvGrpSpPr>
+        <p:cNvPr id="1" name=""/>
+        <p:cNvGrpSpPr/>
+        <p:nvPr/>
+      </p:nvGrpSpPr>
+      <p:grpSpPr>
+        <a:xfrm>
+          <a:off x="0" y="0"/>
+          <a:ext cx="0" cy="0"/>
+          <a:chOff x="0" y="0"/>
+          <a:chExt cx="0" cy="0"/>
+        </a:xfrm>
+      </p:grpSpPr>
+      <p:sp>
+        <p:nvSpPr>
+          <p:cNvPr id="2" name="Title 1">
+            <a:extLst>
+              <a:ext uri="{FF2B5EF4-FFF2-40B4-BE49-F238E27FC236}">
+                <a16:creationId xmlns:a16="http://schemas.microsoft.com/office/drawing/2014/main" id="{C6DBCADB-C302-4348-AC16-D507366555CD}"/>
+              </a:ext>
+            </a:extLst>
+          </p:cNvPr>
+          <p:cNvSpPr>
+            <a:spLocks noGrp="1"/>
+          </p:cNvSpPr>
+          <p:nvPr>
+            <p:ph type="title"/>
+          </p:nvPr>
+        </p:nvSpPr>
+        <p:spPr/>
+        <p:txBody>
+          <a:bodyPr/>
+          <a:lstStyle/>
+          <a:p>
+            <a:r>
+              <a:rPr lang="en-US" dirty="0"/>
+              <a:t>Term Clarification</a:t>
+            </a:r>
+          </a:p>
+        </p:txBody>
+      </p:sp>
+      <p:sp>
+        <p:nvSpPr>
+          <p:cNvPr id="3" name="Content Placeholder 2">
+            <a:extLst>
+              <a:ext uri="{FF2B5EF4-FFF2-40B4-BE49-F238E27FC236}">
+                <a16:creationId xmlns:a16="http://schemas.microsoft.com/office/drawing/2014/main" id="{628AFAE1-31C3-499C-B18C-EFF5C7648B88}"/>
+              </a:ext>
+            </a:extLst>
+          </p:cNvPr>
+          <p:cNvSpPr>
+            <a:spLocks noGrp="1"/>
+          </p:cNvSpPr>
+          <p:nvPr>
+            <p:ph idx="1"/>
+          </p:nvPr>
+        </p:nvSpPr>
+        <p:spPr/>
+        <p:txBody>
+          <a:bodyPr/>
+          <a:lstStyle/>
+          <a:p>
+            <a:r>
+              <a:rPr lang="en-US" dirty="0"/>
+              <a:t>A </a:t>
+            </a:r>
+            <a:r>
+              <a:rPr lang="en-US" b="1" dirty="0"/>
+              <a:t>Cuisine </a:t>
+            </a:r>
+            <a:r>
+              <a:rPr lang="en-US" dirty="0"/>
+              <a:t>is a style of cooking associated to a specific region of the world</a:t>
+            </a:r>
+          </a:p>
+          <a:p>
+            <a:r>
+              <a:rPr lang="en-US" dirty="0"/>
+              <a:t>A </a:t>
+            </a:r>
+            <a:r>
+              <a:rPr lang="en-US" b="1" dirty="0"/>
+              <a:t>Recipe </a:t>
+            </a:r>
+            <a:r>
+              <a:rPr lang="en-US" dirty="0"/>
+              <a:t>is the instructions on how to create a specific cuisine</a:t>
+            </a:r>
+          </a:p>
+          <a:p>
+            <a:r>
+              <a:rPr lang="en-US" b="1" dirty="0"/>
+              <a:t>Ingredients </a:t>
+            </a:r>
+            <a:r>
+              <a:rPr lang="en-US" dirty="0"/>
+              <a:t>are the building blocks for the recipe </a:t>
+            </a:r>
+          </a:p>
+        </p:txBody>
+      </p:sp>
+    </p:spTree>
+    <p:extLst>
+      <p:ext uri="{BB962C8B-B14F-4D97-AF65-F5344CB8AC3E}">
+        <p14:creationId xmlns:p14="http://schemas.microsoft.com/office/powerpoint/2010/main" val="1539763624"/>
+      </p:ext>
+    </p:extLst>
+  </p:cSld>
+  <p:clrMapOvr>
+    <a:masterClrMapping/>
+  </p:clrMapOvr>
+</p:sld>
+</file>
+
+<file path=ppt/slides/slide4.xml><?xml version="1.0" encoding="utf-8"?>
+<p:sld xmlns:a="http://schemas.openxmlformats.org/drawingml/2006/main" xmlns:r="http://schemas.openxmlformats.org/officeDocument/2006/relationships" xmlns:p="http://schemas.openxmlformats.org/presentationml/2006/main">
+  <p:cSld>
+    <p:spTree>
+      <p:nvGrpSpPr>
+        <p:cNvPr id="1" name=""/>
+        <p:cNvGrpSpPr/>
+        <p:nvPr/>
+      </p:nvGrpSpPr>
+      <p:grpSpPr>
+        <a:xfrm>
+          <a:off x="0" y="0"/>
+          <a:ext cx="0" cy="0"/>
+          <a:chOff x="0" y="0"/>
+          <a:chExt cx="0" cy="0"/>
+        </a:xfrm>
+      </p:grpSpPr>
+      <p:sp>
+        <p:nvSpPr>
+          <p:cNvPr id="2" name="Title 1">
+            <a:extLst>
+              <a:ext uri="{FF2B5EF4-FFF2-40B4-BE49-F238E27FC236}">
+                <a16:creationId xmlns:a16="http://schemas.microsoft.com/office/drawing/2014/main" id="{BF514F87-F7C7-4F75-8689-9DC33390E06F}"/>
+              </a:ext>
+            </a:extLst>
+          </p:cNvPr>
+          <p:cNvSpPr>
+            <a:spLocks noGrp="1"/>
+          </p:cNvSpPr>
+          <p:nvPr>
+            <p:ph type="title"/>
+          </p:nvPr>
+        </p:nvSpPr>
+        <p:spPr/>
+        <p:txBody>
+          <a:bodyPr/>
+          <a:lstStyle/>
+          <a:p>
+            <a:r>
+              <a:rPr lang="en-US" dirty="0"/>
+              <a:t>Why Should You Be Interested? </a:t>
+            </a:r>
+          </a:p>
+        </p:txBody>
+      </p:sp>
+      <p:sp>
+        <p:nvSpPr>
+          <p:cNvPr id="3" name="Content Placeholder 2">
+            <a:extLst>
+              <a:ext uri="{FF2B5EF4-FFF2-40B4-BE49-F238E27FC236}">
+                <a16:creationId xmlns:a16="http://schemas.microsoft.com/office/drawing/2014/main" id="{6DB12D79-CB62-4031-9388-14AAF801FDF0}"/>
+              </a:ext>
+            </a:extLst>
+          </p:cNvPr>
+          <p:cNvSpPr>
+            <a:spLocks noGrp="1"/>
+          </p:cNvSpPr>
+          <p:nvPr>
+            <p:ph idx="1"/>
+          </p:nvPr>
+        </p:nvSpPr>
+        <p:spPr/>
+        <p:txBody>
+          <a:bodyPr/>
+          <a:lstStyle/>
+          <a:p>
+            <a:r>
+              <a:rPr lang="en-US" dirty="0"/>
+              <a:t>Everybody eats!</a:t>
+            </a:r>
+          </a:p>
+          <a:p>
+            <a:pPr lvl="1"/>
+            <a:r>
+              <a:rPr lang="en-US" dirty="0"/>
+              <a:t>Amateur chefs can cook too</a:t>
+            </a:r>
+          </a:p>
+          <a:p>
+            <a:r>
+              <a:rPr lang="en-US" dirty="0"/>
+              <a:t>Restaurant Inclusivity </a:t>
+            </a:r>
+          </a:p>
+          <a:p>
+            <a:pPr lvl="1"/>
+            <a:r>
+              <a:rPr lang="en-US" dirty="0"/>
+              <a:t>Enhancing the menu</a:t>
+            </a:r>
+          </a:p>
+          <a:p>
+            <a:pPr lvl="1"/>
+            <a:r>
+              <a:rPr lang="en-US" dirty="0"/>
+              <a:t>Gain popularity among multiple cuisine cultures</a:t>
+            </a:r>
+          </a:p>
+          <a:p>
+            <a:pPr lvl="1"/>
+            <a:r>
+              <a:rPr lang="en-US" dirty="0"/>
+              <a:t>Recipe generation </a:t>
+            </a:r>
+          </a:p>
+        </p:txBody>
+      </p:sp>
+    </p:spTree>
+    <p:extLst>
+      <p:ext uri="{BB962C8B-B14F-4D97-AF65-F5344CB8AC3E}">
+        <p14:creationId xmlns:p14="http://schemas.microsoft.com/office/powerpoint/2010/main" val="1327138294"/>
       </p:ext>
     </p:extLst>
   </p:cSld>
@@ -12442,12 +12995,143 @@
           <a:chExt cx="0" cy="0"/>
         </a:xfrm>
       </p:grpSpPr>
-      <p:sp useBgFill="1">
-        <p:nvSpPr>
-          <p:cNvPr id="31" name="Rectangle 30">
+      <p:sp>
+        <p:nvSpPr>
+          <p:cNvPr id="2" name="Title 1">
             <a:extLst>
               <a:ext uri="{FF2B5EF4-FFF2-40B4-BE49-F238E27FC236}">
-                <a16:creationId xmlns:a16="http://schemas.microsoft.com/office/drawing/2014/main" id="{8DCA3673-CDE4-40C5-9FA8-F89874CFBA73}"/>
+                <a16:creationId xmlns:a16="http://schemas.microsoft.com/office/drawing/2014/main" id="{6582B833-AD7C-42A2-93F6-246295100899}"/>
+              </a:ext>
+            </a:extLst>
+          </p:cNvPr>
+          <p:cNvSpPr>
+            <a:spLocks noGrp="1"/>
+          </p:cNvSpPr>
+          <p:nvPr>
+            <p:ph type="title"/>
+          </p:nvPr>
+        </p:nvSpPr>
+        <p:spPr>
+          <a:xfrm>
+            <a:off x="680321" y="753228"/>
+            <a:ext cx="9613861" cy="1080938"/>
+          </a:xfrm>
+        </p:spPr>
+        <p:txBody>
+          <a:bodyPr>
+            <a:normAutofit/>
+          </a:bodyPr>
+          <a:lstStyle/>
+          <a:p>
+            <a:r>
+              <a:rPr lang="en-US" dirty="0"/>
+              <a:t>Outline</a:t>
+            </a:r>
+          </a:p>
+        </p:txBody>
+      </p:sp>
+      <p:graphicFrame>
+        <p:nvGraphicFramePr>
+          <p:cNvPr id="5" name="Content Placeholder 2">
+            <a:extLst>
+              <a:ext uri="{FF2B5EF4-FFF2-40B4-BE49-F238E27FC236}">
+                <a16:creationId xmlns:a16="http://schemas.microsoft.com/office/drawing/2014/main" id="{05CF728D-014C-4E4C-AB2F-46E2374F969B}"/>
+              </a:ext>
+            </a:extLst>
+          </p:cNvPr>
+          <p:cNvGraphicFramePr>
+            <a:graphicFrameLocks noGrp="1"/>
+          </p:cNvGraphicFramePr>
+          <p:nvPr>
+            <p:ph idx="1"/>
+            <p:extLst>
+              <p:ext uri="{D42A27DB-BD31-4B8C-83A1-F6EECF244321}">
+                <p14:modId xmlns:p14="http://schemas.microsoft.com/office/powerpoint/2010/main" val="1039220086"/>
+              </p:ext>
+            </p:extLst>
+          </p:nvPr>
+        </p:nvGraphicFramePr>
+        <p:xfrm>
+          <a:off x="681037" y="2336800"/>
+          <a:ext cx="10830641" cy="3598863"/>
+        </p:xfrm>
+        <a:graphic>
+          <a:graphicData uri="http://schemas.openxmlformats.org/drawingml/2006/diagram">
+            <dgm:relIds xmlns:dgm="http://schemas.openxmlformats.org/drawingml/2006/diagram" xmlns:r="http://schemas.openxmlformats.org/officeDocument/2006/relationships" r:dm="rId2" r:lo="rId3" r:qs="rId4" r:cs="rId5"/>
+          </a:graphicData>
+        </a:graphic>
+      </p:graphicFrame>
+    </p:spTree>
+    <p:extLst>
+      <p:ext uri="{BB962C8B-B14F-4D97-AF65-F5344CB8AC3E}">
+        <p14:creationId xmlns:p14="http://schemas.microsoft.com/office/powerpoint/2010/main" val="2292984373"/>
+      </p:ext>
+    </p:extLst>
+  </p:cSld>
+  <p:clrMapOvr>
+    <a:masterClrMapping/>
+  </p:clrMapOvr>
+</p:sld>
+</file>
+
+<file path=ppt/slides/slide6.xml><?xml version="1.0" encoding="utf-8"?>
+<p:sld xmlns:a="http://schemas.openxmlformats.org/drawingml/2006/main" xmlns:r="http://schemas.openxmlformats.org/officeDocument/2006/relationships" xmlns:p="http://schemas.openxmlformats.org/presentationml/2006/main">
+  <p:cSld>
+    <p:bg>
+      <p:bgPr>
+        <a:gradFill rotWithShape="1">
+          <a:gsLst>
+            <a:gs pos="0">
+              <a:schemeClr val="bg2">
+                <a:tint val="96000"/>
+                <a:shade val="100000"/>
+                <a:hueMod val="270000"/>
+                <a:satMod val="200000"/>
+                <a:lumMod val="128000"/>
+              </a:schemeClr>
+            </a:gs>
+            <a:gs pos="50000">
+              <a:schemeClr val="bg2">
+                <a:shade val="100000"/>
+                <a:hueMod val="100000"/>
+                <a:satMod val="110000"/>
+                <a:lumMod val="130000"/>
+              </a:schemeClr>
+            </a:gs>
+            <a:gs pos="100000">
+              <a:schemeClr val="bg2">
+                <a:shade val="78000"/>
+                <a:hueMod val="44000"/>
+                <a:satMod val="200000"/>
+                <a:lumMod val="69000"/>
+              </a:schemeClr>
+            </a:gs>
+          </a:gsLst>
+          <a:lin ang="2520000" scaled="0"/>
+        </a:gradFill>
+        <a:effectLst/>
+      </p:bgPr>
+    </p:bg>
+    <p:spTree>
+      <p:nvGrpSpPr>
+        <p:cNvPr id="1" name=""/>
+        <p:cNvGrpSpPr/>
+        <p:nvPr/>
+      </p:nvGrpSpPr>
+      <p:grpSpPr>
+        <a:xfrm>
+          <a:off x="0" y="0"/>
+          <a:ext cx="0" cy="0"/>
+          <a:chOff x="0" y="0"/>
+          <a:chExt cx="0" cy="0"/>
+        </a:xfrm>
+      </p:grpSpPr>
+      <p:sp useBgFill="1">
+        <p:nvSpPr>
+          <p:cNvPr id="15" name="Rectangle 7">
+            <a:extLst>
+              <a:ext uri="{FF2B5EF4-FFF2-40B4-BE49-F238E27FC236}">
+                <a16:creationId xmlns:a16="http://schemas.microsoft.com/office/drawing/2014/main" id="{4B0FA309-807F-4C17-98EF-A3BA7388E213}"/>
               </a:ext>
               <a:ext uri="{C183D7F6-B498-43B3-948B-1728B52AA6E4}">
                 <adec:decorative xmlns:adec="http://schemas.microsoft.com/office/drawing/2017/decorative" val="1"/>
@@ -12467,12 +13151,15 @@
         </p:nvSpPr>
         <p:spPr>
           <a:xfrm>
-            <a:off x="0" y="-1"/>
-            <a:ext cx="12188824" cy="6858001"/>
+            <a:off x="0" y="0"/>
+            <a:ext cx="12188824" cy="6858000"/>
           </a:xfrm>
           <a:prstGeom prst="rect">
             <a:avLst/>
           </a:prstGeom>
+          <a:ln>
+            <a:noFill/>
+          </a:ln>
         </p:spPr>
         <p:style>
           <a:lnRef idx="2">
@@ -12501,10 +13188,10 @@
       </p:sp>
       <p:pic>
         <p:nvPicPr>
-          <p:cNvPr id="33" name="Picture 32">
+          <p:cNvPr id="17" name="Picture 9">
             <a:extLst>
               <a:ext uri="{FF2B5EF4-FFF2-40B4-BE49-F238E27FC236}">
-                <a16:creationId xmlns:a16="http://schemas.microsoft.com/office/drawing/2014/main" id="{95756E8F-499C-4533-BBE8-309C3E8D985C}"/>
+                <a16:creationId xmlns:a16="http://schemas.microsoft.com/office/drawing/2014/main" id="{2642A87B-CAE9-4F8F-B293-28388E45D9EE}"/>
               </a:ext>
               <a:ext uri="{C183D7F6-B498-43B3-948B-1728B52AA6E4}">
                 <adec:decorative xmlns:adec="http://schemas.microsoft.com/office/drawing/2017/decorative" val="1"/>
@@ -12537,7 +13224,7 @@
         </p:blipFill>
         <p:spPr>
           <a:xfrm>
-            <a:off x="-3176" y="0"/>
+            <a:off x="0" y="0"/>
             <a:ext cx="12192000" cy="6858000"/>
           </a:xfrm>
           <a:prstGeom prst="rect">
@@ -12547,10 +13234,10 @@
       </p:pic>
       <p:sp>
         <p:nvSpPr>
-          <p:cNvPr id="35" name="Rectangle 34">
+          <p:cNvPr id="18" name="Rectangle 11">
             <a:extLst>
               <a:ext uri="{FF2B5EF4-FFF2-40B4-BE49-F238E27FC236}">
-                <a16:creationId xmlns:a16="http://schemas.microsoft.com/office/drawing/2014/main" id="{0FFFD040-32A9-4D2B-86CA-599D030A4161}"/>
+                <a16:creationId xmlns:a16="http://schemas.microsoft.com/office/drawing/2014/main" id="{C8FA1749-B91A-40E7-AD01-0B9C9C6AF74E}"/>
               </a:ext>
               <a:ext uri="{C183D7F6-B498-43B3-948B-1728B52AA6E4}">
                 <adec:decorative xmlns:adec="http://schemas.microsoft.com/office/drawing/2017/decorative" val="1"/>
@@ -12570,12 +13257,15 @@
         </p:nvSpPr>
         <p:spPr>
           <a:xfrm>
-            <a:off x="4639056" y="0"/>
+            <a:off x="4644527" y="0"/>
             <a:ext cx="7552944" cy="6858001"/>
           </a:xfrm>
           <a:prstGeom prst="rect">
             <a:avLst/>
           </a:prstGeom>
+          <a:solidFill>
+            <a:schemeClr val="accent1"/>
+          </a:solidFill>
           <a:ln>
             <a:noFill/>
           </a:ln>
@@ -12605,12 +13295,57 @@
           </a:p>
         </p:txBody>
       </p:sp>
-      <p:sp>
-        <p:nvSpPr>
-          <p:cNvPr id="37" name="Rectangle 36">
+      <p:pic>
+        <p:nvPicPr>
+          <p:cNvPr id="14" name="Picture 13">
             <a:extLst>
               <a:ext uri="{FF2B5EF4-FFF2-40B4-BE49-F238E27FC236}">
-                <a16:creationId xmlns:a16="http://schemas.microsoft.com/office/drawing/2014/main" id="{863205CA-B7FF-4C25-A4C8-3BBBCE19D950}"/>
+                <a16:creationId xmlns:a16="http://schemas.microsoft.com/office/drawing/2014/main" id="{3B7A934F-FFF7-4353-83D3-4EF66E93EEF8}"/>
+              </a:ext>
+              <a:ext uri="{C183D7F6-B498-43B3-948B-1728B52AA6E4}">
+                <adec:decorative xmlns:adec="http://schemas.microsoft.com/office/drawing/2017/decorative" val="1"/>
+              </a:ext>
+            </a:extLst>
+          </p:cNvPr>
+          <p:cNvPicPr>
+            <a:picLocks noGrp="1" noRot="1" noChangeAspect="1" noMove="1" noResize="1" noEditPoints="1" noAdjustHandles="1" noChangeArrowheads="1" noChangeShapeType="1" noCrop="1"/>
+          </p:cNvPicPr>
+          <p:nvPr>
+            <p:extLst>
+              <p:ext uri="{386F3935-93C4-4BCD-93E2-E3B085C9AB24}">
+                <p16:designElem xmlns:p16="http://schemas.microsoft.com/office/powerpoint/2015/main" val="1"/>
+              </p:ext>
+            </p:extLst>
+          </p:nvPr>
+        </p:nvPicPr>
+        <p:blipFill>
+          <a:blip r:embed="rId3" cstate="print">
+            <a:extLst>
+              <a:ext uri="{28A0092B-C50C-407E-A947-70E740481C1C}">
+                <a14:useLocalDpi xmlns:a14="http://schemas.microsoft.com/office/drawing/2010/main" val="0"/>
+              </a:ext>
+            </a:extLst>
+          </a:blip>
+          <a:stretch>
+            <a:fillRect/>
+          </a:stretch>
+        </p:blipFill>
+        <p:spPr>
+          <a:xfrm>
+            <a:off x="1" y="5006045"/>
+            <a:ext cx="4965192" cy="144668"/>
+          </a:xfrm>
+          <a:prstGeom prst="rect">
+            <a:avLst/>
+          </a:prstGeom>
+        </p:spPr>
+      </p:pic>
+      <p:sp>
+        <p:nvSpPr>
+          <p:cNvPr id="16" name="Rectangle 15">
+            <a:extLst>
+              <a:ext uri="{FF2B5EF4-FFF2-40B4-BE49-F238E27FC236}">
+                <a16:creationId xmlns:a16="http://schemas.microsoft.com/office/drawing/2014/main" id="{700676C8-6DE8-47DD-9A23-D42063A12E10}"/>
               </a:ext>
               <a:ext uri="{C183D7F6-B498-43B3-948B-1728B52AA6E4}">
                 <adec:decorative xmlns:adec="http://schemas.microsoft.com/office/drawing/2017/decorative" val="1"/>
@@ -12628,19 +13363,16 @@
             </p:extLst>
           </p:nvPr>
         </p:nvSpPr>
-        <p:spPr bwMode="grayWhite">
-          <a:xfrm>
-            <a:off x="2" y="609600"/>
-            <a:ext cx="4959094" cy="1368198"/>
+        <p:spPr>
+          <a:xfrm>
+            <a:off x="-1" y="1838764"/>
+            <a:ext cx="4964567" cy="3180473"/>
           </a:xfrm>
           <a:prstGeom prst="rect">
             <a:avLst/>
           </a:prstGeom>
           <a:solidFill>
-            <a:schemeClr val="bg1">
-              <a:lumMod val="85000"/>
-              <a:lumOff val="15000"/>
-            </a:schemeClr>
+            <a:srgbClr val="262626"/>
           </a:solidFill>
           <a:ln>
             <a:noFill/>
@@ -12668,6 +13400,187 @@
           <p:cNvPr id="2" name="Title 1">
             <a:extLst>
               <a:ext uri="{FF2B5EF4-FFF2-40B4-BE49-F238E27FC236}">
+                <a16:creationId xmlns:a16="http://schemas.microsoft.com/office/drawing/2014/main" id="{AC3726E0-8B41-463E-B73C-3A36D6A6112D}"/>
+              </a:ext>
+            </a:extLst>
+          </p:cNvPr>
+          <p:cNvSpPr>
+            <a:spLocks noGrp="1"/>
+          </p:cNvSpPr>
+          <p:nvPr>
+            <p:ph type="title"/>
+          </p:nvPr>
+        </p:nvSpPr>
+        <p:spPr>
+          <a:xfrm>
+            <a:off x="156883" y="2063262"/>
+            <a:ext cx="4540624" cy="2661052"/>
+          </a:xfrm>
+        </p:spPr>
+        <p:txBody>
+          <a:bodyPr>
+            <a:normAutofit/>
+          </a:bodyPr>
+          <a:lstStyle/>
+          <a:p>
+            <a:pPr algn="r"/>
+            <a:r>
+              <a:rPr lang="en-US" sz="4400" dirty="0">
+                <a:solidFill>
+                  <a:srgbClr val="FFFFFF"/>
+                </a:solidFill>
+              </a:rPr>
+              <a:t>Business Problem &amp; Understanding</a:t>
+            </a:r>
+          </a:p>
+        </p:txBody>
+      </p:sp>
+      <p:sp>
+        <p:nvSpPr>
+          <p:cNvPr id="3" name="Content Placeholder 2">
+            <a:extLst>
+              <a:ext uri="{FF2B5EF4-FFF2-40B4-BE49-F238E27FC236}">
+                <a16:creationId xmlns:a16="http://schemas.microsoft.com/office/drawing/2014/main" id="{046FBBB4-046A-4215-8B23-8CBDEE983573}"/>
+              </a:ext>
+            </a:extLst>
+          </p:cNvPr>
+          <p:cNvSpPr>
+            <a:spLocks noGrp="1"/>
+          </p:cNvSpPr>
+          <p:nvPr>
+            <p:ph idx="1"/>
+          </p:nvPr>
+        </p:nvSpPr>
+        <p:spPr>
+          <a:xfrm>
+            <a:off x="5287995" y="661106"/>
+            <a:ext cx="6257362" cy="5503101"/>
+          </a:xfrm>
+        </p:spPr>
+        <p:txBody>
+          <a:bodyPr anchor="ctr">
+            <a:normAutofit/>
+          </a:bodyPr>
+          <a:lstStyle/>
+          <a:p>
+            <a:r>
+              <a:rPr lang="en-US" sz="2000" cap="all" dirty="0">
+                <a:solidFill>
+                  <a:srgbClr val="FFFFFF"/>
+                </a:solidFill>
+              </a:rPr>
+              <a:t>Build a model that can accurately classify a cuisine based on key words in a given recipe.</a:t>
+            </a:r>
+          </a:p>
+          <a:p>
+            <a:r>
+              <a:rPr lang="en-US" sz="2000" cap="all" dirty="0">
+                <a:solidFill>
+                  <a:srgbClr val="FFFFFF"/>
+                </a:solidFill>
+              </a:rPr>
+              <a:t>WHY?</a:t>
+            </a:r>
+          </a:p>
+          <a:p>
+            <a:pPr lvl="1"/>
+            <a:r>
+              <a:rPr lang="en-US" sz="1200" cap="all" dirty="0">
+                <a:solidFill>
+                  <a:srgbClr val="FFFFFF"/>
+                </a:solidFill>
+              </a:rPr>
+              <a:t>Gain insights and make patterns between different cuisines through classification</a:t>
+            </a:r>
+          </a:p>
+          <a:p>
+            <a:pPr lvl="1"/>
+            <a:r>
+              <a:rPr lang="en-US" sz="1200" cap="all" dirty="0">
+                <a:solidFill>
+                  <a:srgbClr val="FFFFFF"/>
+                </a:solidFill>
+              </a:rPr>
+              <a:t>Use those insights and patterns to generate novel, possibly delicious recipes</a:t>
+            </a:r>
+            <a:endParaRPr lang="en-US" sz="2000" dirty="0">
+              <a:solidFill>
+                <a:srgbClr val="FFFFFF"/>
+              </a:solidFill>
+            </a:endParaRPr>
+          </a:p>
+        </p:txBody>
+      </p:sp>
+    </p:spTree>
+    <p:extLst>
+      <p:ext uri="{BB962C8B-B14F-4D97-AF65-F5344CB8AC3E}">
+        <p14:creationId xmlns:p14="http://schemas.microsoft.com/office/powerpoint/2010/main" val="1456474385"/>
+      </p:ext>
+    </p:extLst>
+  </p:cSld>
+  <p:clrMapOvr>
+    <a:masterClrMapping/>
+  </p:clrMapOvr>
+</p:sld>
+</file>
+
+<file path=ppt/slides/slide7.xml><?xml version="1.0" encoding="utf-8"?>
+<p:sld xmlns:a="http://schemas.openxmlformats.org/drawingml/2006/main" xmlns:r="http://schemas.openxmlformats.org/officeDocument/2006/relationships" xmlns:p="http://schemas.openxmlformats.org/presentationml/2006/main">
+  <p:cSld>
+    <p:bg>
+      <p:bgPr>
+        <a:gradFill rotWithShape="1">
+          <a:gsLst>
+            <a:gs pos="0">
+              <a:schemeClr val="bg2">
+                <a:tint val="96000"/>
+                <a:shade val="100000"/>
+                <a:hueMod val="92000"/>
+                <a:satMod val="200000"/>
+                <a:lumMod val="128000"/>
+              </a:schemeClr>
+            </a:gs>
+            <a:gs pos="50000">
+              <a:schemeClr val="bg2">
+                <a:shade val="100000"/>
+                <a:hueMod val="100000"/>
+                <a:satMod val="110000"/>
+                <a:lumMod val="130000"/>
+              </a:schemeClr>
+            </a:gs>
+            <a:gs pos="100000">
+              <a:schemeClr val="bg2">
+                <a:shade val="78000"/>
+                <a:hueMod val="118000"/>
+                <a:satMod val="120000"/>
+                <a:lumMod val="69000"/>
+              </a:schemeClr>
+            </a:gs>
+          </a:gsLst>
+          <a:lin ang="2520000" scaled="0"/>
+        </a:gradFill>
+        <a:effectLst/>
+      </p:bgPr>
+    </p:bg>
+    <p:spTree>
+      <p:nvGrpSpPr>
+        <p:cNvPr id="1" name=""/>
+        <p:cNvGrpSpPr/>
+        <p:nvPr/>
+      </p:nvGrpSpPr>
+      <p:grpSpPr>
+        <a:xfrm>
+          <a:off x="0" y="0"/>
+          <a:ext cx="0" cy="0"/>
+          <a:chOff x="0" y="0"/>
+          <a:chExt cx="0" cy="0"/>
+        </a:xfrm>
+      </p:grpSpPr>
+      <p:sp>
+        <p:nvSpPr>
+          <p:cNvPr id="2" name="Title 1">
+            <a:extLst>
+              <a:ext uri="{FF2B5EF4-FFF2-40B4-BE49-F238E27FC236}">
                 <a16:creationId xmlns:a16="http://schemas.microsoft.com/office/drawing/2014/main" id="{4884C16B-43A1-4EF9-8A19-48FD2BAED3E9}"/>
               </a:ext>
             </a:extLst>
@@ -12682,7 +13595,7 @@
         <p:spPr>
           <a:xfrm>
             <a:off x="680321" y="753228"/>
-            <a:ext cx="4136123" cy="1080938"/>
+            <a:ext cx="9613861" cy="1080938"/>
           </a:xfrm>
         </p:spPr>
         <p:txBody>
@@ -12692,34 +13605,143 @@
           <a:lstStyle/>
           <a:p>
             <a:r>
-              <a:rPr lang="en-US" sz="2400"/>
-              <a:t>Data</a:t>
+              <a:rPr lang="en-US"/>
+              <a:t>Data Collection</a:t>
+            </a:r>
+          </a:p>
+        </p:txBody>
+      </p:sp>
+      <p:sp>
+        <p:nvSpPr>
+          <p:cNvPr id="3" name="Content Placeholder 2">
+            <a:extLst>
+              <a:ext uri="{FF2B5EF4-FFF2-40B4-BE49-F238E27FC236}">
+                <a16:creationId xmlns:a16="http://schemas.microsoft.com/office/drawing/2014/main" id="{64C37CBC-F40D-41E5-A5EF-62BD357C1DD3}"/>
+              </a:ext>
+            </a:extLst>
+          </p:cNvPr>
+          <p:cNvSpPr>
+            <a:spLocks noGrp="1"/>
+          </p:cNvSpPr>
+          <p:nvPr>
+            <p:ph idx="1"/>
+          </p:nvPr>
+        </p:nvSpPr>
+        <p:spPr>
+          <a:xfrm>
+            <a:off x="680321" y="2336873"/>
+            <a:ext cx="6423211" cy="3599316"/>
+          </a:xfrm>
+        </p:spPr>
+        <p:txBody>
+          <a:bodyPr>
+            <a:normAutofit/>
+          </a:bodyPr>
+          <a:lstStyle/>
+          <a:p>
+            <a:r>
+              <a:rPr lang="en-US" sz="2000" dirty="0"/>
+              <a:t>Web scraped 700 recipes from GoodFood.com, a </a:t>
+            </a:r>
+            <a:r>
+              <a:rPr lang="en-US" sz="2000" dirty="0" err="1"/>
+              <a:t>bbc</a:t>
+            </a:r>
+            <a:r>
+              <a:rPr lang="en-US" sz="2000" dirty="0"/>
+              <a:t> affiliated website</a:t>
+            </a:r>
+          </a:p>
+          <a:p>
+            <a:r>
+              <a:rPr lang="en-US" sz="2000" dirty="0"/>
+              <a:t>Concatenated 200 more recipes using 4 more cuisines from pre-existing data scraped from bbc.co.uk/food</a:t>
+            </a:r>
+          </a:p>
+          <a:p>
+            <a:r>
+              <a:rPr lang="en-US" sz="2000" dirty="0"/>
+              <a:t>900 recipes in total</a:t>
+            </a:r>
+            <a:endParaRPr lang="en-US" sz="1600" dirty="0"/>
+          </a:p>
+          <a:p>
+            <a:r>
+              <a:rPr lang="en-US" sz="2000" dirty="0"/>
+              <a:t>20 Cuisines</a:t>
             </a:r>
           </a:p>
         </p:txBody>
       </p:sp>
       <p:pic>
         <p:nvPicPr>
-          <p:cNvPr id="39" name="Picture 38">
+          <p:cNvPr id="1026" name="Picture 2" descr="Image result for goodfood bbc logo">
             <a:extLst>
               <a:ext uri="{FF2B5EF4-FFF2-40B4-BE49-F238E27FC236}">
-                <a16:creationId xmlns:a16="http://schemas.microsoft.com/office/drawing/2014/main" id="{306E3F32-3C1A-4B6E-AF26-8A15A788560F}"/>
-              </a:ext>
-              <a:ext uri="{C183D7F6-B498-43B3-948B-1728B52AA6E4}">
-                <adec:decorative xmlns:adec="http://schemas.microsoft.com/office/drawing/2017/decorative" val="1"/>
+                <a16:creationId xmlns:a16="http://schemas.microsoft.com/office/drawing/2014/main" id="{47DF6DAB-1F58-4735-B94E-85EE74577279}"/>
               </a:ext>
             </a:extLst>
           </p:cNvPr>
           <p:cNvPicPr>
-            <a:picLocks noGrp="1" noRot="1" noChangeAspect="1" noMove="1" noResize="1" noEditPoints="1" noAdjustHandles="1" noChangeArrowheads="1" noChangeShapeType="1" noCrop="1"/>
+            <a:picLocks noChangeAspect="1" noChangeArrowheads="1"/>
           </p:cNvPicPr>
-          <p:nvPr>
-            <p:extLst>
-              <p:ext uri="{386F3935-93C4-4BCD-93E2-E3B085C9AB24}">
-                <p16:designElem xmlns:p16="http://schemas.microsoft.com/office/powerpoint/2015/main" val="1"/>
-              </p:ext>
-            </p:extLst>
-          </p:nvPr>
+          <p:nvPr/>
+        </p:nvPicPr>
+        <p:blipFill>
+          <a:blip r:embed="rId2">
+            <a:extLst>
+              <a:ext uri="{28A0092B-C50C-407E-A947-70E740481C1C}">
+                <a14:useLocalDpi xmlns:a14="http://schemas.microsoft.com/office/drawing/2010/main" val="0"/>
+              </a:ext>
+            </a:extLst>
+          </a:blip>
+          <a:stretch>
+            <a:fillRect/>
+          </a:stretch>
+        </p:blipFill>
+        <p:spPr bwMode="auto">
+          <a:xfrm>
+            <a:off x="7756358" y="2544534"/>
+            <a:ext cx="2671009" cy="1306381"/>
+          </a:xfrm>
+          <a:prstGeom prst="rect">
+            <a:avLst/>
+          </a:prstGeom>
+          <a:noFill/>
+          <a:ln>
+            <a:noFill/>
+          </a:ln>
+          <a:effectLst>
+            <a:outerShdw blurRad="76200" dist="63500" dir="5040000" algn="tl" rotWithShape="0">
+              <a:srgbClr val="000000">
+                <a:alpha val="41000"/>
+              </a:srgbClr>
+            </a:outerShdw>
+          </a:effectLst>
+          <a:extLst>
+            <a:ext uri="{909E8E84-426E-40DD-AFC4-6F175D3DCCD1}">
+              <a14:hiddenFill xmlns:a14="http://schemas.microsoft.com/office/drawing/2010/main">
+                <a:solidFill>
+                  <a:srgbClr val="FFFFFF"/>
+                </a:solidFill>
+              </a14:hiddenFill>
+            </a:ext>
+          </a:extLst>
+        </p:spPr>
+      </p:pic>
+      <p:pic>
+        <p:nvPicPr>
+          <p:cNvPr id="1028" name="Picture 4" descr="Image result for bbc food logo">
+            <a:extLst>
+              <a:ext uri="{FF2B5EF4-FFF2-40B4-BE49-F238E27FC236}">
+                <a16:creationId xmlns:a16="http://schemas.microsoft.com/office/drawing/2014/main" id="{13C7408D-EE82-4D14-B54C-290F8410A189}"/>
+              </a:ext>
+            </a:extLst>
+          </p:cNvPr>
+          <p:cNvPicPr>
+            <a:picLocks noChangeAspect="1" noChangeArrowheads="1"/>
+          </p:cNvPicPr>
+          <p:nvPr/>
         </p:nvPicPr>
         <p:blipFill>
           <a:blip r:embed="rId3">
@@ -12733,103 +13755,15 @@
             <a:fillRect/>
           </a:stretch>
         </p:blipFill>
-        <p:spPr>
-          <a:xfrm>
-            <a:off x="2" y="1970241"/>
-            <a:ext cx="4956048" cy="199787"/>
+        <p:spPr bwMode="auto">
+          <a:xfrm>
+            <a:off x="7756358" y="4875416"/>
+            <a:ext cx="2671009" cy="347231"/>
           </a:xfrm>
           <a:prstGeom prst="rect">
             <a:avLst/>
           </a:prstGeom>
-        </p:spPr>
-      </p:pic>
-      <p:sp>
-        <p:nvSpPr>
-          <p:cNvPr id="3" name="Content Placeholder 2">
-            <a:extLst>
-              <a:ext uri="{FF2B5EF4-FFF2-40B4-BE49-F238E27FC236}">
-                <a16:creationId xmlns:a16="http://schemas.microsoft.com/office/drawing/2014/main" id="{64C37CBC-F40D-41E5-A5EF-62BD357C1DD3}"/>
-              </a:ext>
-            </a:extLst>
-          </p:cNvPr>
-          <p:cNvSpPr>
-            <a:spLocks noGrp="1"/>
-          </p:cNvSpPr>
-          <p:nvPr>
-            <p:ph idx="1"/>
-          </p:nvPr>
-        </p:nvSpPr>
-        <p:spPr>
-          <a:xfrm>
-            <a:off x="680321" y="2336873"/>
-            <a:ext cx="3656289" cy="3599316"/>
-          </a:xfrm>
-        </p:spPr>
-        <p:txBody>
-          <a:bodyPr>
-            <a:normAutofit/>
-          </a:bodyPr>
-          <a:lstStyle/>
-          <a:p>
-            <a:r>
-              <a:rPr lang="en-US" sz="1400"/>
-              <a:t>Web scraped from GoodFood.com, a bbc affiliated website</a:t>
-            </a:r>
-          </a:p>
-          <a:p>
-            <a:r>
-              <a:rPr lang="en-US" sz="1400"/>
-              <a:t>Concatenated 4 more cuisines from preexisting data</a:t>
-            </a:r>
-          </a:p>
-          <a:p>
-            <a:r>
-              <a:rPr lang="en-US" sz="1400"/>
-              <a:t>900 recipes in total</a:t>
-            </a:r>
-          </a:p>
-          <a:p>
-            <a:r>
-              <a:rPr lang="en-US" sz="1400"/>
-              <a:t>20 Cuisines</a:t>
-            </a:r>
-          </a:p>
-        </p:txBody>
-      </p:sp>
-      <p:pic>
-        <p:nvPicPr>
-          <p:cNvPr id="6" name="Picture 5">
-            <a:extLst>
-              <a:ext uri="{FF2B5EF4-FFF2-40B4-BE49-F238E27FC236}">
-                <a16:creationId xmlns:a16="http://schemas.microsoft.com/office/drawing/2014/main" id="{F6D91D20-E883-4CFD-84ED-2C920CF52B55}"/>
-              </a:ext>
-            </a:extLst>
-          </p:cNvPr>
-          <p:cNvPicPr>
-            <a:picLocks noChangeAspect="1"/>
-          </p:cNvPicPr>
-          <p:nvPr/>
-        </p:nvPicPr>
-        <p:blipFill>
-          <a:blip r:embed="rId4">
-            <a:extLst>
-              <a:ext uri="{28A0092B-C50C-407E-A947-70E740481C1C}">
-                <a14:useLocalDpi xmlns:a14="http://schemas.microsoft.com/office/drawing/2010/main" val="0"/>
-              </a:ext>
-            </a:extLst>
-          </a:blip>
-          <a:stretch>
-            <a:fillRect/>
-          </a:stretch>
-        </p:blipFill>
-        <p:spPr>
-          <a:xfrm>
-            <a:off x="5276090" y="2081062"/>
-            <a:ext cx="6269479" cy="2695876"/>
-          </a:xfrm>
-          <a:prstGeom prst="rect">
-            <a:avLst/>
-          </a:prstGeom>
+          <a:noFill/>
           <a:ln>
             <a:noFill/>
           </a:ln>
@@ -12840,6 +13774,15 @@
               </a:srgbClr>
             </a:outerShdw>
           </a:effectLst>
+          <a:extLst>
+            <a:ext uri="{909E8E84-426E-40DD-AFC4-6F175D3DCCD1}">
+              <a14:hiddenFill xmlns:a14="http://schemas.microsoft.com/office/drawing/2010/main">
+                <a:solidFill>
+                  <a:srgbClr val="FFFFFF"/>
+                </a:solidFill>
+              </a14:hiddenFill>
+            </a:ext>
+          </a:extLst>
         </p:spPr>
       </p:pic>
     </p:spTree>
@@ -12855,7 +13798,7 @@
 </p:sld>
 </file>
 
-<file path=ppt/slides/slide6.xml><?xml version="1.0" encoding="utf-8"?>
+<file path=ppt/slides/slide8.xml><?xml version="1.0" encoding="utf-8"?>
 <p:sld xmlns:a="http://schemas.openxmlformats.org/drawingml/2006/main" xmlns:r="http://schemas.openxmlformats.org/officeDocument/2006/relationships" xmlns:p="http://schemas.openxmlformats.org/presentationml/2006/main">
   <p:cSld>
     <p:bg>
@@ -12912,6 +13855,443 @@
           <p:cNvPr id="9" name="Rectangle 8">
             <a:extLst>
               <a:ext uri="{FF2B5EF4-FFF2-40B4-BE49-F238E27FC236}">
+                <a16:creationId xmlns:a16="http://schemas.microsoft.com/office/drawing/2014/main" id="{8DCA3673-CDE4-40C5-9FA8-F89874CFBA73}"/>
+              </a:ext>
+              <a:ext uri="{C183D7F6-B498-43B3-948B-1728B52AA6E4}">
+                <adec:decorative xmlns:adec="http://schemas.microsoft.com/office/drawing/2017/decorative" val="1"/>
+              </a:ext>
+            </a:extLst>
+          </p:cNvPr>
+          <p:cNvSpPr>
+            <a:spLocks noGrp="1" noRot="1" noChangeAspect="1" noMove="1" noResize="1" noEditPoints="1" noAdjustHandles="1" noChangeArrowheads="1" noChangeShapeType="1" noTextEdit="1"/>
+          </p:cNvSpPr>
+          <p:nvPr>
+            <p:extLst>
+              <p:ext uri="{386F3935-93C4-4BCD-93E2-E3B085C9AB24}">
+                <p16:designElem xmlns:p16="http://schemas.microsoft.com/office/powerpoint/2015/main" val="1"/>
+              </p:ext>
+            </p:extLst>
+          </p:nvPr>
+        </p:nvSpPr>
+        <p:spPr>
+          <a:xfrm>
+            <a:off x="0" y="-1"/>
+            <a:ext cx="12188824" cy="6858001"/>
+          </a:xfrm>
+          <a:prstGeom prst="rect">
+            <a:avLst/>
+          </a:prstGeom>
+        </p:spPr>
+        <p:style>
+          <a:lnRef idx="2">
+            <a:schemeClr val="accent1">
+              <a:shade val="50000"/>
+            </a:schemeClr>
+          </a:lnRef>
+          <a:fillRef idx="1">
+            <a:schemeClr val="accent1"/>
+          </a:fillRef>
+          <a:effectRef idx="0">
+            <a:schemeClr val="accent1"/>
+          </a:effectRef>
+          <a:fontRef idx="minor">
+            <a:schemeClr val="lt1"/>
+          </a:fontRef>
+        </p:style>
+        <p:txBody>
+          <a:bodyPr rtlCol="0" anchor="ctr"/>
+          <a:lstStyle/>
+          <a:p>
+            <a:pPr algn="ctr"/>
+            <a:endParaRPr lang="en-US"/>
+          </a:p>
+        </p:txBody>
+      </p:sp>
+      <p:pic>
+        <p:nvPicPr>
+          <p:cNvPr id="11" name="Picture 10">
+            <a:extLst>
+              <a:ext uri="{FF2B5EF4-FFF2-40B4-BE49-F238E27FC236}">
+                <a16:creationId xmlns:a16="http://schemas.microsoft.com/office/drawing/2014/main" id="{95756E8F-499C-4533-BBE8-309C3E8D985C}"/>
+              </a:ext>
+              <a:ext uri="{C183D7F6-B498-43B3-948B-1728B52AA6E4}">
+                <adec:decorative xmlns:adec="http://schemas.microsoft.com/office/drawing/2017/decorative" val="1"/>
+              </a:ext>
+            </a:extLst>
+          </p:cNvPr>
+          <p:cNvPicPr>
+            <a:picLocks noGrp="1" noRot="1" noChangeAspect="1" noMove="1" noResize="1" noEditPoints="1" noAdjustHandles="1" noChangeArrowheads="1" noChangeShapeType="1" noCrop="1"/>
+          </p:cNvPicPr>
+          <p:nvPr>
+            <p:extLst>
+              <p:ext uri="{386F3935-93C4-4BCD-93E2-E3B085C9AB24}">
+                <p16:designElem xmlns:p16="http://schemas.microsoft.com/office/powerpoint/2015/main" val="1"/>
+              </p:ext>
+            </p:extLst>
+          </p:nvPr>
+        </p:nvPicPr>
+        <p:blipFill>
+          <a:blip r:embed="rId2">
+            <a:alphaModFix amt="10000"/>
+            <a:extLst>
+              <a:ext uri="{28A0092B-C50C-407E-A947-70E740481C1C}">
+                <a14:useLocalDpi xmlns:a14="http://schemas.microsoft.com/office/drawing/2010/main" val="0"/>
+              </a:ext>
+            </a:extLst>
+          </a:blip>
+          <a:stretch>
+            <a:fillRect/>
+          </a:stretch>
+        </p:blipFill>
+        <p:spPr>
+          <a:xfrm>
+            <a:off x="-3176" y="0"/>
+            <a:ext cx="12192000" cy="6858000"/>
+          </a:xfrm>
+          <a:prstGeom prst="rect">
+            <a:avLst/>
+          </a:prstGeom>
+        </p:spPr>
+      </p:pic>
+      <p:sp>
+        <p:nvSpPr>
+          <p:cNvPr id="13" name="Rectangle 12">
+            <a:extLst>
+              <a:ext uri="{FF2B5EF4-FFF2-40B4-BE49-F238E27FC236}">
+                <a16:creationId xmlns:a16="http://schemas.microsoft.com/office/drawing/2014/main" id="{0FFFD040-32A9-4D2B-86CA-599D030A4161}"/>
+              </a:ext>
+              <a:ext uri="{C183D7F6-B498-43B3-948B-1728B52AA6E4}">
+                <adec:decorative xmlns:adec="http://schemas.microsoft.com/office/drawing/2017/decorative" val="1"/>
+              </a:ext>
+            </a:extLst>
+          </p:cNvPr>
+          <p:cNvSpPr>
+            <a:spLocks noGrp="1" noRot="1" noChangeAspect="1" noMove="1" noResize="1" noEditPoints="1" noAdjustHandles="1" noChangeArrowheads="1" noChangeShapeType="1" noTextEdit="1"/>
+          </p:cNvSpPr>
+          <p:nvPr>
+            <p:extLst>
+              <p:ext uri="{386F3935-93C4-4BCD-93E2-E3B085C9AB24}">
+                <p16:designElem xmlns:p16="http://schemas.microsoft.com/office/powerpoint/2015/main" val="1"/>
+              </p:ext>
+            </p:extLst>
+          </p:nvPr>
+        </p:nvSpPr>
+        <p:spPr>
+          <a:xfrm>
+            <a:off x="4639056" y="0"/>
+            <a:ext cx="7552944" cy="6858001"/>
+          </a:xfrm>
+          <a:prstGeom prst="rect">
+            <a:avLst/>
+          </a:prstGeom>
+          <a:ln>
+            <a:noFill/>
+          </a:ln>
+        </p:spPr>
+        <p:style>
+          <a:lnRef idx="2">
+            <a:schemeClr val="accent1">
+              <a:shade val="50000"/>
+            </a:schemeClr>
+          </a:lnRef>
+          <a:fillRef idx="1">
+            <a:schemeClr val="accent1"/>
+          </a:fillRef>
+          <a:effectRef idx="0">
+            <a:schemeClr val="accent1"/>
+          </a:effectRef>
+          <a:fontRef idx="minor">
+            <a:schemeClr val="lt1"/>
+          </a:fontRef>
+        </p:style>
+        <p:txBody>
+          <a:bodyPr rtlCol="0" anchor="ctr"/>
+          <a:lstStyle/>
+          <a:p>
+            <a:pPr algn="ctr"/>
+            <a:endParaRPr lang="en-US"/>
+          </a:p>
+        </p:txBody>
+      </p:sp>
+      <p:sp>
+        <p:nvSpPr>
+          <p:cNvPr id="15" name="Rectangle 14">
+            <a:extLst>
+              <a:ext uri="{FF2B5EF4-FFF2-40B4-BE49-F238E27FC236}">
+                <a16:creationId xmlns:a16="http://schemas.microsoft.com/office/drawing/2014/main" id="{863205CA-B7FF-4C25-A4C8-3BBBCE19D950}"/>
+              </a:ext>
+              <a:ext uri="{C183D7F6-B498-43B3-948B-1728B52AA6E4}">
+                <adec:decorative xmlns:adec="http://schemas.microsoft.com/office/drawing/2017/decorative" val="1"/>
+              </a:ext>
+            </a:extLst>
+          </p:cNvPr>
+          <p:cNvSpPr>
+            <a:spLocks noGrp="1" noRot="1" noChangeAspect="1" noMove="1" noResize="1" noEditPoints="1" noAdjustHandles="1" noChangeArrowheads="1" noChangeShapeType="1" noTextEdit="1"/>
+          </p:cNvSpPr>
+          <p:nvPr>
+            <p:extLst>
+              <p:ext uri="{386F3935-93C4-4BCD-93E2-E3B085C9AB24}">
+                <p16:designElem xmlns:p16="http://schemas.microsoft.com/office/powerpoint/2015/main" val="1"/>
+              </p:ext>
+            </p:extLst>
+          </p:nvPr>
+        </p:nvSpPr>
+        <p:spPr bwMode="grayWhite">
+          <a:xfrm>
+            <a:off x="2" y="609600"/>
+            <a:ext cx="4959094" cy="1368198"/>
+          </a:xfrm>
+          <a:prstGeom prst="rect">
+            <a:avLst/>
+          </a:prstGeom>
+          <a:solidFill>
+            <a:schemeClr val="bg1">
+              <a:lumMod val="85000"/>
+              <a:lumOff val="15000"/>
+            </a:schemeClr>
+          </a:solidFill>
+          <a:ln>
+            <a:noFill/>
+          </a:ln>
+        </p:spPr>
+        <p:style>
+          <a:lnRef idx="2">
+            <a:schemeClr val="accent1">
+              <a:shade val="50000"/>
+            </a:schemeClr>
+          </a:lnRef>
+          <a:fillRef idx="1">
+            <a:schemeClr val="accent1"/>
+          </a:fillRef>
+          <a:effectRef idx="0">
+            <a:schemeClr val="accent1"/>
+          </a:effectRef>
+          <a:fontRef idx="minor">
+            <a:schemeClr val="lt1"/>
+          </a:fontRef>
+        </p:style>
+      </p:sp>
+      <p:sp>
+        <p:nvSpPr>
+          <p:cNvPr id="2" name="Title 1">
+            <a:extLst>
+              <a:ext uri="{FF2B5EF4-FFF2-40B4-BE49-F238E27FC236}">
+                <a16:creationId xmlns:a16="http://schemas.microsoft.com/office/drawing/2014/main" id="{ACE37B65-2285-4F29-824A-0BCDD27E9E8E}"/>
+              </a:ext>
+            </a:extLst>
+          </p:cNvPr>
+          <p:cNvSpPr>
+            <a:spLocks noGrp="1"/>
+          </p:cNvSpPr>
+          <p:nvPr>
+            <p:ph type="title"/>
+          </p:nvPr>
+        </p:nvSpPr>
+        <p:spPr>
+          <a:xfrm>
+            <a:off x="680321" y="753228"/>
+            <a:ext cx="4136123" cy="1080938"/>
+          </a:xfrm>
+        </p:spPr>
+        <p:txBody>
+          <a:bodyPr>
+            <a:normAutofit/>
+          </a:bodyPr>
+          <a:lstStyle/>
+          <a:p>
+            <a:r>
+              <a:rPr lang="en-US" sz="2400"/>
+              <a:t>Interesting Finds </a:t>
+            </a:r>
+          </a:p>
+        </p:txBody>
+      </p:sp>
+      <p:pic>
+        <p:nvPicPr>
+          <p:cNvPr id="17" name="Picture 16">
+            <a:extLst>
+              <a:ext uri="{FF2B5EF4-FFF2-40B4-BE49-F238E27FC236}">
+                <a16:creationId xmlns:a16="http://schemas.microsoft.com/office/drawing/2014/main" id="{306E3F32-3C1A-4B6E-AF26-8A15A788560F}"/>
+              </a:ext>
+              <a:ext uri="{C183D7F6-B498-43B3-948B-1728B52AA6E4}">
+                <adec:decorative xmlns:adec="http://schemas.microsoft.com/office/drawing/2017/decorative" val="1"/>
+              </a:ext>
+            </a:extLst>
+          </p:cNvPr>
+          <p:cNvPicPr>
+            <a:picLocks noGrp="1" noRot="1" noChangeAspect="1" noMove="1" noResize="1" noEditPoints="1" noAdjustHandles="1" noChangeArrowheads="1" noChangeShapeType="1" noCrop="1"/>
+          </p:cNvPicPr>
+          <p:nvPr>
+            <p:extLst>
+              <p:ext uri="{386F3935-93C4-4BCD-93E2-E3B085C9AB24}">
+                <p16:designElem xmlns:p16="http://schemas.microsoft.com/office/powerpoint/2015/main" val="1"/>
+              </p:ext>
+            </p:extLst>
+          </p:nvPr>
+        </p:nvPicPr>
+        <p:blipFill>
+          <a:blip r:embed="rId3">
+            <a:extLst>
+              <a:ext uri="{28A0092B-C50C-407E-A947-70E740481C1C}">
+                <a14:useLocalDpi xmlns:a14="http://schemas.microsoft.com/office/drawing/2010/main" val="0"/>
+              </a:ext>
+            </a:extLst>
+          </a:blip>
+          <a:stretch>
+            <a:fillRect/>
+          </a:stretch>
+        </p:blipFill>
+        <p:spPr>
+          <a:xfrm>
+            <a:off x="2" y="1970241"/>
+            <a:ext cx="4956048" cy="199787"/>
+          </a:xfrm>
+          <a:prstGeom prst="rect">
+            <a:avLst/>
+          </a:prstGeom>
+        </p:spPr>
+      </p:pic>
+      <p:sp>
+        <p:nvSpPr>
+          <p:cNvPr id="3" name="Content Placeholder 2">
+            <a:extLst>
+              <a:ext uri="{FF2B5EF4-FFF2-40B4-BE49-F238E27FC236}">
+                <a16:creationId xmlns:a16="http://schemas.microsoft.com/office/drawing/2014/main" id="{F0F009B2-9B50-413C-A1C9-D159C06890CA}"/>
+              </a:ext>
+            </a:extLst>
+          </p:cNvPr>
+          <p:cNvSpPr>
+            <a:spLocks noGrp="1"/>
+          </p:cNvSpPr>
+          <p:nvPr>
+            <p:ph idx="1"/>
+          </p:nvPr>
+        </p:nvSpPr>
+        <p:spPr>
+          <a:xfrm>
+            <a:off x="680321" y="2336873"/>
+            <a:ext cx="3656289" cy="3599316"/>
+          </a:xfrm>
+        </p:spPr>
+        <p:txBody>
+          <a:bodyPr>
+            <a:normAutofit/>
+          </a:bodyPr>
+          <a:lstStyle/>
+          <a:p>
+            <a:r>
+              <a:rPr lang="en-US" sz="1400" dirty="0"/>
+              <a:t>Model may rely on specific key ingredients, depending on the cuisine:</a:t>
+            </a:r>
+          </a:p>
+          <a:p>
+            <a:pPr lvl="1"/>
+            <a:r>
+              <a:rPr lang="en-US" sz="1000" dirty="0"/>
+              <a:t>Mexican </a:t>
+            </a:r>
+          </a:p>
+          <a:p>
+            <a:pPr lvl="1"/>
+            <a:r>
+              <a:rPr lang="en-US" sz="1000" dirty="0"/>
+              <a:t>Japanese</a:t>
+            </a:r>
+          </a:p>
+          <a:p>
+            <a:pPr lvl="1"/>
+            <a:r>
+              <a:rPr lang="en-US" sz="1000" dirty="0" err="1"/>
+              <a:t>North_African</a:t>
+            </a:r>
+            <a:endParaRPr lang="en-US" sz="1000" dirty="0"/>
+          </a:p>
+          <a:p>
+            <a:pPr lvl="1"/>
+            <a:r>
+              <a:rPr lang="en-US" sz="1000" dirty="0"/>
+              <a:t>Indian</a:t>
+            </a:r>
+          </a:p>
+          <a:p>
+            <a:pPr lvl="1"/>
+            <a:r>
+              <a:rPr lang="en-US" sz="1000" dirty="0"/>
+              <a:t>American</a:t>
+            </a:r>
+          </a:p>
+        </p:txBody>
+      </p:sp>
+    </p:spTree>
+    <p:extLst>
+      <p:ext uri="{BB962C8B-B14F-4D97-AF65-F5344CB8AC3E}">
+        <p14:creationId xmlns:p14="http://schemas.microsoft.com/office/powerpoint/2010/main" val="189417581"/>
+      </p:ext>
+    </p:extLst>
+  </p:cSld>
+  <p:clrMapOvr>
+    <a:masterClrMapping/>
+  </p:clrMapOvr>
+</p:sld>
+</file>
+
+<file path=ppt/slides/slide9.xml><?xml version="1.0" encoding="utf-8"?>
+<p:sld xmlns:a="http://schemas.openxmlformats.org/drawingml/2006/main" xmlns:r="http://schemas.openxmlformats.org/officeDocument/2006/relationships" xmlns:p="http://schemas.openxmlformats.org/presentationml/2006/main">
+  <p:cSld>
+    <p:bg>
+      <p:bgPr>
+        <a:gradFill rotWithShape="1">
+          <a:gsLst>
+            <a:gs pos="0">
+              <a:schemeClr val="bg2">
+                <a:tint val="96000"/>
+                <a:shade val="100000"/>
+                <a:hueMod val="92000"/>
+                <a:satMod val="200000"/>
+                <a:lumMod val="128000"/>
+              </a:schemeClr>
+            </a:gs>
+            <a:gs pos="50000">
+              <a:schemeClr val="bg2">
+                <a:shade val="100000"/>
+                <a:hueMod val="100000"/>
+                <a:satMod val="110000"/>
+                <a:lumMod val="130000"/>
+              </a:schemeClr>
+            </a:gs>
+            <a:gs pos="100000">
+              <a:schemeClr val="bg2">
+                <a:shade val="78000"/>
+                <a:hueMod val="118000"/>
+                <a:satMod val="120000"/>
+                <a:lumMod val="69000"/>
+              </a:schemeClr>
+            </a:gs>
+          </a:gsLst>
+          <a:lin ang="2520000" scaled="0"/>
+        </a:gradFill>
+        <a:effectLst/>
+      </p:bgPr>
+    </p:bg>
+    <p:spTree>
+      <p:nvGrpSpPr>
+        <p:cNvPr id="1" name=""/>
+        <p:cNvGrpSpPr/>
+        <p:nvPr/>
+      </p:nvGrpSpPr>
+      <p:grpSpPr>
+        <a:xfrm>
+          <a:off x="0" y="0"/>
+          <a:ext cx="0" cy="0"/>
+          <a:chOff x="0" y="0"/>
+          <a:chExt cx="0" cy="0"/>
+        </a:xfrm>
+      </p:grpSpPr>
+      <p:sp useBgFill="1">
+        <p:nvSpPr>
+          <p:cNvPr id="9" name="Rectangle 8">
+            <a:extLst>
+              <a:ext uri="{FF2B5EF4-FFF2-40B4-BE49-F238E27FC236}">
                 <a16:creationId xmlns:a16="http://schemas.microsoft.com/office/drawing/2014/main" id="{84F2EC7C-E163-43C8-95E1-D68C83433A07}"/>
               </a:ext>
               <a:ext uri="{C183D7F6-B498-43B3-948B-1728B52AA6E4}">
@@ -13267,12 +14647,18 @@
         </p:spPr>
         <p:txBody>
           <a:bodyPr anchor="ctr">
-            <a:normAutofit/>
+            <a:normAutofit fontScale="85000" lnSpcReduction="20000"/>
           </a:bodyPr>
           <a:lstStyle/>
           <a:p>
             <a:r>
               <a:rPr lang="en-US" sz="2000" dirty="0"/>
+              <a:t>Natural Language Processing </a:t>
+            </a:r>
+          </a:p>
+          <a:p>
+            <a:r>
+              <a:rPr lang="en-US" sz="2000" dirty="0"/>
               <a:t>Cleaning done using:</a:t>
             </a:r>
           </a:p>
@@ -13287,45 +14673,82 @@
             <a:pPr lvl="1"/>
             <a:r>
               <a:rPr lang="en-US" dirty="0"/>
-              <a:t>Tokenization </a:t>
+              <a:t>Tokenization</a:t>
+            </a:r>
+          </a:p>
+          <a:p>
+            <a:pPr lvl="2"/>
+            <a:r>
+              <a:rPr lang="en-US" dirty="0"/>
+              <a:t>Distinguish each word </a:t>
             </a:r>
           </a:p>
           <a:p>
             <a:pPr lvl="1"/>
             <a:r>
               <a:rPr lang="en-US" dirty="0"/>
-              <a:t>Custom stop-word removal</a:t>
-            </a:r>
-          </a:p>
-          <a:p>
-            <a:r>
-              <a:rPr lang="en-US" sz="2000" dirty="0" err="1"/>
-              <a:t>WordClouds</a:t>
-            </a:r>
-            <a:endParaRPr lang="en-US" sz="2000" dirty="0"/>
-          </a:p>
-          <a:p>
-            <a:r>
-              <a:rPr lang="en-US" sz="2000" dirty="0"/>
+              <a:t>Stop-word removal</a:t>
+            </a:r>
+          </a:p>
+          <a:p>
+            <a:pPr lvl="2"/>
+            <a:r>
+              <a:rPr lang="en-US" dirty="0"/>
+              <a:t>Natural Language Processing Tool Kit</a:t>
+            </a:r>
+          </a:p>
+          <a:p>
+            <a:pPr lvl="3"/>
+            <a:r>
+              <a:rPr lang="en-US" dirty="0"/>
+              <a:t>Common words like “and, you, I, or, </a:t>
+            </a:r>
+            <a:r>
+              <a:rPr lang="en-US" dirty="0" err="1"/>
+              <a:t>etc</a:t>
+            </a:r>
+            <a:r>
+              <a:rPr lang="en-US" dirty="0"/>
+              <a:t>”</a:t>
+            </a:r>
+          </a:p>
+          <a:p>
+            <a:pPr lvl="2"/>
+            <a:r>
+              <a:rPr lang="en-US" dirty="0"/>
+              <a:t>Custom</a:t>
+            </a:r>
+          </a:p>
+          <a:p>
+            <a:pPr lvl="3"/>
+            <a:r>
+              <a:rPr lang="en-US" dirty="0"/>
+              <a:t>Common cooking measurements </a:t>
+            </a:r>
+          </a:p>
+          <a:p>
+            <a:pPr lvl="1"/>
+            <a:r>
+              <a:rPr lang="en-US" sz="2400" dirty="0"/>
               <a:t>Models</a:t>
             </a:r>
           </a:p>
           <a:p>
-            <a:pPr lvl="1"/>
+            <a:pPr lvl="2"/>
             <a:r>
               <a:rPr lang="en-US" dirty="0"/>
               <a:t>Naive Bayes</a:t>
             </a:r>
           </a:p>
           <a:p>
-            <a:pPr lvl="1"/>
+            <a:pPr lvl="2"/>
             <a:r>
               <a:rPr lang="en-US" dirty="0"/>
               <a:t>SVM</a:t>
             </a:r>
           </a:p>
           <a:p>
-            <a:pPr lvl="1"/>
+            <a:pPr lvl="2"/>
             <a:r>
               <a:rPr lang="en-US" dirty="0"/>
               <a:t>Logistic Regression</a:t>
@@ -13341,865 +14764,6 @@
     <p:extLst>
       <p:ext uri="{BB962C8B-B14F-4D97-AF65-F5344CB8AC3E}">
         <p14:creationId xmlns:p14="http://schemas.microsoft.com/office/powerpoint/2010/main" val="2932765123"/>
-      </p:ext>
-    </p:extLst>
-  </p:cSld>
-  <p:clrMapOvr>
-    <a:masterClrMapping/>
-  </p:clrMapOvr>
-</p:sld>
-</file>
-
-<file path=ppt/slides/slide7.xml><?xml version="1.0" encoding="utf-8"?>
-<p:sld xmlns:a="http://schemas.openxmlformats.org/drawingml/2006/main" xmlns:r="http://schemas.openxmlformats.org/officeDocument/2006/relationships" xmlns:p="http://schemas.openxmlformats.org/presentationml/2006/main">
-  <p:cSld>
-    <p:spTree>
-      <p:nvGrpSpPr>
-        <p:cNvPr id="1" name=""/>
-        <p:cNvGrpSpPr/>
-        <p:nvPr/>
-      </p:nvGrpSpPr>
-      <p:grpSpPr>
-        <a:xfrm>
-          <a:off x="0" y="0"/>
-          <a:ext cx="0" cy="0"/>
-          <a:chOff x="0" y="0"/>
-          <a:chExt cx="0" cy="0"/>
-        </a:xfrm>
-      </p:grpSpPr>
-      <p:sp>
-        <p:nvSpPr>
-          <p:cNvPr id="2" name="Title 1">
-            <a:extLst>
-              <a:ext uri="{FF2B5EF4-FFF2-40B4-BE49-F238E27FC236}">
-                <a16:creationId xmlns:a16="http://schemas.microsoft.com/office/drawing/2014/main" id="{7682F771-AF14-4802-A704-5FD10A9497FD}"/>
-              </a:ext>
-            </a:extLst>
-          </p:cNvPr>
-          <p:cNvSpPr>
-            <a:spLocks noGrp="1"/>
-          </p:cNvSpPr>
-          <p:nvPr>
-            <p:ph type="title"/>
-          </p:nvPr>
-        </p:nvSpPr>
-        <p:spPr/>
-        <p:txBody>
-          <a:bodyPr/>
-          <a:lstStyle/>
-          <a:p>
-            <a:r>
-              <a:rPr lang="en-US" dirty="0"/>
-              <a:t>Results</a:t>
-            </a:r>
-          </a:p>
-        </p:txBody>
-      </p:sp>
-      <p:sp>
-        <p:nvSpPr>
-          <p:cNvPr id="3" name="Text Placeholder 2">
-            <a:extLst>
-              <a:ext uri="{FF2B5EF4-FFF2-40B4-BE49-F238E27FC236}">
-                <a16:creationId xmlns:a16="http://schemas.microsoft.com/office/drawing/2014/main" id="{AFD77AEB-4764-4EFB-874A-A0470768EA68}"/>
-              </a:ext>
-            </a:extLst>
-          </p:cNvPr>
-          <p:cNvSpPr>
-            <a:spLocks noGrp="1"/>
-          </p:cNvSpPr>
-          <p:nvPr>
-            <p:ph type="body" idx="1"/>
-          </p:nvPr>
-        </p:nvSpPr>
-        <p:spPr/>
-        <p:txBody>
-          <a:bodyPr/>
-          <a:lstStyle/>
-          <a:p>
-            <a:r>
-              <a:rPr lang="en-US" dirty="0"/>
-              <a:t>Naïve Bayes</a:t>
-            </a:r>
-          </a:p>
-        </p:txBody>
-      </p:sp>
-      <p:sp>
-        <p:nvSpPr>
-          <p:cNvPr id="5" name="Text Placeholder 4">
-            <a:extLst>
-              <a:ext uri="{FF2B5EF4-FFF2-40B4-BE49-F238E27FC236}">
-                <a16:creationId xmlns:a16="http://schemas.microsoft.com/office/drawing/2014/main" id="{C6E6BCB7-8095-4400-86B3-13DE818F8941}"/>
-              </a:ext>
-            </a:extLst>
-          </p:cNvPr>
-          <p:cNvSpPr>
-            <a:spLocks noGrp="1"/>
-          </p:cNvSpPr>
-          <p:nvPr>
-            <p:ph type="body" sz="quarter" idx="3"/>
-          </p:nvPr>
-        </p:nvSpPr>
-        <p:spPr/>
-        <p:txBody>
-          <a:bodyPr/>
-          <a:lstStyle/>
-          <a:p>
-            <a:r>
-              <a:rPr lang="en-US" dirty="0"/>
-              <a:t>Logistic Regression</a:t>
-            </a:r>
-          </a:p>
-        </p:txBody>
-      </p:sp>
-      <p:pic>
-        <p:nvPicPr>
-          <p:cNvPr id="7" name="Content Placeholder 6">
-            <a:extLst>
-              <a:ext uri="{FF2B5EF4-FFF2-40B4-BE49-F238E27FC236}">
-                <a16:creationId xmlns:a16="http://schemas.microsoft.com/office/drawing/2014/main" id="{1A4A2E7A-6373-453A-834A-B3EDC099294F}"/>
-              </a:ext>
-            </a:extLst>
-          </p:cNvPr>
-          <p:cNvPicPr>
-            <a:picLocks noGrp="1" noChangeAspect="1"/>
-          </p:cNvPicPr>
-          <p:nvPr>
-            <p:ph sz="half" idx="2"/>
-          </p:nvPr>
-        </p:nvPicPr>
-        <p:blipFill>
-          <a:blip r:embed="rId2">
-            <a:extLst>
-              <a:ext uri="{28A0092B-C50C-407E-A947-70E740481C1C}">
-                <a14:useLocalDpi xmlns:a14="http://schemas.microsoft.com/office/drawing/2010/main" val="0"/>
-              </a:ext>
-            </a:extLst>
-          </a:blip>
-          <a:stretch>
-            <a:fillRect/>
-          </a:stretch>
-        </p:blipFill>
-        <p:spPr>
-          <a:xfrm>
-            <a:off x="1296177" y="3028949"/>
-            <a:ext cx="3266859" cy="3280108"/>
-          </a:xfrm>
-          <a:prstGeom prst="rect">
-            <a:avLst/>
-          </a:prstGeom>
-        </p:spPr>
-      </p:pic>
-      <p:pic>
-        <p:nvPicPr>
-          <p:cNvPr id="8" name="Content Placeholder 4">
-            <a:extLst>
-              <a:ext uri="{FF2B5EF4-FFF2-40B4-BE49-F238E27FC236}">
-                <a16:creationId xmlns:a16="http://schemas.microsoft.com/office/drawing/2014/main" id="{D9B8D7A4-5A96-4085-9905-3D5D4674F28B}"/>
-              </a:ext>
-            </a:extLst>
-          </p:cNvPr>
-          <p:cNvPicPr>
-            <a:picLocks noGrp="1" noChangeAspect="1"/>
-          </p:cNvPicPr>
-          <p:nvPr>
-            <p:ph sz="quarter" idx="4"/>
-          </p:nvPr>
-        </p:nvPicPr>
-        <p:blipFill>
-          <a:blip r:embed="rId3">
-            <a:extLst>
-              <a:ext uri="{28A0092B-C50C-407E-A947-70E740481C1C}">
-                <a14:useLocalDpi xmlns:a14="http://schemas.microsoft.com/office/drawing/2010/main" val="0"/>
-              </a:ext>
-            </a:extLst>
-          </a:blip>
-          <a:stretch>
-            <a:fillRect/>
-          </a:stretch>
-        </p:blipFill>
-        <p:spPr>
-          <a:xfrm>
-            <a:off x="6026440" y="2990197"/>
-            <a:ext cx="3491522" cy="3388191"/>
-          </a:xfrm>
-        </p:spPr>
-      </p:pic>
-    </p:spTree>
-    <p:extLst>
-      <p:ext uri="{BB962C8B-B14F-4D97-AF65-F5344CB8AC3E}">
-        <p14:creationId xmlns:p14="http://schemas.microsoft.com/office/powerpoint/2010/main" val="2589460927"/>
-      </p:ext>
-    </p:extLst>
-  </p:cSld>
-  <p:clrMapOvr>
-    <a:masterClrMapping/>
-  </p:clrMapOvr>
-</p:sld>
-</file>
-
-<file path=ppt/slides/slide8.xml><?xml version="1.0" encoding="utf-8"?>
-<p:sld xmlns:a="http://schemas.openxmlformats.org/drawingml/2006/main" xmlns:r="http://schemas.openxmlformats.org/officeDocument/2006/relationships" xmlns:p="http://schemas.openxmlformats.org/presentationml/2006/main">
-  <p:cSld>
-    <p:bg>
-      <p:bgPr>
-        <a:gradFill rotWithShape="1">
-          <a:gsLst>
-            <a:gs pos="0">
-              <a:schemeClr val="bg2">
-                <a:tint val="96000"/>
-                <a:shade val="100000"/>
-                <a:hueMod val="270000"/>
-                <a:satMod val="200000"/>
-                <a:lumMod val="128000"/>
-              </a:schemeClr>
-            </a:gs>
-            <a:gs pos="50000">
-              <a:schemeClr val="bg2">
-                <a:shade val="100000"/>
-                <a:hueMod val="100000"/>
-                <a:satMod val="110000"/>
-                <a:lumMod val="130000"/>
-              </a:schemeClr>
-            </a:gs>
-            <a:gs pos="100000">
-              <a:schemeClr val="bg2">
-                <a:shade val="78000"/>
-                <a:hueMod val="44000"/>
-                <a:satMod val="200000"/>
-                <a:lumMod val="69000"/>
-              </a:schemeClr>
-            </a:gs>
-          </a:gsLst>
-          <a:lin ang="2520000" scaled="0"/>
-        </a:gradFill>
-        <a:effectLst/>
-      </p:bgPr>
-    </p:bg>
-    <p:spTree>
-      <p:nvGrpSpPr>
-        <p:cNvPr id="1" name=""/>
-        <p:cNvGrpSpPr/>
-        <p:nvPr/>
-      </p:nvGrpSpPr>
-      <p:grpSpPr>
-        <a:xfrm>
-          <a:off x="0" y="0"/>
-          <a:ext cx="0" cy="0"/>
-          <a:chOff x="0" y="0"/>
-          <a:chExt cx="0" cy="0"/>
-        </a:xfrm>
-      </p:grpSpPr>
-      <p:sp>
-        <p:nvSpPr>
-          <p:cNvPr id="43" name="Rectangle 42">
-            <a:extLst>
-              <a:ext uri="{FF2B5EF4-FFF2-40B4-BE49-F238E27FC236}">
-                <a16:creationId xmlns:a16="http://schemas.microsoft.com/office/drawing/2014/main" id="{273E8A9A-DA4B-4F12-9331-219EBE5235D0}"/>
-              </a:ext>
-              <a:ext uri="{C183D7F6-B498-43B3-948B-1728B52AA6E4}">
-                <adec:decorative xmlns:adec="http://schemas.microsoft.com/office/drawing/2017/decorative" val="1"/>
-              </a:ext>
-            </a:extLst>
-          </p:cNvPr>
-          <p:cNvSpPr>
-            <a:spLocks noGrp="1" noRot="1" noChangeAspect="1" noMove="1" noResize="1" noEditPoints="1" noAdjustHandles="1" noChangeArrowheads="1" noChangeShapeType="1" noTextEdit="1"/>
-          </p:cNvSpPr>
-          <p:nvPr>
-            <p:extLst>
-              <p:ext uri="{386F3935-93C4-4BCD-93E2-E3B085C9AB24}">
-                <p16:designElem xmlns:p16="http://schemas.microsoft.com/office/powerpoint/2015/main" val="1"/>
-              </p:ext>
-            </p:extLst>
-          </p:nvPr>
-        </p:nvSpPr>
-        <p:spPr>
-          <a:xfrm>
-            <a:off x="11281776" y="0"/>
-            <a:ext cx="917634" cy="6858000"/>
-          </a:xfrm>
-          <a:prstGeom prst="rect">
-            <a:avLst/>
-          </a:prstGeom>
-          <a:solidFill>
-            <a:schemeClr val="accent1"/>
-          </a:solidFill>
-          <a:ln>
-            <a:noFill/>
-          </a:ln>
-        </p:spPr>
-        <p:style>
-          <a:lnRef idx="2">
-            <a:schemeClr val="accent1">
-              <a:shade val="50000"/>
-            </a:schemeClr>
-          </a:lnRef>
-          <a:fillRef idx="1">
-            <a:schemeClr val="accent1"/>
-          </a:fillRef>
-          <a:effectRef idx="0">
-            <a:schemeClr val="accent1"/>
-          </a:effectRef>
-          <a:fontRef idx="minor">
-            <a:schemeClr val="lt1"/>
-          </a:fontRef>
-        </p:style>
-      </p:sp>
-      <p:pic>
-        <p:nvPicPr>
-          <p:cNvPr id="45" name="Picture 44">
-            <a:extLst>
-              <a:ext uri="{FF2B5EF4-FFF2-40B4-BE49-F238E27FC236}">
-                <a16:creationId xmlns:a16="http://schemas.microsoft.com/office/drawing/2014/main" id="{1C4DCE7A-0E46-404B-9E0D-E93DC7B2A861}"/>
-              </a:ext>
-              <a:ext uri="{C183D7F6-B498-43B3-948B-1728B52AA6E4}">
-                <adec:decorative xmlns:adec="http://schemas.microsoft.com/office/drawing/2017/decorative" val="1"/>
-              </a:ext>
-            </a:extLst>
-          </p:cNvPr>
-          <p:cNvPicPr>
-            <a:picLocks noGrp="1" noRot="1" noChangeAspect="1" noMove="1" noResize="1" noEditPoints="1" noAdjustHandles="1" noChangeArrowheads="1" noChangeShapeType="1" noCrop="1"/>
-          </p:cNvPicPr>
-          <p:nvPr>
-            <p:extLst>
-              <p:ext uri="{386F3935-93C4-4BCD-93E2-E3B085C9AB24}">
-                <p16:designElem xmlns:p16="http://schemas.microsoft.com/office/powerpoint/2015/main" val="1"/>
-              </p:ext>
-            </p:extLst>
-          </p:nvPr>
-        </p:nvPicPr>
-        <p:blipFill>
-          <a:blip r:embed="rId2">
-            <a:alphaModFix amt="10000"/>
-            <a:extLst>
-              <a:ext uri="{28A0092B-C50C-407E-A947-70E740481C1C}">
-                <a14:useLocalDpi xmlns:a14="http://schemas.microsoft.com/office/drawing/2010/main" val="0"/>
-              </a:ext>
-            </a:extLst>
-          </a:blip>
-          <a:stretch>
-            <a:fillRect/>
-          </a:stretch>
-        </p:blipFill>
-        <p:spPr>
-          <a:xfrm>
-            <a:off x="0" y="0"/>
-            <a:ext cx="12192000" cy="6858000"/>
-          </a:xfrm>
-          <a:prstGeom prst="rect">
-            <a:avLst/>
-          </a:prstGeom>
-        </p:spPr>
-      </p:pic>
-      <p:sp>
-        <p:nvSpPr>
-          <p:cNvPr id="47" name="Rectangle 46">
-            <a:extLst>
-              <a:ext uri="{FF2B5EF4-FFF2-40B4-BE49-F238E27FC236}">
-                <a16:creationId xmlns:a16="http://schemas.microsoft.com/office/drawing/2014/main" id="{ADD673B7-F6B7-43EE-936B-D09F3A337A3E}"/>
-              </a:ext>
-              <a:ext uri="{C183D7F6-B498-43B3-948B-1728B52AA6E4}">
-                <adec:decorative xmlns:adec="http://schemas.microsoft.com/office/drawing/2017/decorative" val="1"/>
-              </a:ext>
-            </a:extLst>
-          </p:cNvPr>
-          <p:cNvSpPr>
-            <a:spLocks noGrp="1" noRot="1" noChangeAspect="1" noMove="1" noResize="1" noEditPoints="1" noAdjustHandles="1" noChangeArrowheads="1" noChangeShapeType="1" noTextEdit="1"/>
-          </p:cNvSpPr>
-          <p:nvPr>
-            <p:extLst>
-              <p:ext uri="{386F3935-93C4-4BCD-93E2-E3B085C9AB24}">
-                <p16:designElem xmlns:p16="http://schemas.microsoft.com/office/powerpoint/2015/main" val="1"/>
-              </p:ext>
-            </p:extLst>
-          </p:nvPr>
-        </p:nvSpPr>
-        <p:spPr>
-          <a:xfrm>
-            <a:off x="0" y="0"/>
-            <a:ext cx="11281776" cy="6858000"/>
-          </a:xfrm>
-          <a:prstGeom prst="rect">
-            <a:avLst/>
-          </a:prstGeom>
-          <a:solidFill>
-            <a:schemeClr val="bg1"/>
-          </a:solidFill>
-          <a:ln>
-            <a:noFill/>
-          </a:ln>
-          <a:effectLst>
-            <a:outerShdw blurRad="88900" dist="38100" dir="2700000" algn="tl" rotWithShape="0">
-              <a:prstClr val="black">
-                <a:alpha val="30000"/>
-              </a:prstClr>
-            </a:outerShdw>
-          </a:effectLst>
-        </p:spPr>
-        <p:style>
-          <a:lnRef idx="2">
-            <a:schemeClr val="accent1">
-              <a:shade val="50000"/>
-            </a:schemeClr>
-          </a:lnRef>
-          <a:fillRef idx="1">
-            <a:schemeClr val="accent1"/>
-          </a:fillRef>
-          <a:effectRef idx="0">
-            <a:schemeClr val="accent1"/>
-          </a:effectRef>
-          <a:fontRef idx="minor">
-            <a:schemeClr val="lt1"/>
-          </a:fontRef>
-        </p:style>
-        <p:txBody>
-          <a:bodyPr rtlCol="0" anchor="ctr"/>
-          <a:lstStyle/>
-          <a:p>
-            <a:pPr algn="ctr"/>
-            <a:endParaRPr lang="en-US"/>
-          </a:p>
-        </p:txBody>
-      </p:sp>
-      <p:sp>
-        <p:nvSpPr>
-          <p:cNvPr id="2" name="Title 1">
-            <a:extLst>
-              <a:ext uri="{FF2B5EF4-FFF2-40B4-BE49-F238E27FC236}">
-                <a16:creationId xmlns:a16="http://schemas.microsoft.com/office/drawing/2014/main" id="{57468150-1D24-4D51-BC68-1C021D05D209}"/>
-              </a:ext>
-            </a:extLst>
-          </p:cNvPr>
-          <p:cNvSpPr>
-            <a:spLocks noGrp="1"/>
-          </p:cNvSpPr>
-          <p:nvPr>
-            <p:ph type="title"/>
-          </p:nvPr>
-        </p:nvSpPr>
-        <p:spPr>
-          <a:xfrm>
-            <a:off x="6770849" y="643466"/>
-            <a:ext cx="3846292" cy="5205943"/>
-          </a:xfrm>
-        </p:spPr>
-        <p:txBody>
-          <a:bodyPr anchor="b">
-            <a:normAutofit/>
-          </a:bodyPr>
-          <a:lstStyle/>
-          <a:p>
-            <a:pPr algn="r"/>
-            <a:r>
-              <a:rPr lang="en-US" sz="4800">
-                <a:solidFill>
-                  <a:schemeClr val="accent1"/>
-                </a:solidFill>
-              </a:rPr>
-              <a:t>Conclusion</a:t>
-            </a:r>
-          </a:p>
-        </p:txBody>
-      </p:sp>
-      <p:sp>
-        <p:nvSpPr>
-          <p:cNvPr id="3" name="Content Placeholder 2">
-            <a:extLst>
-              <a:ext uri="{FF2B5EF4-FFF2-40B4-BE49-F238E27FC236}">
-                <a16:creationId xmlns:a16="http://schemas.microsoft.com/office/drawing/2014/main" id="{C9254DAD-1896-40A3-88CA-ADE77E8A948C}"/>
-              </a:ext>
-            </a:extLst>
-          </p:cNvPr>
-          <p:cNvSpPr>
-            <a:spLocks noGrp="1"/>
-          </p:cNvSpPr>
-          <p:nvPr>
-            <p:ph idx="1"/>
-          </p:nvPr>
-        </p:nvSpPr>
-        <p:spPr>
-          <a:xfrm>
-            <a:off x="680321" y="965200"/>
-            <a:ext cx="5410207" cy="4884209"/>
-          </a:xfrm>
-        </p:spPr>
-        <p:txBody>
-          <a:bodyPr anchor="ctr">
-            <a:normAutofit/>
-          </a:bodyPr>
-          <a:lstStyle/>
-          <a:p>
-            <a:r>
-              <a:rPr lang="en-US" sz="2000" dirty="0"/>
-              <a:t>Further cleaning will help the model</a:t>
-            </a:r>
-          </a:p>
-          <a:p>
-            <a:r>
-              <a:rPr lang="en-US" sz="2000" dirty="0"/>
-              <a:t>Model struggled at classifying Vietnamese cuisines</a:t>
-            </a:r>
-            <a:endParaRPr lang="en-US" sz="1600" dirty="0"/>
-          </a:p>
-          <a:p>
-            <a:pPr lvl="1"/>
-            <a:r>
-              <a:rPr lang="en-US" dirty="0"/>
-              <a:t>Generate more insights to see why</a:t>
-            </a:r>
-          </a:p>
-          <a:p>
-            <a:endParaRPr lang="en-US" sz="2000" dirty="0"/>
-          </a:p>
-        </p:txBody>
-      </p:sp>
-    </p:spTree>
-    <p:extLst>
-      <p:ext uri="{BB962C8B-B14F-4D97-AF65-F5344CB8AC3E}">
-        <p14:creationId xmlns:p14="http://schemas.microsoft.com/office/powerpoint/2010/main" val="2644390209"/>
-      </p:ext>
-    </p:extLst>
-  </p:cSld>
-  <p:clrMapOvr>
-    <a:masterClrMapping/>
-  </p:clrMapOvr>
-</p:sld>
-</file>
-
-<file path=ppt/slides/slide9.xml><?xml version="1.0" encoding="utf-8"?>
-<p:sld xmlns:a="http://schemas.openxmlformats.org/drawingml/2006/main" xmlns:r="http://schemas.openxmlformats.org/officeDocument/2006/relationships" xmlns:p="http://schemas.openxmlformats.org/presentationml/2006/main">
-  <p:cSld>
-    <p:bg>
-      <p:bgPr>
-        <a:gradFill rotWithShape="1">
-          <a:gsLst>
-            <a:gs pos="0">
-              <a:schemeClr val="bg2">
-                <a:tint val="96000"/>
-                <a:shade val="100000"/>
-                <a:hueMod val="270000"/>
-                <a:satMod val="200000"/>
-                <a:lumMod val="128000"/>
-              </a:schemeClr>
-            </a:gs>
-            <a:gs pos="50000">
-              <a:schemeClr val="bg2">
-                <a:shade val="100000"/>
-                <a:hueMod val="100000"/>
-                <a:satMod val="110000"/>
-                <a:lumMod val="130000"/>
-              </a:schemeClr>
-            </a:gs>
-            <a:gs pos="100000">
-              <a:schemeClr val="bg2">
-                <a:shade val="78000"/>
-                <a:hueMod val="44000"/>
-                <a:satMod val="200000"/>
-                <a:lumMod val="69000"/>
-              </a:schemeClr>
-            </a:gs>
-          </a:gsLst>
-          <a:lin ang="2520000" scaled="0"/>
-        </a:gradFill>
-        <a:effectLst/>
-      </p:bgPr>
-    </p:bg>
-    <p:spTree>
-      <p:nvGrpSpPr>
-        <p:cNvPr id="1" name=""/>
-        <p:cNvGrpSpPr/>
-        <p:nvPr/>
-      </p:nvGrpSpPr>
-      <p:grpSpPr>
-        <a:xfrm>
-          <a:off x="0" y="0"/>
-          <a:ext cx="0" cy="0"/>
-          <a:chOff x="0" y="0"/>
-          <a:chExt cx="0" cy="0"/>
-        </a:xfrm>
-      </p:grpSpPr>
-      <p:sp>
-        <p:nvSpPr>
-          <p:cNvPr id="8" name="Rectangle 7">
-            <a:extLst>
-              <a:ext uri="{FF2B5EF4-FFF2-40B4-BE49-F238E27FC236}">
-                <a16:creationId xmlns:a16="http://schemas.microsoft.com/office/drawing/2014/main" id="{C7F36C09-16BA-4141-A705-C6B5B5A40BF4}"/>
-              </a:ext>
-              <a:ext uri="{C183D7F6-B498-43B3-948B-1728B52AA6E4}">
-                <adec:decorative xmlns:adec="http://schemas.microsoft.com/office/drawing/2017/decorative" val="1"/>
-              </a:ext>
-            </a:extLst>
-          </p:cNvPr>
-          <p:cNvSpPr>
-            <a:spLocks noGrp="1" noRot="1" noChangeAspect="1" noMove="1" noResize="1" noEditPoints="1" noAdjustHandles="1" noChangeArrowheads="1" noChangeShapeType="1" noTextEdit="1"/>
-          </p:cNvSpPr>
-          <p:nvPr>
-            <p:extLst>
-              <p:ext uri="{386F3935-93C4-4BCD-93E2-E3B085C9AB24}">
-                <p16:designElem xmlns:p16="http://schemas.microsoft.com/office/powerpoint/2015/main" val="1"/>
-              </p:ext>
-            </p:extLst>
-          </p:nvPr>
-        </p:nvSpPr>
-        <p:spPr>
-          <a:xfrm>
-            <a:off x="11281776" y="0"/>
-            <a:ext cx="917634" cy="6858000"/>
-          </a:xfrm>
-          <a:prstGeom prst="rect">
-            <a:avLst/>
-          </a:prstGeom>
-          <a:solidFill>
-            <a:schemeClr val="accent1"/>
-          </a:solidFill>
-          <a:ln>
-            <a:noFill/>
-          </a:ln>
-        </p:spPr>
-        <p:style>
-          <a:lnRef idx="2">
-            <a:schemeClr val="accent1">
-              <a:shade val="50000"/>
-            </a:schemeClr>
-          </a:lnRef>
-          <a:fillRef idx="1">
-            <a:schemeClr val="accent1"/>
-          </a:fillRef>
-          <a:effectRef idx="0">
-            <a:schemeClr val="accent1"/>
-          </a:effectRef>
-          <a:fontRef idx="minor">
-            <a:schemeClr val="lt1"/>
-          </a:fontRef>
-        </p:style>
-      </p:sp>
-      <p:pic>
-        <p:nvPicPr>
-          <p:cNvPr id="10" name="Picture 9">
-            <a:extLst>
-              <a:ext uri="{FF2B5EF4-FFF2-40B4-BE49-F238E27FC236}">
-                <a16:creationId xmlns:a16="http://schemas.microsoft.com/office/drawing/2014/main" id="{C9CE521D-42CE-4CD9-AFFE-37255AC0A649}"/>
-              </a:ext>
-              <a:ext uri="{C183D7F6-B498-43B3-948B-1728B52AA6E4}">
-                <adec:decorative xmlns:adec="http://schemas.microsoft.com/office/drawing/2017/decorative" val="1"/>
-              </a:ext>
-            </a:extLst>
-          </p:cNvPr>
-          <p:cNvPicPr>
-            <a:picLocks noGrp="1" noRot="1" noChangeAspect="1" noMove="1" noResize="1" noEditPoints="1" noAdjustHandles="1" noChangeArrowheads="1" noChangeShapeType="1" noCrop="1"/>
-          </p:cNvPicPr>
-          <p:nvPr>
-            <p:extLst>
-              <p:ext uri="{386F3935-93C4-4BCD-93E2-E3B085C9AB24}">
-                <p16:designElem xmlns:p16="http://schemas.microsoft.com/office/powerpoint/2015/main" val="1"/>
-              </p:ext>
-            </p:extLst>
-          </p:nvPr>
-        </p:nvPicPr>
-        <p:blipFill>
-          <a:blip r:embed="rId2">
-            <a:alphaModFix amt="10000"/>
-            <a:extLst>
-              <a:ext uri="{28A0092B-C50C-407E-A947-70E740481C1C}">
-                <a14:useLocalDpi xmlns:a14="http://schemas.microsoft.com/office/drawing/2010/main" val="0"/>
-              </a:ext>
-            </a:extLst>
-          </a:blip>
-          <a:stretch>
-            <a:fillRect/>
-          </a:stretch>
-        </p:blipFill>
-        <p:spPr>
-          <a:xfrm>
-            <a:off x="0" y="0"/>
-            <a:ext cx="12192000" cy="6858000"/>
-          </a:xfrm>
-          <a:prstGeom prst="rect">
-            <a:avLst/>
-          </a:prstGeom>
-        </p:spPr>
-      </p:pic>
-      <p:sp>
-        <p:nvSpPr>
-          <p:cNvPr id="12" name="Rectangle 11">
-            <a:extLst>
-              <a:ext uri="{FF2B5EF4-FFF2-40B4-BE49-F238E27FC236}">
-                <a16:creationId xmlns:a16="http://schemas.microsoft.com/office/drawing/2014/main" id="{460C2540-36DC-4C0A-A9C0-231ED365DC32}"/>
-              </a:ext>
-              <a:ext uri="{C183D7F6-B498-43B3-948B-1728B52AA6E4}">
-                <adec:decorative xmlns:adec="http://schemas.microsoft.com/office/drawing/2017/decorative" val="1"/>
-              </a:ext>
-            </a:extLst>
-          </p:cNvPr>
-          <p:cNvSpPr>
-            <a:spLocks noGrp="1" noRot="1" noChangeAspect="1" noMove="1" noResize="1" noEditPoints="1" noAdjustHandles="1" noChangeArrowheads="1" noChangeShapeType="1" noTextEdit="1"/>
-          </p:cNvSpPr>
-          <p:nvPr>
-            <p:extLst>
-              <p:ext uri="{386F3935-93C4-4BCD-93E2-E3B085C9AB24}">
-                <p16:designElem xmlns:p16="http://schemas.microsoft.com/office/powerpoint/2015/main" val="1"/>
-              </p:ext>
-            </p:extLst>
-          </p:nvPr>
-        </p:nvSpPr>
-        <p:spPr>
-          <a:xfrm>
-            <a:off x="0" y="0"/>
-            <a:ext cx="11281776" cy="6858000"/>
-          </a:xfrm>
-          <a:prstGeom prst="rect">
-            <a:avLst/>
-          </a:prstGeom>
-          <a:solidFill>
-            <a:schemeClr val="bg1"/>
-          </a:solidFill>
-          <a:ln>
-            <a:noFill/>
-          </a:ln>
-          <a:effectLst>
-            <a:outerShdw blurRad="88900" dist="38100" dir="2700000" algn="tl" rotWithShape="0">
-              <a:prstClr val="black">
-                <a:alpha val="30000"/>
-              </a:prstClr>
-            </a:outerShdw>
-          </a:effectLst>
-        </p:spPr>
-        <p:style>
-          <a:lnRef idx="2">
-            <a:schemeClr val="accent1">
-              <a:shade val="50000"/>
-            </a:schemeClr>
-          </a:lnRef>
-          <a:fillRef idx="1">
-            <a:schemeClr val="accent1"/>
-          </a:fillRef>
-          <a:effectRef idx="0">
-            <a:schemeClr val="accent1"/>
-          </a:effectRef>
-          <a:fontRef idx="minor">
-            <a:schemeClr val="lt1"/>
-          </a:fontRef>
-        </p:style>
-        <p:txBody>
-          <a:bodyPr rtlCol="0" anchor="ctr"/>
-          <a:lstStyle/>
-          <a:p>
-            <a:pPr algn="ctr"/>
-            <a:endParaRPr lang="en-US"/>
-          </a:p>
-        </p:txBody>
-      </p:sp>
-      <p:sp>
-        <p:nvSpPr>
-          <p:cNvPr id="2" name="Title 1">
-            <a:extLst>
-              <a:ext uri="{FF2B5EF4-FFF2-40B4-BE49-F238E27FC236}">
-                <a16:creationId xmlns:a16="http://schemas.microsoft.com/office/drawing/2014/main" id="{ACFF776F-2F44-42B2-9996-9AB75D960F80}"/>
-              </a:ext>
-            </a:extLst>
-          </p:cNvPr>
-          <p:cNvSpPr>
-            <a:spLocks noGrp="1"/>
-          </p:cNvSpPr>
-          <p:nvPr>
-            <p:ph type="title"/>
-          </p:nvPr>
-        </p:nvSpPr>
-        <p:spPr>
-          <a:xfrm>
-            <a:off x="680321" y="753228"/>
-            <a:ext cx="9613861" cy="1080938"/>
-          </a:xfrm>
-        </p:spPr>
-        <p:txBody>
-          <a:bodyPr>
-            <a:normAutofit/>
-          </a:bodyPr>
-          <a:lstStyle/>
-          <a:p>
-            <a:r>
-              <a:rPr lang="en-US">
-                <a:solidFill>
-                  <a:schemeClr val="accent1"/>
-                </a:solidFill>
-              </a:rPr>
-              <a:t>Next Steps</a:t>
-            </a:r>
-          </a:p>
-        </p:txBody>
-      </p:sp>
-      <p:sp>
-        <p:nvSpPr>
-          <p:cNvPr id="3" name="Content Placeholder 2">
-            <a:extLst>
-              <a:ext uri="{FF2B5EF4-FFF2-40B4-BE49-F238E27FC236}">
-                <a16:creationId xmlns:a16="http://schemas.microsoft.com/office/drawing/2014/main" id="{D39A0299-A5AB-450F-A57D-76EA82417E1F}"/>
-              </a:ext>
-            </a:extLst>
-          </p:cNvPr>
-          <p:cNvSpPr>
-            <a:spLocks noGrp="1"/>
-          </p:cNvSpPr>
-          <p:nvPr>
-            <p:ph idx="1"/>
-          </p:nvPr>
-        </p:nvSpPr>
-        <p:spPr>
-          <a:xfrm>
-            <a:off x="680321" y="2336873"/>
-            <a:ext cx="6834299" cy="3599316"/>
-          </a:xfrm>
-        </p:spPr>
-        <p:txBody>
-          <a:bodyPr>
-            <a:normAutofit/>
-          </a:bodyPr>
-          <a:lstStyle/>
-          <a:p>
-            <a:r>
-              <a:rPr lang="en-US" sz="2000" dirty="0"/>
-              <a:t>More data analysis and insights </a:t>
-            </a:r>
-          </a:p>
-          <a:p>
-            <a:pPr lvl="1"/>
-            <a:r>
-              <a:rPr lang="en-US" sz="1600" dirty="0"/>
-              <a:t>Feature engineering </a:t>
-            </a:r>
-          </a:p>
-          <a:p>
-            <a:pPr lvl="1"/>
-            <a:r>
-              <a:rPr lang="en-US" sz="1600" dirty="0"/>
-              <a:t>Common words</a:t>
-            </a:r>
-          </a:p>
-          <a:p>
-            <a:pPr lvl="1"/>
-            <a:r>
-              <a:rPr lang="en-US" sz="1600" dirty="0"/>
-              <a:t>Patterns</a:t>
-            </a:r>
-          </a:p>
-          <a:p>
-            <a:r>
-              <a:rPr lang="en-US" sz="2000" dirty="0"/>
-              <a:t>Use best model to generate a recommendation system that can provide a cuisine given on-hand ingredients</a:t>
-            </a:r>
-          </a:p>
-          <a:p>
-            <a:pPr lvl="1"/>
-            <a:r>
-              <a:rPr lang="en-US" sz="1600" dirty="0"/>
-              <a:t>Implement Neural Network</a:t>
-            </a:r>
-          </a:p>
-        </p:txBody>
-      </p:sp>
-    </p:spTree>
-    <p:extLst>
-      <p:ext uri="{BB962C8B-B14F-4D97-AF65-F5344CB8AC3E}">
-        <p14:creationId xmlns:p14="http://schemas.microsoft.com/office/powerpoint/2010/main" val="1060831548"/>
       </p:ext>
     </p:extLst>
   </p:cSld>
